--- a/doc/architecture.pptx
+++ b/doc/architecture.pptx
@@ -265,7 +265,7 @@
           <a:p>
             <a:fld id="{BD01BFE4-158D-434D-A090-6C8C9FD01481}" type="datetimeFigureOut">
               <a:rPr lang="en-US" smtClean="0"/>
-              <a:t>8/6/2017</a:t>
+              <a:t>8/10/2017</a:t>
             </a:fld>
             <a:endParaRPr lang="en-US"/>
           </a:p>
@@ -497,7 +497,7 @@
           <a:p>
             <a:fld id="{BD01BFE4-158D-434D-A090-6C8C9FD01481}" type="datetimeFigureOut">
               <a:rPr lang="en-US" smtClean="0"/>
-              <a:t>8/6/2017</a:t>
+              <a:t>8/10/2017</a:t>
             </a:fld>
             <a:endParaRPr lang="en-US"/>
           </a:p>
@@ -739,7 +739,7 @@
           <a:p>
             <a:fld id="{BD01BFE4-158D-434D-A090-6C8C9FD01481}" type="datetimeFigureOut">
               <a:rPr lang="en-US" smtClean="0"/>
-              <a:t>8/6/2017</a:t>
+              <a:t>8/10/2017</a:t>
             </a:fld>
             <a:endParaRPr lang="en-US"/>
           </a:p>
@@ -971,7 +971,7 @@
           <a:p>
             <a:fld id="{BD01BFE4-158D-434D-A090-6C8C9FD01481}" type="datetimeFigureOut">
               <a:rPr lang="en-US" smtClean="0"/>
-              <a:t>8/6/2017</a:t>
+              <a:t>8/10/2017</a:t>
             </a:fld>
             <a:endParaRPr lang="en-US"/>
           </a:p>
@@ -1247,7 +1247,7 @@
           <a:p>
             <a:fld id="{BD01BFE4-158D-434D-A090-6C8C9FD01481}" type="datetimeFigureOut">
               <a:rPr lang="en-US" smtClean="0"/>
-              <a:t>8/6/2017</a:t>
+              <a:t>8/10/2017</a:t>
             </a:fld>
             <a:endParaRPr lang="en-US"/>
           </a:p>
@@ -1579,7 +1579,7 @@
           <a:p>
             <a:fld id="{BD01BFE4-158D-434D-A090-6C8C9FD01481}" type="datetimeFigureOut">
               <a:rPr lang="en-US" smtClean="0"/>
-              <a:t>8/6/2017</a:t>
+              <a:t>8/10/2017</a:t>
             </a:fld>
             <a:endParaRPr lang="en-US"/>
           </a:p>
@@ -2058,7 +2058,7 @@
           <a:p>
             <a:fld id="{BD01BFE4-158D-434D-A090-6C8C9FD01481}" type="datetimeFigureOut">
               <a:rPr lang="en-US" smtClean="0"/>
-              <a:t>8/6/2017</a:t>
+              <a:t>8/10/2017</a:t>
             </a:fld>
             <a:endParaRPr lang="en-US"/>
           </a:p>
@@ -2200,7 +2200,7 @@
           <a:p>
             <a:fld id="{BD01BFE4-158D-434D-A090-6C8C9FD01481}" type="datetimeFigureOut">
               <a:rPr lang="en-US" smtClean="0"/>
-              <a:t>8/6/2017</a:t>
+              <a:t>8/10/2017</a:t>
             </a:fld>
             <a:endParaRPr lang="en-US"/>
           </a:p>
@@ -2313,7 +2313,7 @@
           <a:p>
             <a:fld id="{BD01BFE4-158D-434D-A090-6C8C9FD01481}" type="datetimeFigureOut">
               <a:rPr lang="en-US" smtClean="0"/>
-              <a:t>8/6/2017</a:t>
+              <a:t>8/10/2017</a:t>
             </a:fld>
             <a:endParaRPr lang="en-US"/>
           </a:p>
@@ -2658,7 +2658,7 @@
           <a:p>
             <a:fld id="{BD01BFE4-158D-434D-A090-6C8C9FD01481}" type="datetimeFigureOut">
               <a:rPr lang="en-US" smtClean="0"/>
-              <a:t>8/6/2017</a:t>
+              <a:t>8/10/2017</a:t>
             </a:fld>
             <a:endParaRPr lang="en-US"/>
           </a:p>
@@ -2947,7 +2947,7 @@
           <a:p>
             <a:fld id="{BD01BFE4-158D-434D-A090-6C8C9FD01481}" type="datetimeFigureOut">
               <a:rPr lang="en-US" smtClean="0"/>
-              <a:t>8/6/2017</a:t>
+              <a:t>8/10/2017</a:t>
             </a:fld>
             <a:endParaRPr lang="en-US"/>
           </a:p>
@@ -3222,7 +3222,7 @@
           <a:p>
             <a:fld id="{BD01BFE4-158D-434D-A090-6C8C9FD01481}" type="datetimeFigureOut">
               <a:rPr lang="en-US" smtClean="0"/>
-              <a:t>8/6/2017</a:t>
+              <a:t>8/10/2017</a:t>
             </a:fld>
             <a:endParaRPr lang="en-US"/>
           </a:p>
@@ -3818,7 +3818,7 @@
         </p:nvSpPr>
         <p:spPr>
           <a:xfrm>
-            <a:off x="240145" y="5320129"/>
+            <a:off x="240145" y="5781944"/>
             <a:ext cx="1071419" cy="683491"/>
           </a:xfrm>
           <a:prstGeom prst="roundRect">
@@ -3873,7 +3873,7 @@
         </p:nvSpPr>
         <p:spPr>
           <a:xfrm>
-            <a:off x="1565565" y="5320128"/>
+            <a:off x="1565565" y="5781943"/>
             <a:ext cx="1071419" cy="683491"/>
           </a:xfrm>
           <a:prstGeom prst="roundRect">
@@ -3928,7 +3928,7 @@
         </p:nvSpPr>
         <p:spPr>
           <a:xfrm>
-            <a:off x="2872514" y="5320128"/>
+            <a:off x="2872514" y="5781943"/>
             <a:ext cx="1071419" cy="683491"/>
           </a:xfrm>
           <a:prstGeom prst="roundRect">
@@ -3983,7 +3983,7 @@
         </p:nvSpPr>
         <p:spPr>
           <a:xfrm>
-            <a:off x="3796144" y="3856164"/>
+            <a:off x="3796144" y="4317979"/>
             <a:ext cx="1071419" cy="683491"/>
           </a:xfrm>
           <a:prstGeom prst="roundRect">
@@ -4038,8 +4038,8 @@
         </p:nvSpPr>
         <p:spPr>
           <a:xfrm>
-            <a:off x="5838817" y="3854318"/>
-            <a:ext cx="1071419" cy="683491"/>
+            <a:off x="5838817" y="4112941"/>
+            <a:ext cx="3633067" cy="1104730"/>
           </a:xfrm>
           <a:prstGeom prst="roundRect">
             <a:avLst/>
@@ -4100,7 +4100,7 @@
         </p:nvCxnSpPr>
         <p:spPr>
           <a:xfrm rot="5400000" flipH="1" flipV="1">
-            <a:off x="1724890" y="3248876"/>
+            <a:off x="1724890" y="3710691"/>
             <a:ext cx="1122219" cy="3020289"/>
           </a:xfrm>
           <a:prstGeom prst="bentConnector2">
@@ -4143,7 +4143,7 @@
         </p:nvCxnSpPr>
         <p:spPr>
           <a:xfrm rot="5400000" flipH="1" flipV="1">
-            <a:off x="2387600" y="3911585"/>
+            <a:off x="2387600" y="4373400"/>
             <a:ext cx="1122218" cy="1694869"/>
           </a:xfrm>
           <a:prstGeom prst="bentConnector2">
@@ -4186,7 +4186,7 @@
         </p:nvCxnSpPr>
         <p:spPr>
           <a:xfrm rot="5400000">
-            <a:off x="3479803" y="4468076"/>
+            <a:off x="3479803" y="4929891"/>
             <a:ext cx="780473" cy="923630"/>
           </a:xfrm>
           <a:prstGeom prst="bentConnector3">
@@ -4223,15 +4223,16 @@
             </a:extLst>
           </p:cNvPr>
           <p:cNvCxnSpPr>
+            <a:cxnSpLocks/>
             <a:stCxn id="10" idx="3"/>
             <a:endCxn id="11" idx="1"/>
           </p:cNvCxnSpPr>
           <p:nvPr/>
         </p:nvCxnSpPr>
         <p:spPr>
-          <a:xfrm flipV="1">
-            <a:off x="4867563" y="4196064"/>
-            <a:ext cx="971254" cy="1846"/>
+          <a:xfrm>
+            <a:off x="4867563" y="4659725"/>
+            <a:ext cx="971254" cy="5581"/>
           </a:xfrm>
           <a:prstGeom prst="straightConnector1">
             <a:avLst/>
@@ -4269,7 +4270,7 @@
         </p:nvSpPr>
         <p:spPr>
           <a:xfrm>
-            <a:off x="5975066" y="2087155"/>
+            <a:off x="5975066" y="1893193"/>
             <a:ext cx="1071419" cy="683491"/>
           </a:xfrm>
           <a:prstGeom prst="roundRect">
@@ -4328,7 +4329,7 @@
         </p:nvSpPr>
         <p:spPr>
           <a:xfrm>
-            <a:off x="8261930" y="3858480"/>
+            <a:off x="8261930" y="4320295"/>
             <a:ext cx="1071419" cy="683491"/>
           </a:xfrm>
           <a:prstGeom prst="roundRect">
@@ -4364,13 +4365,6 @@
               <a:t>Edge computing</a:t>
             </a:r>
           </a:p>
-          <a:p>
-            <a:pPr algn="ctr"/>
-            <a:r>
-              <a:rPr lang="en-US" sz="1400" dirty="0"/>
-              <a:t>Service</a:t>
-            </a:r>
-          </a:p>
         </p:txBody>
       </p:sp>
       <p:cxnSp>
@@ -4390,13 +4384,13 @@
           <p:nvPr/>
         </p:nvCxnSpPr>
         <p:spPr>
-          <a:xfrm rot="5400000" flipH="1">
-            <a:off x="7584003" y="3328334"/>
-            <a:ext cx="4162" cy="2423113"/>
+          <a:xfrm rot="5400000">
+            <a:off x="8119554" y="4539584"/>
+            <a:ext cx="213885" cy="1142289"/>
           </a:xfrm>
           <a:prstGeom prst="bentConnector3">
             <a:avLst>
-              <a:gd name="adj1" fmla="val -16366675"/>
+              <a:gd name="adj1" fmla="val 306203"/>
             </a:avLst>
           </a:prstGeom>
           <a:ln w="76200">
@@ -4429,17 +4423,19 @@
           </p:cNvPr>
           <p:cNvCxnSpPr>
             <a:cxnSpLocks/>
+            <a:stCxn id="11" idx="0"/>
+            <a:endCxn id="10" idx="0"/>
           </p:cNvCxnSpPr>
           <p:nvPr/>
         </p:nvCxnSpPr>
         <p:spPr>
           <a:xfrm rot="16200000" flipH="1" flipV="1">
-            <a:off x="5352268" y="2833905"/>
-            <a:ext cx="1846" cy="2042673"/>
+            <a:off x="5891084" y="2553711"/>
+            <a:ext cx="205038" cy="3323497"/>
           </a:xfrm>
           <a:prstGeom prst="bentConnector3">
             <a:avLst>
-              <a:gd name="adj1" fmla="val -21890412"/>
+              <a:gd name="adj1" fmla="val -143025"/>
             </a:avLst>
           </a:prstGeom>
           <a:ln w="76200">
@@ -4475,7 +4471,7 @@
         </p:nvSpPr>
         <p:spPr>
           <a:xfrm>
-            <a:off x="10759668" y="2095769"/>
+            <a:off x="10759668" y="2557584"/>
             <a:ext cx="1071419" cy="1315029"/>
           </a:xfrm>
           <a:prstGeom prst="flowChartMagneticDisk">
@@ -4535,14 +4531,14 @@
           <p:cNvCxnSpPr>
             <a:cxnSpLocks/>
             <a:stCxn id="11" idx="3"/>
-            <a:endCxn id="104" idx="1"/>
+            <a:endCxn id="104" idx="3"/>
           </p:cNvCxnSpPr>
           <p:nvPr/>
         </p:nvCxnSpPr>
         <p:spPr>
-          <a:xfrm>
-            <a:off x="6910236" y="4196064"/>
-            <a:ext cx="1351694" cy="4162"/>
+          <a:xfrm flipH="1" flipV="1">
+            <a:off x="9333349" y="4662041"/>
+            <a:ext cx="138535" cy="3265"/>
           </a:xfrm>
           <a:prstGeom prst="straightConnector1">
             <a:avLst/>
@@ -4791,7 +4787,7 @@
         </p:nvCxnSpPr>
         <p:spPr>
           <a:xfrm flipV="1">
-            <a:off x="9333349" y="2793740"/>
+            <a:off x="9333349" y="3255555"/>
             <a:ext cx="1426319" cy="1406486"/>
           </a:xfrm>
           <a:prstGeom prst="bentConnector3">
@@ -4829,15 +4825,14 @@
           </p:cNvPr>
           <p:cNvCxnSpPr>
             <a:cxnSpLocks/>
-            <a:stCxn id="104" idx="0"/>
             <a:endCxn id="61" idx="2"/>
           </p:cNvCxnSpPr>
           <p:nvPr/>
         </p:nvCxnSpPr>
         <p:spPr>
-          <a:xfrm flipH="1" flipV="1">
-            <a:off x="8797638" y="2770646"/>
-            <a:ext cx="2" cy="1087834"/>
+          <a:xfrm flipV="1">
+            <a:off x="8792152" y="2576684"/>
+            <a:ext cx="5486" cy="1529726"/>
           </a:xfrm>
           <a:prstGeom prst="line">
             <a:avLst/>
@@ -4875,7 +4870,7 @@
         </p:nvSpPr>
         <p:spPr>
           <a:xfrm>
-            <a:off x="8261928" y="2087155"/>
+            <a:off x="8261928" y="1893193"/>
             <a:ext cx="1071419" cy="683491"/>
           </a:xfrm>
           <a:prstGeom prst="roundRect">
@@ -4937,8 +4932,8 @@
         </p:nvCxnSpPr>
         <p:spPr>
           <a:xfrm flipV="1">
-            <a:off x="6510776" y="2770646"/>
-            <a:ext cx="0" cy="1083672"/>
+            <a:off x="6510775" y="2576684"/>
+            <a:ext cx="1" cy="1529726"/>
           </a:xfrm>
           <a:prstGeom prst="line">
             <a:avLst/>
@@ -4976,7 +4971,7 @@
         </p:nvSpPr>
         <p:spPr>
           <a:xfrm>
-            <a:off x="6788731" y="3168081"/>
+            <a:off x="6788731" y="2974119"/>
             <a:ext cx="1322235" cy="307777"/>
           </a:xfrm>
           <a:prstGeom prst="rect">
@@ -5011,7 +5006,7 @@
         </p:nvGrpSpPr>
         <p:grpSpPr>
           <a:xfrm>
-            <a:off x="6640947" y="2923315"/>
+            <a:off x="6640947" y="2729353"/>
             <a:ext cx="152400" cy="743522"/>
             <a:chOff x="6640947" y="3117278"/>
             <a:chExt cx="152400" cy="743522"/>
@@ -5306,7 +5301,7 @@
         </p:nvGrpSpPr>
         <p:grpSpPr>
           <a:xfrm>
-            <a:off x="8926943" y="2900231"/>
+            <a:off x="8926943" y="2706269"/>
             <a:ext cx="152400" cy="743522"/>
             <a:chOff x="6640947" y="3117278"/>
             <a:chExt cx="152400" cy="743522"/>
@@ -5601,7 +5596,7 @@
         </p:nvSpPr>
         <p:spPr>
           <a:xfrm>
-            <a:off x="9056263" y="3144988"/>
+            <a:off x="9065499" y="2969498"/>
             <a:ext cx="1322235" cy="307777"/>
           </a:xfrm>
           <a:prstGeom prst="rect">
@@ -5636,7 +5631,7 @@
         </p:nvSpPr>
         <p:spPr>
           <a:xfrm>
-            <a:off x="8141854" y="3052631"/>
+            <a:off x="8141854" y="2858669"/>
             <a:ext cx="1322235" cy="523220"/>
           </a:xfrm>
           <a:prstGeom prst="rect">
@@ -5677,7 +5672,7 @@
         </p:nvSpPr>
         <p:spPr>
           <a:xfrm>
-            <a:off x="5845188" y="2810616"/>
+            <a:off x="5845188" y="2616654"/>
             <a:ext cx="878888" cy="523220"/>
           </a:xfrm>
           <a:prstGeom prst="rect">
@@ -5700,47 +5695,6 @@
             <a:r>
               <a:rPr lang="en-US" sz="1400" dirty="0"/>
               <a:t>Service</a:t>
-            </a:r>
-          </a:p>
-        </p:txBody>
-      </p:sp>
-      <p:sp>
-        <p:nvSpPr>
-          <p:cNvPr id="121" name="テキスト ボックス 120">
-            <a:extLst>
-              <a:ext uri="{FF2B5EF4-FFF2-40B4-BE49-F238E27FC236}">
-                <a16:creationId xmlns:a16="http://schemas.microsoft.com/office/drawing/2014/main" id="{C8C24B8A-0F3E-4A6B-87AA-56F67C2E6B15}"/>
-              </a:ext>
-            </a:extLst>
-          </p:cNvPr>
-          <p:cNvSpPr txBox="1"/>
-          <p:nvPr/>
-        </p:nvSpPr>
-        <p:spPr>
-          <a:xfrm>
-            <a:off x="7593754" y="4255915"/>
-            <a:ext cx="1322235" cy="523220"/>
-          </a:xfrm>
-          <a:prstGeom prst="rect">
-            <a:avLst/>
-          </a:prstGeom>
-          <a:noFill/>
-        </p:spPr>
-        <p:txBody>
-          <a:bodyPr wrap="square" rtlCol="0">
-            <a:spAutoFit/>
-          </a:bodyPr>
-          <a:lstStyle/>
-          <a:p>
-            <a:r>
-              <a:rPr lang="en-US" sz="1400" dirty="0"/>
-              <a:t>Thread</a:t>
-            </a:r>
-          </a:p>
-          <a:p>
-            <a:r>
-              <a:rPr lang="en-US" sz="1400" dirty="0"/>
-              <a:t>Pool</a:t>
             </a:r>
           </a:p>
         </p:txBody>

--- a/doc/architecture.pptx
+++ b/doc/architecture.pptx
@@ -265,7 +265,7 @@
           <a:p>
             <a:fld id="{BD01BFE4-158D-434D-A090-6C8C9FD01481}" type="datetimeFigureOut">
               <a:rPr lang="en-US" smtClean="0"/>
-              <a:t>8/10/2017</a:t>
+              <a:t>8/11/2017</a:t>
             </a:fld>
             <a:endParaRPr lang="en-US"/>
           </a:p>
@@ -497,7 +497,7 @@
           <a:p>
             <a:fld id="{BD01BFE4-158D-434D-A090-6C8C9FD01481}" type="datetimeFigureOut">
               <a:rPr lang="en-US" smtClean="0"/>
-              <a:t>8/10/2017</a:t>
+              <a:t>8/11/2017</a:t>
             </a:fld>
             <a:endParaRPr lang="en-US"/>
           </a:p>
@@ -739,7 +739,7 @@
           <a:p>
             <a:fld id="{BD01BFE4-158D-434D-A090-6C8C9FD01481}" type="datetimeFigureOut">
               <a:rPr lang="en-US" smtClean="0"/>
-              <a:t>8/10/2017</a:t>
+              <a:t>8/11/2017</a:t>
             </a:fld>
             <a:endParaRPr lang="en-US"/>
           </a:p>
@@ -971,7 +971,7 @@
           <a:p>
             <a:fld id="{BD01BFE4-158D-434D-A090-6C8C9FD01481}" type="datetimeFigureOut">
               <a:rPr lang="en-US" smtClean="0"/>
-              <a:t>8/10/2017</a:t>
+              <a:t>8/11/2017</a:t>
             </a:fld>
             <a:endParaRPr lang="en-US"/>
           </a:p>
@@ -1247,7 +1247,7 @@
           <a:p>
             <a:fld id="{BD01BFE4-158D-434D-A090-6C8C9FD01481}" type="datetimeFigureOut">
               <a:rPr lang="en-US" smtClean="0"/>
-              <a:t>8/10/2017</a:t>
+              <a:t>8/11/2017</a:t>
             </a:fld>
             <a:endParaRPr lang="en-US"/>
           </a:p>
@@ -1579,7 +1579,7 @@
           <a:p>
             <a:fld id="{BD01BFE4-158D-434D-A090-6C8C9FD01481}" type="datetimeFigureOut">
               <a:rPr lang="en-US" smtClean="0"/>
-              <a:t>8/10/2017</a:t>
+              <a:t>8/11/2017</a:t>
             </a:fld>
             <a:endParaRPr lang="en-US"/>
           </a:p>
@@ -2058,7 +2058,7 @@
           <a:p>
             <a:fld id="{BD01BFE4-158D-434D-A090-6C8C9FD01481}" type="datetimeFigureOut">
               <a:rPr lang="en-US" smtClean="0"/>
-              <a:t>8/10/2017</a:t>
+              <a:t>8/11/2017</a:t>
             </a:fld>
             <a:endParaRPr lang="en-US"/>
           </a:p>
@@ -2200,7 +2200,7 @@
           <a:p>
             <a:fld id="{BD01BFE4-158D-434D-A090-6C8C9FD01481}" type="datetimeFigureOut">
               <a:rPr lang="en-US" smtClean="0"/>
-              <a:t>8/10/2017</a:t>
+              <a:t>8/11/2017</a:t>
             </a:fld>
             <a:endParaRPr lang="en-US"/>
           </a:p>
@@ -2313,7 +2313,7 @@
           <a:p>
             <a:fld id="{BD01BFE4-158D-434D-A090-6C8C9FD01481}" type="datetimeFigureOut">
               <a:rPr lang="en-US" smtClean="0"/>
-              <a:t>8/10/2017</a:t>
+              <a:t>8/11/2017</a:t>
             </a:fld>
             <a:endParaRPr lang="en-US"/>
           </a:p>
@@ -2658,7 +2658,7 @@
           <a:p>
             <a:fld id="{BD01BFE4-158D-434D-A090-6C8C9FD01481}" type="datetimeFigureOut">
               <a:rPr lang="en-US" smtClean="0"/>
-              <a:t>8/10/2017</a:t>
+              <a:t>8/11/2017</a:t>
             </a:fld>
             <a:endParaRPr lang="en-US"/>
           </a:p>
@@ -2947,7 +2947,7 @@
           <a:p>
             <a:fld id="{BD01BFE4-158D-434D-A090-6C8C9FD01481}" type="datetimeFigureOut">
               <a:rPr lang="en-US" smtClean="0"/>
-              <a:t>8/10/2017</a:t>
+              <a:t>8/11/2017</a:t>
             </a:fld>
             <a:endParaRPr lang="en-US"/>
           </a:p>
@@ -3222,7 +3222,7 @@
           <a:p>
             <a:fld id="{BD01BFE4-158D-434D-A090-6C8C9FD01481}" type="datetimeFigureOut">
               <a:rPr lang="en-US" smtClean="0"/>
-              <a:t>8/10/2017</a:t>
+              <a:t>8/11/2017</a:t>
             </a:fld>
             <a:endParaRPr lang="en-US"/>
           </a:p>
@@ -4038,8 +4038,8 @@
         </p:nvSpPr>
         <p:spPr>
           <a:xfrm>
-            <a:off x="5838817" y="4112941"/>
-            <a:ext cx="3633067" cy="1104730"/>
+            <a:off x="5838817" y="4112940"/>
+            <a:ext cx="3633067" cy="2103133"/>
           </a:xfrm>
           <a:prstGeom prst="roundRect">
             <a:avLst/>
@@ -4069,17 +4069,7 @@
           <a:lstStyle/>
           <a:p>
             <a:pPr algn="ctr"/>
-            <a:r>
-              <a:rPr lang="en-US" sz="1600" dirty="0"/>
-              <a:t>Driver</a:t>
-            </a:r>
-          </a:p>
-          <a:p>
-            <a:pPr algn="ctr"/>
-            <a:r>
-              <a:rPr lang="en-US" sz="1600" dirty="0"/>
-              <a:t>Service</a:t>
-            </a:r>
+            <a:endParaRPr lang="en-US" sz="1600" dirty="0"/>
           </a:p>
         </p:txBody>
       </p:sp>
@@ -4225,14 +4215,14 @@
           <p:cNvCxnSpPr>
             <a:cxnSpLocks/>
             <a:stCxn id="10" idx="3"/>
-            <a:endCxn id="11" idx="1"/>
+            <a:endCxn id="53" idx="1"/>
           </p:cNvCxnSpPr>
           <p:nvPr/>
         </p:nvCxnSpPr>
         <p:spPr>
           <a:xfrm>
             <a:off x="4867563" y="4659725"/>
-            <a:ext cx="971254" cy="5581"/>
+            <a:ext cx="1163788" cy="16173"/>
           </a:xfrm>
           <a:prstGeom prst="straightConnector1">
             <a:avLst/>
@@ -4270,14 +4260,14 @@
         </p:nvSpPr>
         <p:spPr>
           <a:xfrm>
-            <a:off x="5975066" y="1893193"/>
-            <a:ext cx="1071419" cy="683491"/>
+            <a:off x="7111738" y="1901743"/>
+            <a:ext cx="1063043" cy="683491"/>
           </a:xfrm>
           <a:prstGeom prst="roundRect">
             <a:avLst/>
           </a:prstGeom>
           <a:solidFill>
-            <a:srgbClr val="00B0F0"/>
+            <a:srgbClr val="7030A0"/>
           </a:solidFill>
         </p:spPr>
         <p:style>
@@ -4329,7 +4319,7 @@
         </p:nvSpPr>
         <p:spPr>
           <a:xfrm>
-            <a:off x="8261930" y="4320295"/>
+            <a:off x="8261930" y="4338767"/>
             <a:ext cx="1071419" cy="683491"/>
           </a:xfrm>
           <a:prstGeom prst="roundRect">
@@ -4379,18 +4369,18 @@
           <p:cNvCxnSpPr>
             <a:cxnSpLocks/>
             <a:stCxn id="104" idx="2"/>
-            <a:endCxn id="11" idx="2"/>
+            <a:endCxn id="53" idx="2"/>
           </p:cNvCxnSpPr>
           <p:nvPr/>
         </p:nvCxnSpPr>
         <p:spPr>
-          <a:xfrm rot="5400000">
-            <a:off x="8119554" y="4539584"/>
-            <a:ext cx="213885" cy="1142289"/>
+          <a:xfrm rot="5400000" flipH="1">
+            <a:off x="7680043" y="3904662"/>
+            <a:ext cx="4615" cy="2230579"/>
           </a:xfrm>
           <a:prstGeom prst="bentConnector3">
             <a:avLst>
-              <a:gd name="adj1" fmla="val 306203"/>
+              <a:gd name="adj1" fmla="val -10357140"/>
             </a:avLst>
           </a:prstGeom>
           <a:ln w="76200">
@@ -4423,19 +4413,19 @@
           </p:cNvPr>
           <p:cNvCxnSpPr>
             <a:cxnSpLocks/>
-            <a:stCxn id="11" idx="0"/>
+            <a:stCxn id="53" idx="0"/>
             <a:endCxn id="10" idx="0"/>
           </p:cNvCxnSpPr>
           <p:nvPr/>
         </p:nvCxnSpPr>
         <p:spPr>
-          <a:xfrm rot="16200000" flipH="1" flipV="1">
-            <a:off x="5891084" y="2553711"/>
-            <a:ext cx="205038" cy="3323497"/>
+          <a:xfrm rot="16200000" flipV="1">
+            <a:off x="5441372" y="3208462"/>
+            <a:ext cx="16173" cy="2235207"/>
           </a:xfrm>
           <a:prstGeom prst="bentConnector3">
             <a:avLst>
-              <a:gd name="adj1" fmla="val -143025"/>
+              <a:gd name="adj1" fmla="val 2769882"/>
             </a:avLst>
           </a:prstGeom>
           <a:ln w="76200">
@@ -4519,49 +4509,6 @@
           </a:p>
         </p:txBody>
       </p:sp>
-      <p:cxnSp>
-        <p:nvCxnSpPr>
-          <p:cNvPr id="158" name="直線矢印コネクタ 157">
-            <a:extLst>
-              <a:ext uri="{FF2B5EF4-FFF2-40B4-BE49-F238E27FC236}">
-                <a16:creationId xmlns:a16="http://schemas.microsoft.com/office/drawing/2014/main" id="{EEDB4AD6-8CE6-461F-A4BD-1703AA08629B}"/>
-              </a:ext>
-            </a:extLst>
-          </p:cNvPr>
-          <p:cNvCxnSpPr>
-            <a:cxnSpLocks/>
-            <a:stCxn id="11" idx="3"/>
-            <a:endCxn id="104" idx="3"/>
-          </p:cNvCxnSpPr>
-          <p:nvPr/>
-        </p:nvCxnSpPr>
-        <p:spPr>
-          <a:xfrm flipH="1" flipV="1">
-            <a:off x="9333349" y="4662041"/>
-            <a:ext cx="138535" cy="3265"/>
-          </a:xfrm>
-          <a:prstGeom prst="straightConnector1">
-            <a:avLst/>
-          </a:prstGeom>
-          <a:ln w="76200">
-            <a:tailEnd type="triangle"/>
-          </a:ln>
-        </p:spPr>
-        <p:style>
-          <a:lnRef idx="1">
-            <a:schemeClr val="accent1"/>
-          </a:lnRef>
-          <a:fillRef idx="0">
-            <a:schemeClr val="accent1"/>
-          </a:fillRef>
-          <a:effectRef idx="0">
-            <a:schemeClr val="accent1"/>
-          </a:effectRef>
-          <a:fontRef idx="minor">
-            <a:schemeClr val="tx1"/>
-          </a:fontRef>
-        </p:style>
-      </p:cxnSp>
       <p:sp>
         <p:nvSpPr>
           <p:cNvPr id="187" name="テキスト ボックス 186">
@@ -4770,25 +4717,237 @@
           </a:p>
         </p:txBody>
       </p:sp>
+      <p:sp>
+        <p:nvSpPr>
+          <p:cNvPr id="61" name="四角形: 角を丸くする 60">
+            <a:extLst>
+              <a:ext uri="{FF2B5EF4-FFF2-40B4-BE49-F238E27FC236}">
+                <a16:creationId xmlns:a16="http://schemas.microsoft.com/office/drawing/2014/main" id="{69B8B5D2-C3EB-4FB3-B85E-59F414099BA2}"/>
+              </a:ext>
+            </a:extLst>
+          </p:cNvPr>
+          <p:cNvSpPr/>
+          <p:nvPr/>
+        </p:nvSpPr>
+        <p:spPr>
+          <a:xfrm>
+            <a:off x="8751446" y="1893193"/>
+            <a:ext cx="1071419" cy="683491"/>
+          </a:xfrm>
+          <a:prstGeom prst="roundRect">
+            <a:avLst/>
+          </a:prstGeom>
+          <a:solidFill>
+            <a:srgbClr val="7030A0"/>
+          </a:solidFill>
+        </p:spPr>
+        <p:style>
+          <a:lnRef idx="2">
+            <a:schemeClr val="accent1">
+              <a:shade val="50000"/>
+            </a:schemeClr>
+          </a:lnRef>
+          <a:fillRef idx="1">
+            <a:schemeClr val="accent1"/>
+          </a:fillRef>
+          <a:effectRef idx="0">
+            <a:schemeClr val="accent1"/>
+          </a:effectRef>
+          <a:fontRef idx="minor">
+            <a:schemeClr val="lt1"/>
+          </a:fontRef>
+        </p:style>
+        <p:txBody>
+          <a:bodyPr rtlCol="0" anchor="ctr"/>
+          <a:lstStyle/>
+          <a:p>
+            <a:pPr algn="ctr"/>
+            <a:r>
+              <a:rPr lang="en-US" sz="1600" dirty="0"/>
+              <a:t>Cycling</a:t>
+            </a:r>
+          </a:p>
+          <a:p>
+            <a:pPr algn="ctr"/>
+            <a:r>
+              <a:rPr lang="en-US" sz="1600" dirty="0"/>
+              <a:t>Activity</a:t>
+            </a:r>
+          </a:p>
+        </p:txBody>
+      </p:sp>
+      <p:sp>
+        <p:nvSpPr>
+          <p:cNvPr id="53" name="四角形: 角を丸くする 52">
+            <a:extLst>
+              <a:ext uri="{FF2B5EF4-FFF2-40B4-BE49-F238E27FC236}">
+                <a16:creationId xmlns:a16="http://schemas.microsoft.com/office/drawing/2014/main" id="{F31D0585-2BDE-4051-9F34-F35A470A92DE}"/>
+              </a:ext>
+            </a:extLst>
+          </p:cNvPr>
+          <p:cNvSpPr/>
+          <p:nvPr/>
+        </p:nvSpPr>
+        <p:spPr>
+          <a:xfrm>
+            <a:off x="6031351" y="4334152"/>
+            <a:ext cx="1071419" cy="683491"/>
+          </a:xfrm>
+          <a:prstGeom prst="roundRect">
+            <a:avLst/>
+          </a:prstGeom>
+          <a:solidFill>
+            <a:srgbClr val="00B0F0"/>
+          </a:solidFill>
+        </p:spPr>
+        <p:style>
+          <a:lnRef idx="2">
+            <a:schemeClr val="accent1">
+              <a:shade val="50000"/>
+            </a:schemeClr>
+          </a:lnRef>
+          <a:fillRef idx="1">
+            <a:schemeClr val="accent1"/>
+          </a:fillRef>
+          <a:effectRef idx="0">
+            <a:schemeClr val="accent1"/>
+          </a:effectRef>
+          <a:fontRef idx="minor">
+            <a:schemeClr val="lt1"/>
+          </a:fontRef>
+        </p:style>
+        <p:txBody>
+          <a:bodyPr rtlCol="0" anchor="ctr"/>
+          <a:lstStyle/>
+          <a:p>
+            <a:pPr algn="ctr"/>
+            <a:r>
+              <a:rPr lang="en-US" sz="1400" dirty="0"/>
+              <a:t>FTDI</a:t>
+            </a:r>
+          </a:p>
+          <a:p>
+            <a:pPr algn="ctr"/>
+            <a:r>
+              <a:rPr lang="en-US" sz="1400" dirty="0"/>
+              <a:t>Device</a:t>
+            </a:r>
+          </a:p>
+          <a:p>
+            <a:pPr algn="ctr"/>
+            <a:r>
+              <a:rPr lang="en-US" sz="1400" dirty="0"/>
+              <a:t>Driver</a:t>
+            </a:r>
+          </a:p>
+        </p:txBody>
+      </p:sp>
       <p:cxnSp>
         <p:nvCxnSpPr>
-          <p:cNvPr id="56" name="コネクタ: カギ線 55">
-            <a:extLst>
-              <a:ext uri="{FF2B5EF4-FFF2-40B4-BE49-F238E27FC236}">
-                <a16:creationId xmlns:a16="http://schemas.microsoft.com/office/drawing/2014/main" id="{6D0E3141-7BEA-4281-8A07-1231F6C60FF6}"/>
+          <p:cNvPr id="70" name="直線矢印コネクタ 69">
+            <a:extLst>
+              <a:ext uri="{FF2B5EF4-FFF2-40B4-BE49-F238E27FC236}">
+                <a16:creationId xmlns:a16="http://schemas.microsoft.com/office/drawing/2014/main" id="{53B64BA9-BDB3-4876-9E44-16CE8B9EE380}"/>
+              </a:ext>
+            </a:extLst>
+          </p:cNvPr>
+          <p:cNvCxnSpPr>
+            <a:cxnSpLocks/>
+            <a:stCxn id="53" idx="3"/>
+            <a:endCxn id="104" idx="1"/>
+          </p:cNvCxnSpPr>
+          <p:nvPr/>
+        </p:nvCxnSpPr>
+        <p:spPr>
+          <a:xfrm>
+            <a:off x="7102770" y="4675898"/>
+            <a:ext cx="1159160" cy="4615"/>
+          </a:xfrm>
+          <a:prstGeom prst="straightConnector1">
+            <a:avLst/>
+          </a:prstGeom>
+          <a:ln w="76200">
+            <a:tailEnd type="triangle"/>
+          </a:ln>
+        </p:spPr>
+        <p:style>
+          <a:lnRef idx="1">
+            <a:schemeClr val="accent1"/>
+          </a:lnRef>
+          <a:fillRef idx="0">
+            <a:schemeClr val="accent1"/>
+          </a:fillRef>
+          <a:effectRef idx="0">
+            <a:schemeClr val="accent1"/>
+          </a:effectRef>
+          <a:fontRef idx="minor">
+            <a:schemeClr val="tx1"/>
+          </a:fontRef>
+        </p:style>
+      </p:cxnSp>
+      <p:cxnSp>
+        <p:nvCxnSpPr>
+          <p:cNvPr id="79" name="コネクタ: カギ線 78">
+            <a:extLst>
+              <a:ext uri="{FF2B5EF4-FFF2-40B4-BE49-F238E27FC236}">
+                <a16:creationId xmlns:a16="http://schemas.microsoft.com/office/drawing/2014/main" id="{3FA247EB-22CD-4736-A509-2AE12DFB15A6}"/>
+              </a:ext>
+            </a:extLst>
+          </p:cNvPr>
+          <p:cNvCxnSpPr>
+            <a:cxnSpLocks/>
+            <a:stCxn id="53" idx="3"/>
+            <a:endCxn id="60" idx="2"/>
+          </p:cNvCxnSpPr>
+          <p:nvPr/>
+        </p:nvCxnSpPr>
+        <p:spPr>
+          <a:xfrm flipV="1">
+            <a:off x="7102770" y="2585234"/>
+            <a:ext cx="540490" cy="2090664"/>
+          </a:xfrm>
+          <a:prstGeom prst="bentConnector2">
+            <a:avLst/>
+          </a:prstGeom>
+          <a:ln w="76200">
+            <a:tailEnd type="triangle"/>
+          </a:ln>
+        </p:spPr>
+        <p:style>
+          <a:lnRef idx="1">
+            <a:schemeClr val="accent1"/>
+          </a:lnRef>
+          <a:fillRef idx="0">
+            <a:schemeClr val="accent1"/>
+          </a:fillRef>
+          <a:effectRef idx="0">
+            <a:schemeClr val="accent1"/>
+          </a:effectRef>
+          <a:fontRef idx="minor">
+            <a:schemeClr val="tx1"/>
+          </a:fontRef>
+        </p:style>
+      </p:cxnSp>
+      <p:cxnSp>
+        <p:nvCxnSpPr>
+          <p:cNvPr id="34" name="コネクタ: カギ線 33">
+            <a:extLst>
+              <a:ext uri="{FF2B5EF4-FFF2-40B4-BE49-F238E27FC236}">
+                <a16:creationId xmlns:a16="http://schemas.microsoft.com/office/drawing/2014/main" id="{3582AE87-88A1-4946-8FBB-EB08A29F070F}"/>
               </a:ext>
             </a:extLst>
           </p:cNvPr>
           <p:cNvCxnSpPr>
             <a:cxnSpLocks/>
             <a:stCxn id="104" idx="3"/>
+            <a:endCxn id="147" idx="2"/>
           </p:cNvCxnSpPr>
           <p:nvPr/>
         </p:nvCxnSpPr>
         <p:spPr>
           <a:xfrm flipV="1">
-            <a:off x="9333349" y="3255555"/>
-            <a:ext cx="1426319" cy="1406486"/>
+            <a:off x="9333349" y="3215099"/>
+            <a:ext cx="1426319" cy="1465414"/>
           </a:xfrm>
           <a:prstGeom prst="bentConnector3">
             <a:avLst>
@@ -4814,54 +4973,12 @@
           </a:fontRef>
         </p:style>
       </p:cxnSp>
-      <p:cxnSp>
-        <p:nvCxnSpPr>
-          <p:cNvPr id="68" name="直線コネクタ 67">
-            <a:extLst>
-              <a:ext uri="{FF2B5EF4-FFF2-40B4-BE49-F238E27FC236}">
-                <a16:creationId xmlns:a16="http://schemas.microsoft.com/office/drawing/2014/main" id="{27350C5B-C46E-41FE-A073-0214128D40E0}"/>
-              </a:ext>
-            </a:extLst>
-          </p:cNvPr>
-          <p:cNvCxnSpPr>
-            <a:cxnSpLocks/>
-            <a:endCxn id="61" idx="2"/>
-          </p:cNvCxnSpPr>
-          <p:nvPr/>
-        </p:nvCxnSpPr>
-        <p:spPr>
-          <a:xfrm flipV="1">
-            <a:off x="8792152" y="2576684"/>
-            <a:ext cx="5486" cy="1529726"/>
-          </a:xfrm>
-          <a:prstGeom prst="line">
-            <a:avLst/>
-          </a:prstGeom>
-          <a:ln>
-            <a:prstDash val="dash"/>
-          </a:ln>
-        </p:spPr>
-        <p:style>
-          <a:lnRef idx="1">
-            <a:schemeClr val="accent1"/>
-          </a:lnRef>
-          <a:fillRef idx="0">
-            <a:schemeClr val="accent1"/>
-          </a:fillRef>
-          <a:effectRef idx="0">
-            <a:schemeClr val="accent1"/>
-          </a:effectRef>
-          <a:fontRef idx="minor">
-            <a:schemeClr val="tx1"/>
-          </a:fontRef>
-        </p:style>
-      </p:cxnSp>
-      <p:sp>
-        <p:nvSpPr>
-          <p:cNvPr id="61" name="四角形: 角を丸くする 60">
-            <a:extLst>
-              <a:ext uri="{FF2B5EF4-FFF2-40B4-BE49-F238E27FC236}">
-                <a16:creationId xmlns:a16="http://schemas.microsoft.com/office/drawing/2014/main" id="{69B8B5D2-C3EB-4FB3-B85E-59F414099BA2}"/>
+      <p:sp>
+        <p:nvSpPr>
+          <p:cNvPr id="38" name="四角形: 角を丸くする 37">
+            <a:extLst>
+              <a:ext uri="{FF2B5EF4-FFF2-40B4-BE49-F238E27FC236}">
+                <a16:creationId xmlns:a16="http://schemas.microsoft.com/office/drawing/2014/main" id="{0BDB5498-B4DC-4100-9721-CE957DB76461}"/>
               </a:ext>
             </a:extLst>
           </p:cNvPr>
@@ -4870,14 +4987,14 @@
         </p:nvSpPr>
         <p:spPr>
           <a:xfrm>
-            <a:off x="8261928" y="1893193"/>
-            <a:ext cx="1071419" cy="683491"/>
+            <a:off x="5481525" y="1906364"/>
+            <a:ext cx="1063043" cy="683491"/>
           </a:xfrm>
           <a:prstGeom prst="roundRect">
             <a:avLst/>
           </a:prstGeom>
           <a:solidFill>
-            <a:srgbClr val="00B0F0"/>
+            <a:srgbClr val="7030A0"/>
           </a:solidFill>
         </p:spPr>
         <p:style>
@@ -4903,7 +5020,7 @@
             <a:pPr algn="ctr"/>
             <a:r>
               <a:rPr lang="en-US" sz="1600" dirty="0"/>
-              <a:t>Visualizer</a:t>
+              <a:t>Map</a:t>
             </a:r>
           </a:p>
           <a:p>
@@ -4915,31 +5032,144 @@
           </a:p>
         </p:txBody>
       </p:sp>
+      <p:sp>
+        <p:nvSpPr>
+          <p:cNvPr id="13" name="テキスト ボックス 12">
+            <a:extLst>
+              <a:ext uri="{FF2B5EF4-FFF2-40B4-BE49-F238E27FC236}">
+                <a16:creationId xmlns:a16="http://schemas.microsoft.com/office/drawing/2014/main" id="{6DF7E2C8-4128-4B6D-BCE6-E17503F9E1DA}"/>
+              </a:ext>
+            </a:extLst>
+          </p:cNvPr>
+          <p:cNvSpPr txBox="1"/>
+          <p:nvPr/>
+        </p:nvSpPr>
+        <p:spPr>
+          <a:xfrm>
+            <a:off x="6526537" y="5726387"/>
+            <a:ext cx="2408416" cy="369332"/>
+          </a:xfrm>
+          <a:prstGeom prst="rect">
+            <a:avLst/>
+          </a:prstGeom>
+          <a:noFill/>
+        </p:spPr>
+        <p:txBody>
+          <a:bodyPr wrap="none" rtlCol="0">
+            <a:spAutoFit/>
+          </a:bodyPr>
+          <a:lstStyle/>
+          <a:p>
+            <a:r>
+              <a:rPr lang="en-US" dirty="0">
+                <a:solidFill>
+                  <a:schemeClr val="bg1"/>
+                </a:solidFill>
+              </a:rPr>
+              <a:t>Sensor Network Service</a:t>
+            </a:r>
+          </a:p>
+        </p:txBody>
+      </p:sp>
+      <p:sp>
+        <p:nvSpPr>
+          <p:cNvPr id="47" name="四角形: 角を丸くする 46">
+            <a:extLst>
+              <a:ext uri="{FF2B5EF4-FFF2-40B4-BE49-F238E27FC236}">
+                <a16:creationId xmlns:a16="http://schemas.microsoft.com/office/drawing/2014/main" id="{59B80265-7D67-4E81-AC6C-B56FB8329797}"/>
+              </a:ext>
+            </a:extLst>
+          </p:cNvPr>
+          <p:cNvSpPr/>
+          <p:nvPr/>
+        </p:nvSpPr>
+        <p:spPr>
+          <a:xfrm>
+            <a:off x="5295620" y="4910046"/>
+            <a:ext cx="1071419" cy="683491"/>
+          </a:xfrm>
+          <a:prstGeom prst="roundRect">
+            <a:avLst/>
+          </a:prstGeom>
+          <a:solidFill>
+            <a:srgbClr val="00B0F0"/>
+          </a:solidFill>
+          <a:ln>
+            <a:prstDash val="dash"/>
+          </a:ln>
+        </p:spPr>
+        <p:style>
+          <a:lnRef idx="2">
+            <a:schemeClr val="accent1">
+              <a:shade val="50000"/>
+            </a:schemeClr>
+          </a:lnRef>
+          <a:fillRef idx="1">
+            <a:schemeClr val="accent1"/>
+          </a:fillRef>
+          <a:effectRef idx="0">
+            <a:schemeClr val="accent1"/>
+          </a:effectRef>
+          <a:fontRef idx="minor">
+            <a:schemeClr val="lt1"/>
+          </a:fontRef>
+        </p:style>
+        <p:txBody>
+          <a:bodyPr rtlCol="0" anchor="ctr"/>
+          <a:lstStyle/>
+          <a:p>
+            <a:pPr algn="ctr"/>
+            <a:r>
+              <a:rPr lang="en-US" sz="1400" dirty="0"/>
+              <a:t>Sensor</a:t>
+            </a:r>
+          </a:p>
+          <a:p>
+            <a:pPr algn="ctr"/>
+            <a:r>
+              <a:rPr lang="en-US" sz="1400" dirty="0"/>
+              <a:t>Network</a:t>
+            </a:r>
+          </a:p>
+          <a:p>
+            <a:pPr algn="ctr"/>
+            <a:r>
+              <a:rPr lang="en-US" sz="1400" dirty="0"/>
+              <a:t>Simulator</a:t>
+            </a:r>
+          </a:p>
+        </p:txBody>
+      </p:sp>
       <p:cxnSp>
         <p:nvCxnSpPr>
-          <p:cNvPr id="63" name="直線コネクタ 62">
-            <a:extLst>
-              <a:ext uri="{FF2B5EF4-FFF2-40B4-BE49-F238E27FC236}">
-                <a16:creationId xmlns:a16="http://schemas.microsoft.com/office/drawing/2014/main" id="{1667BDC5-148A-4565-9AF7-2CA79FC29E12}"/>
+          <p:cNvPr id="48" name="コネクタ: カギ線 47">
+            <a:extLst>
+              <a:ext uri="{FF2B5EF4-FFF2-40B4-BE49-F238E27FC236}">
+                <a16:creationId xmlns:a16="http://schemas.microsoft.com/office/drawing/2014/main" id="{384D2017-CCBF-4A2F-8F03-9E2032A735F7}"/>
               </a:ext>
             </a:extLst>
           </p:cNvPr>
           <p:cNvCxnSpPr>
             <a:cxnSpLocks/>
-            <a:endCxn id="60" idx="2"/>
+            <a:stCxn id="104" idx="2"/>
+            <a:endCxn id="61" idx="2"/>
           </p:cNvCxnSpPr>
           <p:nvPr/>
         </p:nvCxnSpPr>
         <p:spPr>
-          <a:xfrm flipV="1">
-            <a:off x="6510775" y="2576684"/>
-            <a:ext cx="1" cy="1529726"/>
-          </a:xfrm>
-          <a:prstGeom prst="line">
-            <a:avLst/>
+          <a:xfrm rot="5400000" flipH="1" flipV="1">
+            <a:off x="7819611" y="3554713"/>
+            <a:ext cx="2445574" cy="489516"/>
+          </a:xfrm>
+          <a:prstGeom prst="bentConnector5">
+            <a:avLst>
+              <a:gd name="adj1" fmla="val -19167"/>
+              <a:gd name="adj2" fmla="val 198589"/>
+              <a:gd name="adj3" fmla="val 63974"/>
+            </a:avLst>
           </a:prstGeom>
-          <a:ln>
-            <a:prstDash val="dash"/>
+          <a:ln w="76200">
+            <a:tailEnd type="triangle"/>
           </a:ln>
         </p:spPr>
         <p:style>
@@ -4957,12 +5187,51 @@
           </a:fontRef>
         </p:style>
       </p:cxnSp>
-      <p:sp>
-        <p:nvSpPr>
-          <p:cNvPr id="67" name="テキスト ボックス 66">
-            <a:extLst>
-              <a:ext uri="{FF2B5EF4-FFF2-40B4-BE49-F238E27FC236}">
-                <a16:creationId xmlns:a16="http://schemas.microsoft.com/office/drawing/2014/main" id="{AEB6D741-5FB5-4FE0-BFE5-9AA590FD2F9D}"/>
+      <p:cxnSp>
+        <p:nvCxnSpPr>
+          <p:cNvPr id="3" name="直線矢印コネクタ 2">
+            <a:extLst>
+              <a:ext uri="{FF2B5EF4-FFF2-40B4-BE49-F238E27FC236}">
+                <a16:creationId xmlns:a16="http://schemas.microsoft.com/office/drawing/2014/main" id="{F3012DD9-6B76-43AA-ABF1-126961A1CEB6}"/>
+              </a:ext>
+            </a:extLst>
+          </p:cNvPr>
+          <p:cNvCxnSpPr/>
+          <p:nvPr/>
+        </p:nvCxnSpPr>
+        <p:spPr>
+          <a:xfrm>
+            <a:off x="7296727" y="2585234"/>
+            <a:ext cx="0" cy="1527706"/>
+          </a:xfrm>
+          <a:prstGeom prst="straightConnector1">
+            <a:avLst/>
+          </a:prstGeom>
+          <a:ln>
+            <a:tailEnd type="triangle"/>
+          </a:ln>
+        </p:spPr>
+        <p:style>
+          <a:lnRef idx="1">
+            <a:schemeClr val="accent1"/>
+          </a:lnRef>
+          <a:fillRef idx="0">
+            <a:schemeClr val="accent1"/>
+          </a:fillRef>
+          <a:effectRef idx="0">
+            <a:schemeClr val="accent1"/>
+          </a:effectRef>
+          <a:fontRef idx="minor">
+            <a:schemeClr val="tx1"/>
+          </a:fontRef>
+        </p:style>
+      </p:cxnSp>
+      <p:sp>
+        <p:nvSpPr>
+          <p:cNvPr id="6" name="テキスト ボックス 5">
+            <a:extLst>
+              <a:ext uri="{FF2B5EF4-FFF2-40B4-BE49-F238E27FC236}">
+                <a16:creationId xmlns:a16="http://schemas.microsoft.com/office/drawing/2014/main" id="{F866CA6C-D6B5-4681-945A-E6033E0509DA}"/>
               </a:ext>
             </a:extLst>
           </p:cNvPr>
@@ -4971,8 +5240,8 @@
         </p:nvSpPr>
         <p:spPr>
           <a:xfrm>
-            <a:off x="6788731" y="2974119"/>
-            <a:ext cx="1322235" cy="307777"/>
+            <a:off x="6616423" y="2946865"/>
+            <a:ext cx="735731" cy="523220"/>
           </a:xfrm>
           <a:prstGeom prst="rect">
             <a:avLst/>
@@ -4986,608 +5255,106 @@
           <a:lstStyle/>
           <a:p>
             <a:r>
-              <a:rPr lang="en-US" sz="1400" dirty="0"/>
-              <a:t>Handler</a:t>
-            </a:r>
-          </a:p>
-        </p:txBody>
-      </p:sp>
-      <p:grpSp>
-        <p:nvGrpSpPr>
-          <p:cNvPr id="73" name="グループ化 72">
-            <a:extLst>
-              <a:ext uri="{FF2B5EF4-FFF2-40B4-BE49-F238E27FC236}">
-                <a16:creationId xmlns:a16="http://schemas.microsoft.com/office/drawing/2014/main" id="{8A352759-A2DA-4E43-8330-B2BC8F541EAF}"/>
-              </a:ext>
-            </a:extLst>
-          </p:cNvPr>
-          <p:cNvGrpSpPr/>
+              <a:rPr lang="en-US" sz="1400" dirty="0">
+                <a:solidFill>
+                  <a:schemeClr val="bg1"/>
+                </a:solidFill>
+              </a:rPr>
+              <a:t>Service call</a:t>
+            </a:r>
+          </a:p>
+        </p:txBody>
+      </p:sp>
+      <p:cxnSp>
+        <p:nvCxnSpPr>
+          <p:cNvPr id="18" name="直線矢印コネクタ 17">
+            <a:extLst>
+              <a:ext uri="{FF2B5EF4-FFF2-40B4-BE49-F238E27FC236}">
+                <a16:creationId xmlns:a16="http://schemas.microsoft.com/office/drawing/2014/main" id="{21252894-E16A-4995-9FD0-6A16674545A9}"/>
+              </a:ext>
+            </a:extLst>
+          </p:cNvPr>
+          <p:cNvCxnSpPr>
+            <a:stCxn id="60" idx="1"/>
+            <a:endCxn id="38" idx="3"/>
+          </p:cNvCxnSpPr>
           <p:nvPr/>
-        </p:nvGrpSpPr>
-        <p:grpSpPr>
-          <a:xfrm>
-            <a:off x="6640947" y="2729353"/>
-            <a:ext cx="152400" cy="743522"/>
-            <a:chOff x="6640947" y="3117278"/>
-            <a:chExt cx="152400" cy="743522"/>
-          </a:xfrm>
-        </p:grpSpPr>
-        <p:grpSp>
-          <p:nvGrpSpPr>
-            <p:cNvPr id="66" name="グループ化 65">
-              <a:extLst>
-                <a:ext uri="{FF2B5EF4-FFF2-40B4-BE49-F238E27FC236}">
-                  <a16:creationId xmlns:a16="http://schemas.microsoft.com/office/drawing/2014/main" id="{210ABAD3-53B8-40A7-BFE0-9DC702FC42A0}"/>
-                </a:ext>
-              </a:extLst>
-            </p:cNvPr>
-            <p:cNvGrpSpPr/>
-            <p:nvPr/>
-          </p:nvGrpSpPr>
-          <p:grpSpPr>
-            <a:xfrm>
-              <a:off x="6640947" y="3209641"/>
-              <a:ext cx="152400" cy="585098"/>
-              <a:chOff x="7296727" y="3265057"/>
-              <a:chExt cx="152400" cy="585098"/>
-            </a:xfrm>
-          </p:grpSpPr>
-          <p:cxnSp>
-            <p:nvCxnSpPr>
-              <p:cNvPr id="62" name="直線コネクタ 61">
-                <a:extLst>
-                  <a:ext uri="{FF2B5EF4-FFF2-40B4-BE49-F238E27FC236}">
-                    <a16:creationId xmlns:a16="http://schemas.microsoft.com/office/drawing/2014/main" id="{82B73D5D-4A21-4F7C-A63F-804DAFBAD2F1}"/>
-                  </a:ext>
-                </a:extLst>
-              </p:cNvPr>
-              <p:cNvCxnSpPr/>
-              <p:nvPr/>
-            </p:nvCxnSpPr>
-            <p:spPr>
-              <a:xfrm>
-                <a:off x="7296727" y="3269673"/>
-                <a:ext cx="0" cy="580482"/>
-              </a:xfrm>
-              <a:prstGeom prst="line">
-                <a:avLst/>
-              </a:prstGeom>
-            </p:spPr>
-            <p:style>
-              <a:lnRef idx="1">
-                <a:schemeClr val="accent1"/>
-              </a:lnRef>
-              <a:fillRef idx="0">
-                <a:schemeClr val="accent1"/>
-              </a:fillRef>
-              <a:effectRef idx="0">
-                <a:schemeClr val="accent1"/>
-              </a:effectRef>
-              <a:fontRef idx="minor">
-                <a:schemeClr val="tx1"/>
-              </a:fontRef>
-            </p:style>
-          </p:cxnSp>
-          <p:cxnSp>
-            <p:nvCxnSpPr>
-              <p:cNvPr id="80" name="直線コネクタ 79">
-                <a:extLst>
-                  <a:ext uri="{FF2B5EF4-FFF2-40B4-BE49-F238E27FC236}">
-                    <a16:creationId xmlns:a16="http://schemas.microsoft.com/office/drawing/2014/main" id="{4A133587-F03D-4C79-877F-0778F0A55DA9}"/>
-                  </a:ext>
-                </a:extLst>
-              </p:cNvPr>
-              <p:cNvCxnSpPr>
-                <a:cxnSpLocks/>
-              </p:cNvCxnSpPr>
-              <p:nvPr/>
-            </p:nvCxnSpPr>
-            <p:spPr>
-              <a:xfrm>
-                <a:off x="7449127" y="3265057"/>
-                <a:ext cx="0" cy="580482"/>
-              </a:xfrm>
-              <a:prstGeom prst="line">
-                <a:avLst/>
-              </a:prstGeom>
-            </p:spPr>
-            <p:style>
-              <a:lnRef idx="1">
-                <a:schemeClr val="accent1"/>
-              </a:lnRef>
-              <a:fillRef idx="0">
-                <a:schemeClr val="accent1"/>
-              </a:fillRef>
-              <a:effectRef idx="0">
-                <a:schemeClr val="accent1"/>
-              </a:effectRef>
-              <a:fontRef idx="minor">
-                <a:schemeClr val="tx1"/>
-              </a:fontRef>
-            </p:style>
-          </p:cxnSp>
-          <p:sp>
-            <p:nvSpPr>
-              <p:cNvPr id="64" name="楕円 63">
-                <a:extLst>
-                  <a:ext uri="{FF2B5EF4-FFF2-40B4-BE49-F238E27FC236}">
-                    <a16:creationId xmlns:a16="http://schemas.microsoft.com/office/drawing/2014/main" id="{117F33AB-FD8E-47CC-91BE-25255A581918}"/>
-                  </a:ext>
-                </a:extLst>
-              </p:cNvPr>
-              <p:cNvSpPr/>
-              <p:nvPr/>
-            </p:nvSpPr>
-            <p:spPr>
-              <a:xfrm>
-                <a:off x="7296727" y="3657600"/>
-                <a:ext cx="138546" cy="110836"/>
-              </a:xfrm>
-              <a:prstGeom prst="ellipse">
-                <a:avLst/>
-              </a:prstGeom>
-            </p:spPr>
-            <p:style>
-              <a:lnRef idx="2">
-                <a:schemeClr val="accent1">
-                  <a:shade val="50000"/>
-                </a:schemeClr>
-              </a:lnRef>
-              <a:fillRef idx="1">
-                <a:schemeClr val="accent1"/>
-              </a:fillRef>
-              <a:effectRef idx="0">
-                <a:schemeClr val="accent1"/>
-              </a:effectRef>
-              <a:fontRef idx="minor">
-                <a:schemeClr val="lt1"/>
-              </a:fontRef>
-            </p:style>
-            <p:txBody>
-              <a:bodyPr rtlCol="0" anchor="ctr"/>
-              <a:lstStyle/>
-              <a:p>
-                <a:pPr algn="ctr"/>
-                <a:endParaRPr lang="en-US"/>
-              </a:p>
-            </p:txBody>
-          </p:sp>
-          <p:sp>
-            <p:nvSpPr>
-              <p:cNvPr id="82" name="楕円 81">
-                <a:extLst>
-                  <a:ext uri="{FF2B5EF4-FFF2-40B4-BE49-F238E27FC236}">
-                    <a16:creationId xmlns:a16="http://schemas.microsoft.com/office/drawing/2014/main" id="{0A10ED4B-C5C4-4ED1-8958-93D5F46CE110}"/>
-                  </a:ext>
-                </a:extLst>
-              </p:cNvPr>
-              <p:cNvSpPr/>
-              <p:nvPr/>
-            </p:nvSpPr>
-            <p:spPr>
-              <a:xfrm>
-                <a:off x="7301351" y="3514440"/>
-                <a:ext cx="138546" cy="110836"/>
-              </a:xfrm>
-              <a:prstGeom prst="ellipse">
-                <a:avLst/>
-              </a:prstGeom>
-            </p:spPr>
-            <p:style>
-              <a:lnRef idx="2">
-                <a:schemeClr val="accent1">
-                  <a:shade val="50000"/>
-                </a:schemeClr>
-              </a:lnRef>
-              <a:fillRef idx="1">
-                <a:schemeClr val="accent1"/>
-              </a:fillRef>
-              <a:effectRef idx="0">
-                <a:schemeClr val="accent1"/>
-              </a:effectRef>
-              <a:fontRef idx="minor">
-                <a:schemeClr val="lt1"/>
-              </a:fontRef>
-            </p:style>
-            <p:txBody>
-              <a:bodyPr rtlCol="0" anchor="ctr"/>
-              <a:lstStyle/>
-              <a:p>
-                <a:pPr algn="ctr"/>
-                <a:endParaRPr lang="en-US"/>
-              </a:p>
-            </p:txBody>
-          </p:sp>
-          <p:sp>
-            <p:nvSpPr>
-              <p:cNvPr id="83" name="楕円 82">
-                <a:extLst>
-                  <a:ext uri="{FF2B5EF4-FFF2-40B4-BE49-F238E27FC236}">
-                    <a16:creationId xmlns:a16="http://schemas.microsoft.com/office/drawing/2014/main" id="{D8B3B849-54CB-4924-A63A-A98BD535C0F0}"/>
-                  </a:ext>
-                </a:extLst>
-              </p:cNvPr>
-              <p:cNvSpPr/>
-              <p:nvPr/>
-            </p:nvSpPr>
-            <p:spPr>
-              <a:xfrm>
-                <a:off x="7305969" y="3371277"/>
-                <a:ext cx="138546" cy="110836"/>
-              </a:xfrm>
-              <a:prstGeom prst="ellipse">
-                <a:avLst/>
-              </a:prstGeom>
-            </p:spPr>
-            <p:style>
-              <a:lnRef idx="2">
-                <a:schemeClr val="accent1">
-                  <a:shade val="50000"/>
-                </a:schemeClr>
-              </a:lnRef>
-              <a:fillRef idx="1">
-                <a:schemeClr val="accent1"/>
-              </a:fillRef>
-              <a:effectRef idx="0">
-                <a:schemeClr val="accent1"/>
-              </a:effectRef>
-              <a:fontRef idx="minor">
-                <a:schemeClr val="lt1"/>
-              </a:fontRef>
-            </p:style>
-            <p:txBody>
-              <a:bodyPr rtlCol="0" anchor="ctr"/>
-              <a:lstStyle/>
-              <a:p>
-                <a:pPr algn="ctr"/>
-                <a:endParaRPr lang="en-US"/>
-              </a:p>
-            </p:txBody>
-          </p:sp>
-        </p:grpSp>
-        <p:cxnSp>
-          <p:nvCxnSpPr>
-            <p:cNvPr id="71" name="直線矢印コネクタ 70">
-              <a:extLst>
-                <a:ext uri="{FF2B5EF4-FFF2-40B4-BE49-F238E27FC236}">
-                  <a16:creationId xmlns:a16="http://schemas.microsoft.com/office/drawing/2014/main" id="{702E7349-4180-4211-B4C1-0AC52859A7BC}"/>
-                </a:ext>
-              </a:extLst>
-            </p:cNvPr>
-            <p:cNvCxnSpPr>
-              <a:cxnSpLocks/>
-            </p:cNvCxnSpPr>
-            <p:nvPr/>
-          </p:nvCxnSpPr>
-          <p:spPr>
-            <a:xfrm flipV="1">
-              <a:off x="6714841" y="3117278"/>
-              <a:ext cx="4621" cy="743522"/>
-            </a:xfrm>
-            <a:prstGeom prst="straightConnector1">
-              <a:avLst/>
-            </a:prstGeom>
-            <a:ln>
-              <a:tailEnd type="triangle"/>
-            </a:ln>
-          </p:spPr>
-          <p:style>
-            <a:lnRef idx="1">
-              <a:schemeClr val="accent1"/>
-            </a:lnRef>
-            <a:fillRef idx="0">
-              <a:schemeClr val="accent1"/>
-            </a:fillRef>
-            <a:effectRef idx="0">
-              <a:schemeClr val="accent1"/>
-            </a:effectRef>
-            <a:fontRef idx="minor">
-              <a:schemeClr val="tx1"/>
-            </a:fontRef>
-          </p:style>
-        </p:cxnSp>
-      </p:grpSp>
-      <p:grpSp>
-        <p:nvGrpSpPr>
-          <p:cNvPr id="91" name="グループ化 90">
-            <a:extLst>
-              <a:ext uri="{FF2B5EF4-FFF2-40B4-BE49-F238E27FC236}">
-                <a16:creationId xmlns:a16="http://schemas.microsoft.com/office/drawing/2014/main" id="{6B9B497D-13F9-4D53-9454-FFC8BEA41684}"/>
-              </a:ext>
-            </a:extLst>
-          </p:cNvPr>
-          <p:cNvGrpSpPr/>
+        </p:nvCxnSpPr>
+        <p:spPr>
+          <a:xfrm flipH="1">
+            <a:off x="6544568" y="2243489"/>
+            <a:ext cx="567170" cy="4621"/>
+          </a:xfrm>
+          <a:prstGeom prst="straightConnector1">
+            <a:avLst/>
+          </a:prstGeom>
+          <a:ln>
+            <a:tailEnd type="triangle"/>
+          </a:ln>
+        </p:spPr>
+        <p:style>
+          <a:lnRef idx="1">
+            <a:schemeClr val="accent1"/>
+          </a:lnRef>
+          <a:fillRef idx="0">
+            <a:schemeClr val="accent1"/>
+          </a:fillRef>
+          <a:effectRef idx="0">
+            <a:schemeClr val="accent1"/>
+          </a:effectRef>
+          <a:fontRef idx="minor">
+            <a:schemeClr val="tx1"/>
+          </a:fontRef>
+        </p:style>
+      </p:cxnSp>
+      <p:cxnSp>
+        <p:nvCxnSpPr>
+          <p:cNvPr id="22" name="直線矢印コネクタ 21">
+            <a:extLst>
+              <a:ext uri="{FF2B5EF4-FFF2-40B4-BE49-F238E27FC236}">
+                <a16:creationId xmlns:a16="http://schemas.microsoft.com/office/drawing/2014/main" id="{C55FE2CE-E3D5-4448-963E-C6A3C62E84B2}"/>
+              </a:ext>
+            </a:extLst>
+          </p:cNvPr>
+          <p:cNvCxnSpPr>
+            <a:stCxn id="60" idx="3"/>
+            <a:endCxn id="61" idx="1"/>
+          </p:cNvCxnSpPr>
           <p:nvPr/>
-        </p:nvGrpSpPr>
-        <p:grpSpPr>
-          <a:xfrm>
-            <a:off x="8926943" y="2706269"/>
-            <a:ext cx="152400" cy="743522"/>
-            <a:chOff x="6640947" y="3117278"/>
-            <a:chExt cx="152400" cy="743522"/>
-          </a:xfrm>
-        </p:grpSpPr>
-        <p:grpSp>
-          <p:nvGrpSpPr>
-            <p:cNvPr id="92" name="グループ化 91">
-              <a:extLst>
-                <a:ext uri="{FF2B5EF4-FFF2-40B4-BE49-F238E27FC236}">
-                  <a16:creationId xmlns:a16="http://schemas.microsoft.com/office/drawing/2014/main" id="{94523455-5653-460B-B38F-E23C37C18DB3}"/>
-                </a:ext>
-              </a:extLst>
-            </p:cNvPr>
-            <p:cNvGrpSpPr/>
-            <p:nvPr/>
-          </p:nvGrpSpPr>
-          <p:grpSpPr>
-            <a:xfrm>
-              <a:off x="6640947" y="3209641"/>
-              <a:ext cx="152400" cy="585098"/>
-              <a:chOff x="7296727" y="3265057"/>
-              <a:chExt cx="152400" cy="585098"/>
-            </a:xfrm>
-          </p:grpSpPr>
-          <p:cxnSp>
-            <p:nvCxnSpPr>
-              <p:cNvPr id="94" name="直線コネクタ 93">
-                <a:extLst>
-                  <a:ext uri="{FF2B5EF4-FFF2-40B4-BE49-F238E27FC236}">
-                    <a16:creationId xmlns:a16="http://schemas.microsoft.com/office/drawing/2014/main" id="{E916AB10-5490-456F-AEEF-6A1FF048CF7A}"/>
-                  </a:ext>
-                </a:extLst>
-              </p:cNvPr>
-              <p:cNvCxnSpPr/>
-              <p:nvPr/>
-            </p:nvCxnSpPr>
-            <p:spPr>
-              <a:xfrm>
-                <a:off x="7296727" y="3269673"/>
-                <a:ext cx="0" cy="580482"/>
-              </a:xfrm>
-              <a:prstGeom prst="line">
-                <a:avLst/>
-              </a:prstGeom>
-            </p:spPr>
-            <p:style>
-              <a:lnRef idx="1">
-                <a:schemeClr val="accent1"/>
-              </a:lnRef>
-              <a:fillRef idx="0">
-                <a:schemeClr val="accent1"/>
-              </a:fillRef>
-              <a:effectRef idx="0">
-                <a:schemeClr val="accent1"/>
-              </a:effectRef>
-              <a:fontRef idx="minor">
-                <a:schemeClr val="tx1"/>
-              </a:fontRef>
-            </p:style>
-          </p:cxnSp>
-          <p:cxnSp>
-            <p:nvCxnSpPr>
-              <p:cNvPr id="95" name="直線コネクタ 94">
-                <a:extLst>
-                  <a:ext uri="{FF2B5EF4-FFF2-40B4-BE49-F238E27FC236}">
-                    <a16:creationId xmlns:a16="http://schemas.microsoft.com/office/drawing/2014/main" id="{24E6AB5E-E9DF-4BCA-A6A9-E1B776DCEBC8}"/>
-                  </a:ext>
-                </a:extLst>
-              </p:cNvPr>
-              <p:cNvCxnSpPr>
-                <a:cxnSpLocks/>
-              </p:cNvCxnSpPr>
-              <p:nvPr/>
-            </p:nvCxnSpPr>
-            <p:spPr>
-              <a:xfrm>
-                <a:off x="7449127" y="3265057"/>
-                <a:ext cx="0" cy="580482"/>
-              </a:xfrm>
-              <a:prstGeom prst="line">
-                <a:avLst/>
-              </a:prstGeom>
-            </p:spPr>
-            <p:style>
-              <a:lnRef idx="1">
-                <a:schemeClr val="accent1"/>
-              </a:lnRef>
-              <a:fillRef idx="0">
-                <a:schemeClr val="accent1"/>
-              </a:fillRef>
-              <a:effectRef idx="0">
-                <a:schemeClr val="accent1"/>
-              </a:effectRef>
-              <a:fontRef idx="minor">
-                <a:schemeClr val="tx1"/>
-              </a:fontRef>
-            </p:style>
-          </p:cxnSp>
-          <p:sp>
-            <p:nvSpPr>
-              <p:cNvPr id="96" name="楕円 95">
-                <a:extLst>
-                  <a:ext uri="{FF2B5EF4-FFF2-40B4-BE49-F238E27FC236}">
-                    <a16:creationId xmlns:a16="http://schemas.microsoft.com/office/drawing/2014/main" id="{01D3BEE4-0393-45DF-8752-3D7DDD93CFF8}"/>
-                  </a:ext>
-                </a:extLst>
-              </p:cNvPr>
-              <p:cNvSpPr/>
-              <p:nvPr/>
-            </p:nvSpPr>
-            <p:spPr>
-              <a:xfrm>
-                <a:off x="7296727" y="3657600"/>
-                <a:ext cx="138546" cy="110836"/>
-              </a:xfrm>
-              <a:prstGeom prst="ellipse">
-                <a:avLst/>
-              </a:prstGeom>
-            </p:spPr>
-            <p:style>
-              <a:lnRef idx="2">
-                <a:schemeClr val="accent1">
-                  <a:shade val="50000"/>
-                </a:schemeClr>
-              </a:lnRef>
-              <a:fillRef idx="1">
-                <a:schemeClr val="accent1"/>
-              </a:fillRef>
-              <a:effectRef idx="0">
-                <a:schemeClr val="accent1"/>
-              </a:effectRef>
-              <a:fontRef idx="minor">
-                <a:schemeClr val="lt1"/>
-              </a:fontRef>
-            </p:style>
-            <p:txBody>
-              <a:bodyPr rtlCol="0" anchor="ctr"/>
-              <a:lstStyle/>
-              <a:p>
-                <a:pPr algn="ctr"/>
-                <a:endParaRPr lang="en-US"/>
-              </a:p>
-            </p:txBody>
-          </p:sp>
-          <p:sp>
-            <p:nvSpPr>
-              <p:cNvPr id="97" name="楕円 96">
-                <a:extLst>
-                  <a:ext uri="{FF2B5EF4-FFF2-40B4-BE49-F238E27FC236}">
-                    <a16:creationId xmlns:a16="http://schemas.microsoft.com/office/drawing/2014/main" id="{35174877-FC43-48FC-AB2A-0EB10E3200D1}"/>
-                  </a:ext>
-                </a:extLst>
-              </p:cNvPr>
-              <p:cNvSpPr/>
-              <p:nvPr/>
-            </p:nvSpPr>
-            <p:spPr>
-              <a:xfrm>
-                <a:off x="7301351" y="3514440"/>
-                <a:ext cx="138546" cy="110836"/>
-              </a:xfrm>
-              <a:prstGeom prst="ellipse">
-                <a:avLst/>
-              </a:prstGeom>
-            </p:spPr>
-            <p:style>
-              <a:lnRef idx="2">
-                <a:schemeClr val="accent1">
-                  <a:shade val="50000"/>
-                </a:schemeClr>
-              </a:lnRef>
-              <a:fillRef idx="1">
-                <a:schemeClr val="accent1"/>
-              </a:fillRef>
-              <a:effectRef idx="0">
-                <a:schemeClr val="accent1"/>
-              </a:effectRef>
-              <a:fontRef idx="minor">
-                <a:schemeClr val="lt1"/>
-              </a:fontRef>
-            </p:style>
-            <p:txBody>
-              <a:bodyPr rtlCol="0" anchor="ctr"/>
-              <a:lstStyle/>
-              <a:p>
-                <a:pPr algn="ctr"/>
-                <a:endParaRPr lang="en-US"/>
-              </a:p>
-            </p:txBody>
-          </p:sp>
-          <p:sp>
-            <p:nvSpPr>
-              <p:cNvPr id="98" name="楕円 97">
-                <a:extLst>
-                  <a:ext uri="{FF2B5EF4-FFF2-40B4-BE49-F238E27FC236}">
-                    <a16:creationId xmlns:a16="http://schemas.microsoft.com/office/drawing/2014/main" id="{E3401291-5F7C-4247-91B8-8117B8C719E1}"/>
-                  </a:ext>
-                </a:extLst>
-              </p:cNvPr>
-              <p:cNvSpPr/>
-              <p:nvPr/>
-            </p:nvSpPr>
-            <p:spPr>
-              <a:xfrm>
-                <a:off x="7305969" y="3371277"/>
-                <a:ext cx="138546" cy="110836"/>
-              </a:xfrm>
-              <a:prstGeom prst="ellipse">
-                <a:avLst/>
-              </a:prstGeom>
-            </p:spPr>
-            <p:style>
-              <a:lnRef idx="2">
-                <a:schemeClr val="accent1">
-                  <a:shade val="50000"/>
-                </a:schemeClr>
-              </a:lnRef>
-              <a:fillRef idx="1">
-                <a:schemeClr val="accent1"/>
-              </a:fillRef>
-              <a:effectRef idx="0">
-                <a:schemeClr val="accent1"/>
-              </a:effectRef>
-              <a:fontRef idx="minor">
-                <a:schemeClr val="lt1"/>
-              </a:fontRef>
-            </p:style>
-            <p:txBody>
-              <a:bodyPr rtlCol="0" anchor="ctr"/>
-              <a:lstStyle/>
-              <a:p>
-                <a:pPr algn="ctr"/>
-                <a:endParaRPr lang="en-US"/>
-              </a:p>
-            </p:txBody>
-          </p:sp>
-        </p:grpSp>
-        <p:cxnSp>
-          <p:nvCxnSpPr>
-            <p:cNvPr id="93" name="直線矢印コネクタ 92">
-              <a:extLst>
-                <a:ext uri="{FF2B5EF4-FFF2-40B4-BE49-F238E27FC236}">
-                  <a16:creationId xmlns:a16="http://schemas.microsoft.com/office/drawing/2014/main" id="{577C372A-8EFB-421C-95DC-AB64C467F8EA}"/>
-                </a:ext>
-              </a:extLst>
-            </p:cNvPr>
-            <p:cNvCxnSpPr>
-              <a:cxnSpLocks/>
-            </p:cNvCxnSpPr>
-            <p:nvPr/>
-          </p:nvCxnSpPr>
-          <p:spPr>
-            <a:xfrm flipV="1">
-              <a:off x="6714841" y="3117278"/>
-              <a:ext cx="4621" cy="743522"/>
-            </a:xfrm>
-            <a:prstGeom prst="straightConnector1">
-              <a:avLst/>
-            </a:prstGeom>
-            <a:ln>
-              <a:tailEnd type="triangle"/>
-            </a:ln>
-          </p:spPr>
-          <p:style>
-            <a:lnRef idx="1">
-              <a:schemeClr val="accent1"/>
-            </a:lnRef>
-            <a:fillRef idx="0">
-              <a:schemeClr val="accent1"/>
-            </a:fillRef>
-            <a:effectRef idx="0">
-              <a:schemeClr val="accent1"/>
-            </a:effectRef>
-            <a:fontRef idx="minor">
-              <a:schemeClr val="tx1"/>
-            </a:fontRef>
-          </p:style>
-        </p:cxnSp>
-      </p:grpSp>
-      <p:sp>
-        <p:nvSpPr>
-          <p:cNvPr id="99" name="テキスト ボックス 98">
-            <a:extLst>
-              <a:ext uri="{FF2B5EF4-FFF2-40B4-BE49-F238E27FC236}">
-                <a16:creationId xmlns:a16="http://schemas.microsoft.com/office/drawing/2014/main" id="{8AAF24EC-23FB-420E-B996-45E55A19DA81}"/>
+        </p:nvCxnSpPr>
+        <p:spPr>
+          <a:xfrm flipV="1">
+            <a:off x="8174781" y="2234939"/>
+            <a:ext cx="576665" cy="8550"/>
+          </a:xfrm>
+          <a:prstGeom prst="straightConnector1">
+            <a:avLst/>
+          </a:prstGeom>
+          <a:ln>
+            <a:tailEnd type="triangle"/>
+          </a:ln>
+        </p:spPr>
+        <p:style>
+          <a:lnRef idx="1">
+            <a:schemeClr val="accent1"/>
+          </a:lnRef>
+          <a:fillRef idx="0">
+            <a:schemeClr val="accent1"/>
+          </a:fillRef>
+          <a:effectRef idx="0">
+            <a:schemeClr val="accent1"/>
+          </a:effectRef>
+          <a:fontRef idx="minor">
+            <a:schemeClr val="tx1"/>
+          </a:fontRef>
+        </p:style>
+      </p:cxnSp>
+      <p:sp>
+        <p:nvSpPr>
+          <p:cNvPr id="45" name="テキスト ボックス 44">
+            <a:extLst>
+              <a:ext uri="{FF2B5EF4-FFF2-40B4-BE49-F238E27FC236}">
+                <a16:creationId xmlns:a16="http://schemas.microsoft.com/office/drawing/2014/main" id="{0B9CE3F0-07E8-47DF-A6EB-56AFDBAEB589}"/>
               </a:ext>
             </a:extLst>
           </p:cNvPr>
@@ -5596,8 +5363,8 @@
         </p:nvSpPr>
         <p:spPr>
           <a:xfrm>
-            <a:off x="9065499" y="2969498"/>
-            <a:ext cx="1322235" cy="307777"/>
+            <a:off x="6510207" y="1898532"/>
+            <a:ext cx="735731" cy="307777"/>
           </a:xfrm>
           <a:prstGeom prst="rect">
             <a:avLst/>
@@ -5611,18 +5378,22 @@
           <a:lstStyle/>
           <a:p>
             <a:r>
-              <a:rPr lang="en-US" sz="1400" dirty="0"/>
-              <a:t>Handler</a:t>
-            </a:r>
-          </a:p>
-        </p:txBody>
-      </p:sp>
-      <p:sp>
-        <p:nvSpPr>
-          <p:cNvPr id="100" name="テキスト ボックス 99">
-            <a:extLst>
-              <a:ext uri="{FF2B5EF4-FFF2-40B4-BE49-F238E27FC236}">
-                <a16:creationId xmlns:a16="http://schemas.microsoft.com/office/drawing/2014/main" id="{7E1AEB9C-DAF2-4FAB-8062-01C0A871A4C3}"/>
+              <a:rPr lang="en-US" sz="1400" dirty="0">
+                <a:solidFill>
+                  <a:schemeClr val="bg1"/>
+                </a:solidFill>
+              </a:rPr>
+              <a:t>Intent</a:t>
+            </a:r>
+          </a:p>
+        </p:txBody>
+      </p:sp>
+      <p:sp>
+        <p:nvSpPr>
+          <p:cNvPr id="49" name="テキスト ボックス 48">
+            <a:extLst>
+              <a:ext uri="{FF2B5EF4-FFF2-40B4-BE49-F238E27FC236}">
+                <a16:creationId xmlns:a16="http://schemas.microsoft.com/office/drawing/2014/main" id="{2E68AEDF-E095-46C7-BA8F-BC18836BA30B}"/>
               </a:ext>
             </a:extLst>
           </p:cNvPr>
@@ -5631,8 +5402,8 @@
         </p:nvSpPr>
         <p:spPr>
           <a:xfrm>
-            <a:off x="8141854" y="2858669"/>
-            <a:ext cx="1322235" cy="523220"/>
+            <a:off x="8149666" y="1893917"/>
+            <a:ext cx="735731" cy="307777"/>
           </a:xfrm>
           <a:prstGeom prst="rect">
             <a:avLst/>
@@ -5646,55 +5417,12 @@
           <a:lstStyle/>
           <a:p>
             <a:r>
-              <a:rPr lang="en-US" sz="1400" dirty="0"/>
-              <a:t>Bound</a:t>
-            </a:r>
-          </a:p>
-          <a:p>
-            <a:r>
-              <a:rPr lang="en-US" sz="1400" dirty="0"/>
-              <a:t>Service</a:t>
-            </a:r>
-          </a:p>
-        </p:txBody>
-      </p:sp>
-      <p:sp>
-        <p:nvSpPr>
-          <p:cNvPr id="106" name="テキスト ボックス 105">
-            <a:extLst>
-              <a:ext uri="{FF2B5EF4-FFF2-40B4-BE49-F238E27FC236}">
-                <a16:creationId xmlns:a16="http://schemas.microsoft.com/office/drawing/2014/main" id="{22FAB5BD-C483-404F-A18A-790E3D0EFB70}"/>
-              </a:ext>
-            </a:extLst>
-          </p:cNvPr>
-          <p:cNvSpPr txBox="1"/>
-          <p:nvPr/>
-        </p:nvSpPr>
-        <p:spPr>
-          <a:xfrm>
-            <a:off x="5845188" y="2616654"/>
-            <a:ext cx="878888" cy="523220"/>
-          </a:xfrm>
-          <a:prstGeom prst="rect">
-            <a:avLst/>
-          </a:prstGeom>
-          <a:noFill/>
-        </p:spPr>
-        <p:txBody>
-          <a:bodyPr wrap="square" rtlCol="0">
-            <a:spAutoFit/>
-          </a:bodyPr>
-          <a:lstStyle/>
-          <a:p>
-            <a:r>
-              <a:rPr lang="en-US" sz="1400" dirty="0"/>
-              <a:t>Bound</a:t>
-            </a:r>
-          </a:p>
-          <a:p>
-            <a:r>
-              <a:rPr lang="en-US" sz="1400" dirty="0"/>
-              <a:t>Service</a:t>
+              <a:rPr lang="en-US" sz="1400" dirty="0">
+                <a:solidFill>
+                  <a:schemeClr val="bg1"/>
+                </a:solidFill>
+              </a:rPr>
+              <a:t>Intent</a:t>
             </a:r>
           </a:p>
         </p:txBody>

--- a/doc/architecture.pptx
+++ b/doc/architecture.pptx
@@ -265,7 +265,7 @@
           <a:p>
             <a:fld id="{BD01BFE4-158D-434D-A090-6C8C9FD01481}" type="datetimeFigureOut">
               <a:rPr lang="en-US" smtClean="0"/>
-              <a:t>8/11/2017</a:t>
+              <a:t>8/12/2017</a:t>
             </a:fld>
             <a:endParaRPr lang="en-US"/>
           </a:p>
@@ -497,7 +497,7 @@
           <a:p>
             <a:fld id="{BD01BFE4-158D-434D-A090-6C8C9FD01481}" type="datetimeFigureOut">
               <a:rPr lang="en-US" smtClean="0"/>
-              <a:t>8/11/2017</a:t>
+              <a:t>8/12/2017</a:t>
             </a:fld>
             <a:endParaRPr lang="en-US"/>
           </a:p>
@@ -739,7 +739,7 @@
           <a:p>
             <a:fld id="{BD01BFE4-158D-434D-A090-6C8C9FD01481}" type="datetimeFigureOut">
               <a:rPr lang="en-US" smtClean="0"/>
-              <a:t>8/11/2017</a:t>
+              <a:t>8/12/2017</a:t>
             </a:fld>
             <a:endParaRPr lang="en-US"/>
           </a:p>
@@ -971,7 +971,7 @@
           <a:p>
             <a:fld id="{BD01BFE4-158D-434D-A090-6C8C9FD01481}" type="datetimeFigureOut">
               <a:rPr lang="en-US" smtClean="0"/>
-              <a:t>8/11/2017</a:t>
+              <a:t>8/12/2017</a:t>
             </a:fld>
             <a:endParaRPr lang="en-US"/>
           </a:p>
@@ -1247,7 +1247,7 @@
           <a:p>
             <a:fld id="{BD01BFE4-158D-434D-A090-6C8C9FD01481}" type="datetimeFigureOut">
               <a:rPr lang="en-US" smtClean="0"/>
-              <a:t>8/11/2017</a:t>
+              <a:t>8/12/2017</a:t>
             </a:fld>
             <a:endParaRPr lang="en-US"/>
           </a:p>
@@ -1579,7 +1579,7 @@
           <a:p>
             <a:fld id="{BD01BFE4-158D-434D-A090-6C8C9FD01481}" type="datetimeFigureOut">
               <a:rPr lang="en-US" smtClean="0"/>
-              <a:t>8/11/2017</a:t>
+              <a:t>8/12/2017</a:t>
             </a:fld>
             <a:endParaRPr lang="en-US"/>
           </a:p>
@@ -2058,7 +2058,7 @@
           <a:p>
             <a:fld id="{BD01BFE4-158D-434D-A090-6C8C9FD01481}" type="datetimeFigureOut">
               <a:rPr lang="en-US" smtClean="0"/>
-              <a:t>8/11/2017</a:t>
+              <a:t>8/12/2017</a:t>
             </a:fld>
             <a:endParaRPr lang="en-US"/>
           </a:p>
@@ -2200,7 +2200,7 @@
           <a:p>
             <a:fld id="{BD01BFE4-158D-434D-A090-6C8C9FD01481}" type="datetimeFigureOut">
               <a:rPr lang="en-US" smtClean="0"/>
-              <a:t>8/11/2017</a:t>
+              <a:t>8/12/2017</a:t>
             </a:fld>
             <a:endParaRPr lang="en-US"/>
           </a:p>
@@ -2313,7 +2313,7 @@
           <a:p>
             <a:fld id="{BD01BFE4-158D-434D-A090-6C8C9FD01481}" type="datetimeFigureOut">
               <a:rPr lang="en-US" smtClean="0"/>
-              <a:t>8/11/2017</a:t>
+              <a:t>8/12/2017</a:t>
             </a:fld>
             <a:endParaRPr lang="en-US"/>
           </a:p>
@@ -2658,7 +2658,7 @@
           <a:p>
             <a:fld id="{BD01BFE4-158D-434D-A090-6C8C9FD01481}" type="datetimeFigureOut">
               <a:rPr lang="en-US" smtClean="0"/>
-              <a:t>8/11/2017</a:t>
+              <a:t>8/12/2017</a:t>
             </a:fld>
             <a:endParaRPr lang="en-US"/>
           </a:p>
@@ -2947,7 +2947,7 @@
           <a:p>
             <a:fld id="{BD01BFE4-158D-434D-A090-6C8C9FD01481}" type="datetimeFigureOut">
               <a:rPr lang="en-US" smtClean="0"/>
-              <a:t>8/11/2017</a:t>
+              <a:t>8/12/2017</a:t>
             </a:fld>
             <a:endParaRPr lang="en-US"/>
           </a:p>
@@ -3222,7 +3222,7 @@
           <a:p>
             <a:fld id="{BD01BFE4-158D-434D-A090-6C8C9FD01481}" type="datetimeFigureOut">
               <a:rPr lang="en-US" smtClean="0"/>
-              <a:t>8/11/2017</a:t>
+              <a:t>8/12/2017</a:t>
             </a:fld>
             <a:endParaRPr lang="en-US"/>
           </a:p>
@@ -3745,7 +3745,7 @@
           <a:lstStyle/>
           <a:p>
             <a:pPr algn="ctr"/>
-            <a:endParaRPr lang="en-US"/>
+            <a:endParaRPr lang="en-US" dirty="0"/>
           </a:p>
         </p:txBody>
       </p:sp>
@@ -3818,7 +3818,7 @@
         </p:nvSpPr>
         <p:spPr>
           <a:xfrm>
-            <a:off x="240145" y="5781944"/>
+            <a:off x="114723" y="5865067"/>
             <a:ext cx="1071419" cy="683491"/>
           </a:xfrm>
           <a:prstGeom prst="roundRect">
@@ -3853,8 +3853,15 @@
           <a:p>
             <a:pPr algn="ctr"/>
             <a:r>
-              <a:rPr lang="en-US" dirty="0"/>
+              <a:rPr lang="en-US" sz="1100" dirty="0"/>
               <a:t>Sensor</a:t>
+            </a:r>
+          </a:p>
+          <a:p>
+            <a:pPr algn="ctr"/>
+            <a:r>
+              <a:rPr lang="en-US" sz="1100" dirty="0"/>
+              <a:t>(PIC16F1829)</a:t>
             </a:r>
           </a:p>
         </p:txBody>
@@ -3873,7 +3880,7 @@
         </p:nvSpPr>
         <p:spPr>
           <a:xfrm>
-            <a:off x="1565565" y="5781943"/>
+            <a:off x="1371603" y="5865067"/>
             <a:ext cx="1071419" cy="683491"/>
           </a:xfrm>
           <a:prstGeom prst="roundRect">
@@ -3908,8 +3915,15 @@
           <a:p>
             <a:pPr algn="ctr"/>
             <a:r>
-              <a:rPr lang="en-US" dirty="0"/>
+              <a:rPr lang="en-US" sz="1100" dirty="0"/>
               <a:t>Sensor</a:t>
+            </a:r>
+          </a:p>
+          <a:p>
+            <a:pPr algn="ctr"/>
+            <a:r>
+              <a:rPr lang="en-US" sz="1100" dirty="0"/>
+              <a:t>(PIC16F1829)</a:t>
             </a:r>
           </a:p>
         </p:txBody>
@@ -3928,7 +3942,7 @@
         </p:nvSpPr>
         <p:spPr>
           <a:xfrm>
-            <a:off x="2872514" y="5781943"/>
+            <a:off x="2604661" y="5865067"/>
             <a:ext cx="1071419" cy="683491"/>
           </a:xfrm>
           <a:prstGeom prst="roundRect">
@@ -3963,8 +3977,15 @@
           <a:p>
             <a:pPr algn="ctr"/>
             <a:r>
-              <a:rPr lang="en-US" dirty="0"/>
+              <a:rPr lang="en-US" sz="1100" dirty="0"/>
               <a:t>Actuator</a:t>
+            </a:r>
+          </a:p>
+          <a:p>
+            <a:pPr algn="ctr"/>
+            <a:r>
+              <a:rPr lang="en-US" sz="1100" dirty="0"/>
+              <a:t>(PIC16F1829)</a:t>
             </a:r>
           </a:p>
         </p:txBody>
@@ -3983,7 +4004,7 @@
         </p:nvSpPr>
         <p:spPr>
           <a:xfrm>
-            <a:off x="3796144" y="4317979"/>
+            <a:off x="2793149" y="4417275"/>
             <a:ext cx="1071419" cy="683491"/>
           </a:xfrm>
           <a:prstGeom prst="roundRect">
@@ -4018,8 +4039,15 @@
           <a:p>
             <a:pPr algn="ctr"/>
             <a:r>
-              <a:rPr lang="en-US" sz="1600" dirty="0"/>
+              <a:rPr lang="en-US" sz="1100" dirty="0"/>
               <a:t>Scheduler</a:t>
+            </a:r>
+          </a:p>
+          <a:p>
+            <a:pPr algn="ctr"/>
+            <a:r>
+              <a:rPr lang="en-US" sz="1100" dirty="0"/>
+              <a:t>(PIC16F1829)</a:t>
             </a:r>
           </a:p>
         </p:txBody>
@@ -4038,7 +4066,7 @@
         </p:nvSpPr>
         <p:spPr>
           <a:xfrm>
-            <a:off x="5838817" y="4112940"/>
+            <a:off x="5838817" y="4196064"/>
             <a:ext cx="3633067" cy="2103133"/>
           </a:xfrm>
           <a:prstGeom prst="roundRect">
@@ -4090,8 +4118,8 @@
         </p:nvCxnSpPr>
         <p:spPr>
           <a:xfrm rot="5400000" flipH="1" flipV="1">
-            <a:off x="1724890" y="3710691"/>
-            <a:ext cx="1122219" cy="3020289"/>
+            <a:off x="1168768" y="4240686"/>
+            <a:ext cx="1106046" cy="2142716"/>
           </a:xfrm>
           <a:prstGeom prst="bentConnector2">
             <a:avLst/>
@@ -4133,8 +4161,8 @@
         </p:nvCxnSpPr>
         <p:spPr>
           <a:xfrm rot="5400000" flipH="1" flipV="1">
-            <a:off x="2387600" y="4373400"/>
-            <a:ext cx="1122218" cy="1694869"/>
+            <a:off x="1797208" y="4869126"/>
+            <a:ext cx="1106046" cy="885836"/>
           </a:xfrm>
           <a:prstGeom prst="bentConnector2">
             <a:avLst/>
@@ -4176,8 +4204,8 @@
         </p:nvCxnSpPr>
         <p:spPr>
           <a:xfrm rot="5400000">
-            <a:off x="3479803" y="4929891"/>
-            <a:ext cx="780473" cy="923630"/>
+            <a:off x="2852465" y="5388672"/>
+            <a:ext cx="764301" cy="188488"/>
           </a:xfrm>
           <a:prstGeom prst="bentConnector3">
             <a:avLst>
@@ -4203,55 +4231,12 @@
           </a:fontRef>
         </p:style>
       </p:cxnSp>
-      <p:cxnSp>
-        <p:nvCxnSpPr>
-          <p:cNvPr id="36" name="直線矢印コネクタ 35">
-            <a:extLst>
-              <a:ext uri="{FF2B5EF4-FFF2-40B4-BE49-F238E27FC236}">
-                <a16:creationId xmlns:a16="http://schemas.microsoft.com/office/drawing/2014/main" id="{3964586F-3489-4816-A2C4-69A9052907CC}"/>
-              </a:ext>
-            </a:extLst>
-          </p:cNvPr>
-          <p:cNvCxnSpPr>
-            <a:cxnSpLocks/>
-            <a:stCxn id="10" idx="3"/>
-            <a:endCxn id="53" idx="1"/>
-          </p:cNvCxnSpPr>
-          <p:nvPr/>
-        </p:nvCxnSpPr>
-        <p:spPr>
-          <a:xfrm>
-            <a:off x="4867563" y="4659725"/>
-            <a:ext cx="1163788" cy="16173"/>
-          </a:xfrm>
-          <a:prstGeom prst="straightConnector1">
-            <a:avLst/>
-          </a:prstGeom>
-          <a:ln w="76200">
-            <a:tailEnd type="triangle"/>
-          </a:ln>
-        </p:spPr>
-        <p:style>
-          <a:lnRef idx="1">
-            <a:schemeClr val="accent1"/>
-          </a:lnRef>
-          <a:fillRef idx="0">
-            <a:schemeClr val="accent1"/>
-          </a:fillRef>
-          <a:effectRef idx="0">
-            <a:schemeClr val="accent1"/>
-          </a:effectRef>
-          <a:fontRef idx="minor">
-            <a:schemeClr val="tx1"/>
-          </a:fontRef>
-        </p:style>
-      </p:cxnSp>
-      <p:sp>
-        <p:nvSpPr>
-          <p:cNvPr id="60" name="四角形: 角を丸くする 59">
-            <a:extLst>
-              <a:ext uri="{FF2B5EF4-FFF2-40B4-BE49-F238E27FC236}">
-                <a16:creationId xmlns:a16="http://schemas.microsoft.com/office/drawing/2014/main" id="{1BB8BFB3-5E97-4FA2-83CA-E8B07FF818A1}"/>
+      <p:sp>
+        <p:nvSpPr>
+          <p:cNvPr id="104" name="四角形: 角を丸くする 103">
+            <a:extLst>
+              <a:ext uri="{FF2B5EF4-FFF2-40B4-BE49-F238E27FC236}">
+                <a16:creationId xmlns:a16="http://schemas.microsoft.com/office/drawing/2014/main" id="{F1C92791-1A60-49DB-946A-3437A109F333}"/>
               </a:ext>
             </a:extLst>
           </p:cNvPr>
@@ -4260,14 +4245,14 @@
         </p:nvSpPr>
         <p:spPr>
           <a:xfrm>
-            <a:off x="7111738" y="1901743"/>
-            <a:ext cx="1063043" cy="683491"/>
+            <a:off x="8261930" y="4421891"/>
+            <a:ext cx="1071419" cy="683491"/>
           </a:xfrm>
           <a:prstGeom prst="roundRect">
             <a:avLst/>
           </a:prstGeom>
           <a:solidFill>
-            <a:srgbClr val="7030A0"/>
+            <a:srgbClr val="00B0F0"/>
           </a:solidFill>
         </p:spPr>
         <p:style>
@@ -4292,65 +4277,6 @@
           <a:p>
             <a:pPr algn="ctr"/>
             <a:r>
-              <a:rPr lang="en-US" sz="1600" dirty="0"/>
-              <a:t>CLI</a:t>
-            </a:r>
-          </a:p>
-          <a:p>
-            <a:pPr algn="ctr"/>
-            <a:r>
-              <a:rPr lang="en-US" sz="1600" dirty="0"/>
-              <a:t>Activity</a:t>
-            </a:r>
-          </a:p>
-        </p:txBody>
-      </p:sp>
-      <p:sp>
-        <p:nvSpPr>
-          <p:cNvPr id="104" name="四角形: 角を丸くする 103">
-            <a:extLst>
-              <a:ext uri="{FF2B5EF4-FFF2-40B4-BE49-F238E27FC236}">
-                <a16:creationId xmlns:a16="http://schemas.microsoft.com/office/drawing/2014/main" id="{F1C92791-1A60-49DB-946A-3437A109F333}"/>
-              </a:ext>
-            </a:extLst>
-          </p:cNvPr>
-          <p:cNvSpPr/>
-          <p:nvPr/>
-        </p:nvSpPr>
-        <p:spPr>
-          <a:xfrm>
-            <a:off x="8261930" y="4338767"/>
-            <a:ext cx="1071419" cy="683491"/>
-          </a:xfrm>
-          <a:prstGeom prst="roundRect">
-            <a:avLst/>
-          </a:prstGeom>
-          <a:solidFill>
-            <a:srgbClr val="00B0F0"/>
-          </a:solidFill>
-        </p:spPr>
-        <p:style>
-          <a:lnRef idx="2">
-            <a:schemeClr val="accent1">
-              <a:shade val="50000"/>
-            </a:schemeClr>
-          </a:lnRef>
-          <a:fillRef idx="1">
-            <a:schemeClr val="accent1"/>
-          </a:fillRef>
-          <a:effectRef idx="0">
-            <a:schemeClr val="accent1"/>
-          </a:effectRef>
-          <a:fontRef idx="minor">
-            <a:schemeClr val="lt1"/>
-          </a:fontRef>
-        </p:style>
-        <p:txBody>
-          <a:bodyPr rtlCol="0" anchor="ctr"/>
-          <a:lstStyle/>
-          <a:p>
-            <a:pPr algn="ctr"/>
-            <a:r>
               <a:rPr lang="en-US" sz="1400" dirty="0"/>
               <a:t>Edge computing</a:t>
             </a:r>
@@ -4375,7 +4301,7 @@
         </p:nvCxnSpPr>
         <p:spPr>
           <a:xfrm rot="5400000" flipH="1">
-            <a:off x="7680043" y="3904662"/>
+            <a:off x="7680043" y="3987786"/>
             <a:ext cx="4615" cy="2230579"/>
           </a:xfrm>
           <a:prstGeom prst="bentConnector3">
@@ -4402,51 +4328,6 @@
           </a:fontRef>
         </p:style>
       </p:cxnSp>
-      <p:cxnSp>
-        <p:nvCxnSpPr>
-          <p:cNvPr id="127" name="コネクタ: カギ線 126">
-            <a:extLst>
-              <a:ext uri="{FF2B5EF4-FFF2-40B4-BE49-F238E27FC236}">
-                <a16:creationId xmlns:a16="http://schemas.microsoft.com/office/drawing/2014/main" id="{A6FE3A89-FB84-4FCE-A878-D492EC390711}"/>
-              </a:ext>
-            </a:extLst>
-          </p:cNvPr>
-          <p:cNvCxnSpPr>
-            <a:cxnSpLocks/>
-            <a:stCxn id="53" idx="0"/>
-            <a:endCxn id="10" idx="0"/>
-          </p:cNvCxnSpPr>
-          <p:nvPr/>
-        </p:nvCxnSpPr>
-        <p:spPr>
-          <a:xfrm rot="16200000" flipV="1">
-            <a:off x="5441372" y="3208462"/>
-            <a:ext cx="16173" cy="2235207"/>
-          </a:xfrm>
-          <a:prstGeom prst="bentConnector3">
-            <a:avLst>
-              <a:gd name="adj1" fmla="val 2769882"/>
-            </a:avLst>
-          </a:prstGeom>
-          <a:ln w="76200">
-            <a:tailEnd type="triangle"/>
-          </a:ln>
-        </p:spPr>
-        <p:style>
-          <a:lnRef idx="1">
-            <a:schemeClr val="accent1"/>
-          </a:lnRef>
-          <a:fillRef idx="0">
-            <a:schemeClr val="accent1"/>
-          </a:fillRef>
-          <a:effectRef idx="0">
-            <a:schemeClr val="accent1"/>
-          </a:effectRef>
-          <a:fontRef idx="minor">
-            <a:schemeClr val="tx1"/>
-          </a:fontRef>
-        </p:style>
-      </p:cxnSp>
       <p:sp>
         <p:nvSpPr>
           <p:cNvPr id="147" name="フローチャート: 磁気ディスク 146">
@@ -4461,7 +4342,7 @@
         </p:nvSpPr>
         <p:spPr>
           <a:xfrm>
-            <a:off x="10759668" y="2557584"/>
+            <a:off x="10759668" y="2640708"/>
             <a:ext cx="1071419" cy="1315029"/>
           </a:xfrm>
           <a:prstGeom prst="flowChartMagneticDisk">
@@ -4719,10 +4600,10 @@
       </p:sp>
       <p:sp>
         <p:nvSpPr>
-          <p:cNvPr id="61" name="四角形: 角を丸くする 60">
-            <a:extLst>
-              <a:ext uri="{FF2B5EF4-FFF2-40B4-BE49-F238E27FC236}">
-                <a16:creationId xmlns:a16="http://schemas.microsoft.com/office/drawing/2014/main" id="{69B8B5D2-C3EB-4FB3-B85E-59F414099BA2}"/>
+          <p:cNvPr id="53" name="四角形: 角を丸くする 52">
+            <a:extLst>
+              <a:ext uri="{FF2B5EF4-FFF2-40B4-BE49-F238E27FC236}">
+                <a16:creationId xmlns:a16="http://schemas.microsoft.com/office/drawing/2014/main" id="{F31D0585-2BDE-4051-9F34-F35A470A92DE}"/>
               </a:ext>
             </a:extLst>
           </p:cNvPr>
@@ -4731,14 +4612,14 @@
         </p:nvSpPr>
         <p:spPr>
           <a:xfrm>
-            <a:off x="8751446" y="1893193"/>
+            <a:off x="6031351" y="4417276"/>
             <a:ext cx="1071419" cy="683491"/>
           </a:xfrm>
           <a:prstGeom prst="roundRect">
             <a:avLst/>
           </a:prstGeom>
           <a:solidFill>
-            <a:srgbClr val="7030A0"/>
+            <a:srgbClr val="00B0F0"/>
           </a:solidFill>
         </p:spPr>
         <p:style>
@@ -4763,65 +4644,6 @@
           <a:p>
             <a:pPr algn="ctr"/>
             <a:r>
-              <a:rPr lang="en-US" sz="1600" dirty="0"/>
-              <a:t>Cycling</a:t>
-            </a:r>
-          </a:p>
-          <a:p>
-            <a:pPr algn="ctr"/>
-            <a:r>
-              <a:rPr lang="en-US" sz="1600" dirty="0"/>
-              <a:t>Activity</a:t>
-            </a:r>
-          </a:p>
-        </p:txBody>
-      </p:sp>
-      <p:sp>
-        <p:nvSpPr>
-          <p:cNvPr id="53" name="四角形: 角を丸くする 52">
-            <a:extLst>
-              <a:ext uri="{FF2B5EF4-FFF2-40B4-BE49-F238E27FC236}">
-                <a16:creationId xmlns:a16="http://schemas.microsoft.com/office/drawing/2014/main" id="{F31D0585-2BDE-4051-9F34-F35A470A92DE}"/>
-              </a:ext>
-            </a:extLst>
-          </p:cNvPr>
-          <p:cNvSpPr/>
-          <p:nvPr/>
-        </p:nvSpPr>
-        <p:spPr>
-          <a:xfrm>
-            <a:off x="6031351" y="4334152"/>
-            <a:ext cx="1071419" cy="683491"/>
-          </a:xfrm>
-          <a:prstGeom prst="roundRect">
-            <a:avLst/>
-          </a:prstGeom>
-          <a:solidFill>
-            <a:srgbClr val="00B0F0"/>
-          </a:solidFill>
-        </p:spPr>
-        <p:style>
-          <a:lnRef idx="2">
-            <a:schemeClr val="accent1">
-              <a:shade val="50000"/>
-            </a:schemeClr>
-          </a:lnRef>
-          <a:fillRef idx="1">
-            <a:schemeClr val="accent1"/>
-          </a:fillRef>
-          <a:effectRef idx="0">
-            <a:schemeClr val="accent1"/>
-          </a:effectRef>
-          <a:fontRef idx="minor">
-            <a:schemeClr val="lt1"/>
-          </a:fontRef>
-        </p:style>
-        <p:txBody>
-          <a:bodyPr rtlCol="0" anchor="ctr"/>
-          <a:lstStyle/>
-          <a:p>
-            <a:pPr algn="ctr"/>
-            <a:r>
               <a:rPr lang="en-US" sz="1400" dirty="0"/>
               <a:t>FTDI</a:t>
             </a:r>
@@ -4860,53 +4682,10 @@
         </p:nvCxnSpPr>
         <p:spPr>
           <a:xfrm>
-            <a:off x="7102770" y="4675898"/>
+            <a:off x="7102770" y="4759022"/>
             <a:ext cx="1159160" cy="4615"/>
           </a:xfrm>
           <a:prstGeom prst="straightConnector1">
-            <a:avLst/>
-          </a:prstGeom>
-          <a:ln w="76200">
-            <a:tailEnd type="triangle"/>
-          </a:ln>
-        </p:spPr>
-        <p:style>
-          <a:lnRef idx="1">
-            <a:schemeClr val="accent1"/>
-          </a:lnRef>
-          <a:fillRef idx="0">
-            <a:schemeClr val="accent1"/>
-          </a:fillRef>
-          <a:effectRef idx="0">
-            <a:schemeClr val="accent1"/>
-          </a:effectRef>
-          <a:fontRef idx="minor">
-            <a:schemeClr val="tx1"/>
-          </a:fontRef>
-        </p:style>
-      </p:cxnSp>
-      <p:cxnSp>
-        <p:nvCxnSpPr>
-          <p:cNvPr id="79" name="コネクタ: カギ線 78">
-            <a:extLst>
-              <a:ext uri="{FF2B5EF4-FFF2-40B4-BE49-F238E27FC236}">
-                <a16:creationId xmlns:a16="http://schemas.microsoft.com/office/drawing/2014/main" id="{3FA247EB-22CD-4736-A509-2AE12DFB15A6}"/>
-              </a:ext>
-            </a:extLst>
-          </p:cNvPr>
-          <p:cNvCxnSpPr>
-            <a:cxnSpLocks/>
-            <a:stCxn id="53" idx="3"/>
-            <a:endCxn id="60" idx="2"/>
-          </p:cNvCxnSpPr>
-          <p:nvPr/>
-        </p:nvCxnSpPr>
-        <p:spPr>
-          <a:xfrm flipV="1">
-            <a:off x="7102770" y="2585234"/>
-            <a:ext cx="540490" cy="2090664"/>
-          </a:xfrm>
-          <a:prstGeom prst="bentConnector2">
             <a:avLst/>
           </a:prstGeom>
           <a:ln w="76200">
@@ -4946,7 +4725,7 @@
         </p:nvCxnSpPr>
         <p:spPr>
           <a:xfrm flipV="1">
-            <a:off x="9333349" y="3215099"/>
+            <a:off x="9333349" y="3298223"/>
             <a:ext cx="1426319" cy="1465414"/>
           </a:xfrm>
           <a:prstGeom prst="bentConnector3">
@@ -4987,7 +4766,7 @@
         </p:nvSpPr>
         <p:spPr>
           <a:xfrm>
-            <a:off x="5481525" y="1906364"/>
+            <a:off x="5306036" y="1989488"/>
             <a:ext cx="1063043" cy="683491"/>
           </a:xfrm>
           <a:prstGeom prst="roundRect">
@@ -5046,7 +4825,7 @@
         </p:nvSpPr>
         <p:spPr>
           <a:xfrm>
-            <a:off x="6526537" y="5726387"/>
+            <a:off x="6526537" y="5809511"/>
             <a:ext cx="2408416" cy="369332"/>
           </a:xfrm>
           <a:prstGeom prst="rect">
@@ -5085,7 +4864,7 @@
         </p:nvSpPr>
         <p:spPr>
           <a:xfrm>
-            <a:off x="5295620" y="4910046"/>
+            <a:off x="5295620" y="4993170"/>
             <a:ext cx="1071419" cy="683491"/>
           </a:xfrm>
           <a:prstGeom prst="roundRect">
@@ -5140,35 +4919,322 @@
           </a:p>
         </p:txBody>
       </p:sp>
+      <p:sp>
+        <p:nvSpPr>
+          <p:cNvPr id="6" name="テキスト ボックス 5">
+            <a:extLst>
+              <a:ext uri="{FF2B5EF4-FFF2-40B4-BE49-F238E27FC236}">
+                <a16:creationId xmlns:a16="http://schemas.microsoft.com/office/drawing/2014/main" id="{F866CA6C-D6B5-4681-945A-E6033E0509DA}"/>
+              </a:ext>
+            </a:extLst>
+          </p:cNvPr>
+          <p:cNvSpPr txBox="1"/>
+          <p:nvPr/>
+        </p:nvSpPr>
+        <p:spPr>
+          <a:xfrm>
+            <a:off x="6616423" y="3140823"/>
+            <a:ext cx="735731" cy="523220"/>
+          </a:xfrm>
+          <a:prstGeom prst="rect">
+            <a:avLst/>
+          </a:prstGeom>
+          <a:noFill/>
+        </p:spPr>
+        <p:txBody>
+          <a:bodyPr wrap="square" rtlCol="0">
+            <a:spAutoFit/>
+          </a:bodyPr>
+          <a:lstStyle/>
+          <a:p>
+            <a:r>
+              <a:rPr lang="en-US" sz="1400" dirty="0">
+                <a:solidFill>
+                  <a:schemeClr val="bg1"/>
+                </a:solidFill>
+              </a:rPr>
+              <a:t>Service call</a:t>
+            </a:r>
+          </a:p>
+        </p:txBody>
+      </p:sp>
+      <p:sp>
+        <p:nvSpPr>
+          <p:cNvPr id="45" name="テキスト ボックス 44">
+            <a:extLst>
+              <a:ext uri="{FF2B5EF4-FFF2-40B4-BE49-F238E27FC236}">
+                <a16:creationId xmlns:a16="http://schemas.microsoft.com/office/drawing/2014/main" id="{0B9CE3F0-07E8-47DF-A6EB-56AFDBAEB589}"/>
+              </a:ext>
+            </a:extLst>
+          </p:cNvPr>
+          <p:cNvSpPr txBox="1"/>
+          <p:nvPr/>
+        </p:nvSpPr>
+        <p:spPr>
+          <a:xfrm>
+            <a:off x="6362427" y="2037072"/>
+            <a:ext cx="735731" cy="307777"/>
+          </a:xfrm>
+          <a:prstGeom prst="rect">
+            <a:avLst/>
+          </a:prstGeom>
+          <a:noFill/>
+        </p:spPr>
+        <p:txBody>
+          <a:bodyPr wrap="square" rtlCol="0">
+            <a:spAutoFit/>
+          </a:bodyPr>
+          <a:lstStyle/>
+          <a:p>
+            <a:r>
+              <a:rPr lang="en-US" sz="1400" dirty="0">
+                <a:solidFill>
+                  <a:schemeClr val="bg1"/>
+                </a:solidFill>
+              </a:rPr>
+              <a:t>Intent</a:t>
+            </a:r>
+          </a:p>
+        </p:txBody>
+      </p:sp>
+      <p:sp>
+        <p:nvSpPr>
+          <p:cNvPr id="42" name="四角形: 角を丸くする 41">
+            <a:extLst>
+              <a:ext uri="{FF2B5EF4-FFF2-40B4-BE49-F238E27FC236}">
+                <a16:creationId xmlns:a16="http://schemas.microsoft.com/office/drawing/2014/main" id="{C7C97CD6-1A84-44EE-A06A-461D6C307246}"/>
+              </a:ext>
+            </a:extLst>
+          </p:cNvPr>
+          <p:cNvSpPr/>
+          <p:nvPr/>
+        </p:nvSpPr>
+        <p:spPr>
+          <a:xfrm>
+            <a:off x="6932407" y="1626622"/>
+            <a:ext cx="2694874" cy="1272724"/>
+          </a:xfrm>
+          <a:prstGeom prst="roundRect">
+            <a:avLst/>
+          </a:prstGeom>
+          <a:solidFill>
+            <a:schemeClr val="accent1">
+              <a:lumMod val="60000"/>
+              <a:lumOff val="40000"/>
+            </a:schemeClr>
+          </a:solidFill>
+        </p:spPr>
+        <p:style>
+          <a:lnRef idx="2">
+            <a:schemeClr val="accent1">
+              <a:shade val="50000"/>
+            </a:schemeClr>
+          </a:lnRef>
+          <a:fillRef idx="1">
+            <a:schemeClr val="accent1"/>
+          </a:fillRef>
+          <a:effectRef idx="0">
+            <a:schemeClr val="accent1"/>
+          </a:effectRef>
+          <a:fontRef idx="minor">
+            <a:schemeClr val="lt1"/>
+          </a:fontRef>
+        </p:style>
+        <p:txBody>
+          <a:bodyPr rtlCol="0" anchor="ctr"/>
+          <a:lstStyle/>
+          <a:p>
+            <a:pPr algn="ctr"/>
+            <a:endParaRPr lang="en-US" sz="1600" dirty="0"/>
+          </a:p>
+        </p:txBody>
+      </p:sp>
+      <p:sp>
+        <p:nvSpPr>
+          <p:cNvPr id="61" name="四角形: 角を丸くする 60">
+            <a:extLst>
+              <a:ext uri="{FF2B5EF4-FFF2-40B4-BE49-F238E27FC236}">
+                <a16:creationId xmlns:a16="http://schemas.microsoft.com/office/drawing/2014/main" id="{69B8B5D2-C3EB-4FB3-B85E-59F414099BA2}"/>
+              </a:ext>
+            </a:extLst>
+          </p:cNvPr>
+          <p:cNvSpPr/>
+          <p:nvPr/>
+        </p:nvSpPr>
+        <p:spPr>
+          <a:xfrm>
+            <a:off x="8372757" y="1985553"/>
+            <a:ext cx="1071419" cy="683491"/>
+          </a:xfrm>
+          <a:prstGeom prst="roundRect">
+            <a:avLst/>
+          </a:prstGeom>
+          <a:solidFill>
+            <a:srgbClr val="7030A0"/>
+          </a:solidFill>
+        </p:spPr>
+        <p:style>
+          <a:lnRef idx="2">
+            <a:schemeClr val="accent1">
+              <a:shade val="50000"/>
+            </a:schemeClr>
+          </a:lnRef>
+          <a:fillRef idx="1">
+            <a:schemeClr val="accent1"/>
+          </a:fillRef>
+          <a:effectRef idx="0">
+            <a:schemeClr val="accent1"/>
+          </a:effectRef>
+          <a:fontRef idx="minor">
+            <a:schemeClr val="lt1"/>
+          </a:fontRef>
+        </p:style>
+        <p:txBody>
+          <a:bodyPr rtlCol="0" anchor="ctr"/>
+          <a:lstStyle/>
+          <a:p>
+            <a:pPr algn="ctr"/>
+            <a:r>
+              <a:rPr lang="en-US" sz="1600" dirty="0"/>
+              <a:t>Cycling</a:t>
+            </a:r>
+          </a:p>
+          <a:p>
+            <a:pPr algn="ctr"/>
+            <a:r>
+              <a:rPr lang="en-US" sz="1600" dirty="0"/>
+              <a:t>Fragment</a:t>
+            </a:r>
+          </a:p>
+        </p:txBody>
+      </p:sp>
+      <p:sp>
+        <p:nvSpPr>
+          <p:cNvPr id="60" name="四角形: 角を丸くする 59">
+            <a:extLst>
+              <a:ext uri="{FF2B5EF4-FFF2-40B4-BE49-F238E27FC236}">
+                <a16:creationId xmlns:a16="http://schemas.microsoft.com/office/drawing/2014/main" id="{1BB8BFB3-5E97-4FA2-83CA-E8B07FF818A1}"/>
+              </a:ext>
+            </a:extLst>
+          </p:cNvPr>
+          <p:cNvSpPr/>
+          <p:nvPr/>
+        </p:nvSpPr>
+        <p:spPr>
+          <a:xfrm>
+            <a:off x="7084030" y="1984867"/>
+            <a:ext cx="1063043" cy="683491"/>
+          </a:xfrm>
+          <a:prstGeom prst="roundRect">
+            <a:avLst/>
+          </a:prstGeom>
+          <a:solidFill>
+            <a:srgbClr val="7030A0"/>
+          </a:solidFill>
+        </p:spPr>
+        <p:style>
+          <a:lnRef idx="2">
+            <a:schemeClr val="accent1">
+              <a:shade val="50000"/>
+            </a:schemeClr>
+          </a:lnRef>
+          <a:fillRef idx="1">
+            <a:schemeClr val="accent1"/>
+          </a:fillRef>
+          <a:effectRef idx="0">
+            <a:schemeClr val="accent1"/>
+          </a:effectRef>
+          <a:fontRef idx="minor">
+            <a:schemeClr val="lt1"/>
+          </a:fontRef>
+        </p:style>
+        <p:txBody>
+          <a:bodyPr rtlCol="0" anchor="ctr"/>
+          <a:lstStyle/>
+          <a:p>
+            <a:pPr algn="ctr"/>
+            <a:r>
+              <a:rPr lang="en-US" sz="1600" dirty="0"/>
+              <a:t>CLI</a:t>
+            </a:r>
+          </a:p>
+          <a:p>
+            <a:pPr algn="ctr"/>
+            <a:r>
+              <a:rPr lang="en-US" sz="1600" dirty="0"/>
+              <a:t>Fragment</a:t>
+            </a:r>
+          </a:p>
+        </p:txBody>
+      </p:sp>
       <p:cxnSp>
         <p:nvCxnSpPr>
-          <p:cNvPr id="48" name="コネクタ: カギ線 47">
-            <a:extLst>
-              <a:ext uri="{FF2B5EF4-FFF2-40B4-BE49-F238E27FC236}">
-                <a16:creationId xmlns:a16="http://schemas.microsoft.com/office/drawing/2014/main" id="{384D2017-CCBF-4A2F-8F03-9E2032A735F7}"/>
+          <p:cNvPr id="18" name="直線矢印コネクタ 17">
+            <a:extLst>
+              <a:ext uri="{FF2B5EF4-FFF2-40B4-BE49-F238E27FC236}">
+                <a16:creationId xmlns:a16="http://schemas.microsoft.com/office/drawing/2014/main" id="{21252894-E16A-4995-9FD0-6A16674545A9}"/>
               </a:ext>
             </a:extLst>
           </p:cNvPr>
           <p:cNvCxnSpPr>
             <a:cxnSpLocks/>
-            <a:stCxn id="104" idx="2"/>
-            <a:endCxn id="61" idx="2"/>
+            <a:stCxn id="60" idx="1"/>
+            <a:endCxn id="38" idx="3"/>
           </p:cNvCxnSpPr>
           <p:nvPr/>
         </p:nvCxnSpPr>
         <p:spPr>
-          <a:xfrm rot="5400000" flipH="1" flipV="1">
-            <a:off x="7819611" y="3554713"/>
-            <a:ext cx="2445574" cy="489516"/>
-          </a:xfrm>
-          <a:prstGeom prst="bentConnector5">
-            <a:avLst>
-              <a:gd name="adj1" fmla="val -19167"/>
-              <a:gd name="adj2" fmla="val 198589"/>
-              <a:gd name="adj3" fmla="val 63974"/>
-            </a:avLst>
+          <a:xfrm flipH="1">
+            <a:off x="6369079" y="2326613"/>
+            <a:ext cx="714951" cy="4621"/>
+          </a:xfrm>
+          <a:prstGeom prst="straightConnector1">
+            <a:avLst/>
           </a:prstGeom>
-          <a:ln w="76200">
+          <a:ln>
+            <a:tailEnd type="triangle"/>
+          </a:ln>
+        </p:spPr>
+        <p:style>
+          <a:lnRef idx="1">
+            <a:schemeClr val="accent1"/>
+          </a:lnRef>
+          <a:fillRef idx="0">
+            <a:schemeClr val="accent1"/>
+          </a:fillRef>
+          <a:effectRef idx="0">
+            <a:schemeClr val="accent1"/>
+          </a:effectRef>
+          <a:fontRef idx="minor">
+            <a:schemeClr val="tx1"/>
+          </a:fontRef>
+        </p:style>
+      </p:cxnSp>
+      <p:cxnSp>
+        <p:nvCxnSpPr>
+          <p:cNvPr id="50" name="直線矢印コネクタ 49">
+            <a:extLst>
+              <a:ext uri="{FF2B5EF4-FFF2-40B4-BE49-F238E27FC236}">
+                <a16:creationId xmlns:a16="http://schemas.microsoft.com/office/drawing/2014/main" id="{1C552671-286A-4492-9AFE-F80EAFF7DA0D}"/>
+              </a:ext>
+            </a:extLst>
+          </p:cNvPr>
+          <p:cNvCxnSpPr>
+            <a:cxnSpLocks/>
+            <a:stCxn id="60" idx="3"/>
+            <a:endCxn id="61" idx="1"/>
+          </p:cNvCxnSpPr>
+          <p:nvPr/>
+        </p:nvCxnSpPr>
+        <p:spPr>
+          <a:xfrm>
+            <a:off x="8147073" y="2326613"/>
+            <a:ext cx="225684" cy="686"/>
+          </a:xfrm>
+          <a:prstGeom prst="straightConnector1">
+            <a:avLst/>
+          </a:prstGeom>
+          <a:ln>
             <a:tailEnd type="triangle"/>
           </a:ln>
         </p:spPr>
@@ -5196,94 +5262,15 @@
               </a:ext>
             </a:extLst>
           </p:cNvPr>
-          <p:cNvCxnSpPr/>
-          <p:nvPr/>
-        </p:nvCxnSpPr>
-        <p:spPr>
-          <a:xfrm>
-            <a:off x="7296727" y="2585234"/>
-            <a:ext cx="0" cy="1527706"/>
-          </a:xfrm>
-          <a:prstGeom prst="straightConnector1">
-            <a:avLst/>
-          </a:prstGeom>
-          <a:ln>
-            <a:tailEnd type="triangle"/>
-          </a:ln>
-        </p:spPr>
-        <p:style>
-          <a:lnRef idx="1">
-            <a:schemeClr val="accent1"/>
-          </a:lnRef>
-          <a:fillRef idx="0">
-            <a:schemeClr val="accent1"/>
-          </a:fillRef>
-          <a:effectRef idx="0">
-            <a:schemeClr val="accent1"/>
-          </a:effectRef>
-          <a:fontRef idx="minor">
-            <a:schemeClr val="tx1"/>
-          </a:fontRef>
-        </p:style>
-      </p:cxnSp>
-      <p:sp>
-        <p:nvSpPr>
-          <p:cNvPr id="6" name="テキスト ボックス 5">
-            <a:extLst>
-              <a:ext uri="{FF2B5EF4-FFF2-40B4-BE49-F238E27FC236}">
-                <a16:creationId xmlns:a16="http://schemas.microsoft.com/office/drawing/2014/main" id="{F866CA6C-D6B5-4681-945A-E6033E0509DA}"/>
-              </a:ext>
-            </a:extLst>
-          </p:cNvPr>
-          <p:cNvSpPr txBox="1"/>
-          <p:nvPr/>
-        </p:nvSpPr>
-        <p:spPr>
-          <a:xfrm>
-            <a:off x="6616423" y="2946865"/>
-            <a:ext cx="735731" cy="523220"/>
-          </a:xfrm>
-          <a:prstGeom prst="rect">
-            <a:avLst/>
-          </a:prstGeom>
-          <a:noFill/>
-        </p:spPr>
-        <p:txBody>
-          <a:bodyPr wrap="square" rtlCol="0">
-            <a:spAutoFit/>
-          </a:bodyPr>
-          <a:lstStyle/>
-          <a:p>
-            <a:r>
-              <a:rPr lang="en-US" sz="1400" dirty="0">
-                <a:solidFill>
-                  <a:schemeClr val="bg1"/>
-                </a:solidFill>
-              </a:rPr>
-              <a:t>Service call</a:t>
-            </a:r>
-          </a:p>
-        </p:txBody>
-      </p:sp>
-      <p:cxnSp>
-        <p:nvCxnSpPr>
-          <p:cNvPr id="18" name="直線矢印コネクタ 17">
-            <a:extLst>
-              <a:ext uri="{FF2B5EF4-FFF2-40B4-BE49-F238E27FC236}">
-                <a16:creationId xmlns:a16="http://schemas.microsoft.com/office/drawing/2014/main" id="{21252894-E16A-4995-9FD0-6A16674545A9}"/>
-              </a:ext>
-            </a:extLst>
-          </p:cNvPr>
           <p:cNvCxnSpPr>
-            <a:stCxn id="60" idx="1"/>
-            <a:endCxn id="38" idx="3"/>
+            <a:cxnSpLocks/>
           </p:cNvCxnSpPr>
           <p:nvPr/>
         </p:nvCxnSpPr>
         <p:spPr>
-          <a:xfrm flipH="1">
-            <a:off x="6544568" y="2243489"/>
-            <a:ext cx="567170" cy="4621"/>
+          <a:xfrm>
+            <a:off x="7296727" y="2668358"/>
+            <a:ext cx="0" cy="1527706"/>
           </a:xfrm>
           <a:prstGeom prst="straightConnector1">
             <a:avLst/>
@@ -5309,30 +5296,26 @@
       </p:cxnSp>
       <p:cxnSp>
         <p:nvCxnSpPr>
-          <p:cNvPr id="22" name="直線矢印コネクタ 21">
-            <a:extLst>
-              <a:ext uri="{FF2B5EF4-FFF2-40B4-BE49-F238E27FC236}">
-                <a16:creationId xmlns:a16="http://schemas.microsoft.com/office/drawing/2014/main" id="{C55FE2CE-E3D5-4448-963E-C6A3C62E84B2}"/>
+          <p:cNvPr id="41" name="直線コネクタ 40">
+            <a:extLst>
+              <a:ext uri="{FF2B5EF4-FFF2-40B4-BE49-F238E27FC236}">
+                <a16:creationId xmlns:a16="http://schemas.microsoft.com/office/drawing/2014/main" id="{A25DFB1E-21C9-457D-8619-CF23A176BDA2}"/>
               </a:ext>
             </a:extLst>
           </p:cNvPr>
           <p:cNvCxnSpPr>
-            <a:stCxn id="60" idx="3"/>
-            <a:endCxn id="61" idx="1"/>
+            <a:cxnSpLocks/>
           </p:cNvCxnSpPr>
           <p:nvPr/>
         </p:nvCxnSpPr>
         <p:spPr>
-          <a:xfrm flipV="1">
-            <a:off x="8174781" y="2234939"/>
-            <a:ext cx="576665" cy="8550"/>
-          </a:xfrm>
-          <a:prstGeom prst="straightConnector1">
+          <a:xfrm>
+            <a:off x="7980219" y="3131125"/>
+            <a:ext cx="0" cy="881333"/>
+          </a:xfrm>
+          <a:prstGeom prst="line">
             <a:avLst/>
           </a:prstGeom>
-          <a:ln>
-            <a:tailEnd type="triangle"/>
-          </a:ln>
         </p:spPr>
         <p:style>
           <a:lnRef idx="1">
@@ -5351,10 +5334,324 @@
       </p:cxnSp>
       <p:sp>
         <p:nvSpPr>
-          <p:cNvPr id="45" name="テキスト ボックス 44">
-            <a:extLst>
-              <a:ext uri="{FF2B5EF4-FFF2-40B4-BE49-F238E27FC236}">
-                <a16:creationId xmlns:a16="http://schemas.microsoft.com/office/drawing/2014/main" id="{0B9CE3F0-07E8-47DF-A6EB-56AFDBAEB589}"/>
+          <p:cNvPr id="43" name="楕円 42">
+            <a:extLst>
+              <a:ext uri="{FF2B5EF4-FFF2-40B4-BE49-F238E27FC236}">
+                <a16:creationId xmlns:a16="http://schemas.microsoft.com/office/drawing/2014/main" id="{A0A37D28-DF6C-4C67-8252-418C13BB3A53}"/>
+              </a:ext>
+            </a:extLst>
+          </p:cNvPr>
+          <p:cNvSpPr/>
+          <p:nvPr/>
+        </p:nvSpPr>
+        <p:spPr>
+          <a:xfrm>
+            <a:off x="7977032" y="3171529"/>
+            <a:ext cx="282883" cy="250602"/>
+          </a:xfrm>
+          <a:prstGeom prst="ellipse">
+            <a:avLst/>
+          </a:prstGeom>
+        </p:spPr>
+        <p:style>
+          <a:lnRef idx="2">
+            <a:schemeClr val="accent1">
+              <a:shade val="50000"/>
+            </a:schemeClr>
+          </a:lnRef>
+          <a:fillRef idx="1">
+            <a:schemeClr val="accent1"/>
+          </a:fillRef>
+          <a:effectRef idx="0">
+            <a:schemeClr val="accent1"/>
+          </a:effectRef>
+          <a:fontRef idx="minor">
+            <a:schemeClr val="lt1"/>
+          </a:fontRef>
+        </p:style>
+        <p:txBody>
+          <a:bodyPr rtlCol="0" anchor="ctr"/>
+          <a:lstStyle/>
+          <a:p>
+            <a:pPr algn="ctr"/>
+            <a:endParaRPr lang="en-US"/>
+          </a:p>
+        </p:txBody>
+      </p:sp>
+      <p:sp>
+        <p:nvSpPr>
+          <p:cNvPr id="67" name="楕円 66">
+            <a:extLst>
+              <a:ext uri="{FF2B5EF4-FFF2-40B4-BE49-F238E27FC236}">
+                <a16:creationId xmlns:a16="http://schemas.microsoft.com/office/drawing/2014/main" id="{82E127A8-D3F5-4AA2-AC54-F3E4040CE103}"/>
+              </a:ext>
+            </a:extLst>
+          </p:cNvPr>
+          <p:cNvSpPr/>
+          <p:nvPr/>
+        </p:nvSpPr>
+        <p:spPr>
+          <a:xfrm>
+            <a:off x="7981651" y="3434761"/>
+            <a:ext cx="282883" cy="250602"/>
+          </a:xfrm>
+          <a:prstGeom prst="ellipse">
+            <a:avLst/>
+          </a:prstGeom>
+        </p:spPr>
+        <p:style>
+          <a:lnRef idx="2">
+            <a:schemeClr val="accent1">
+              <a:shade val="50000"/>
+            </a:schemeClr>
+          </a:lnRef>
+          <a:fillRef idx="1">
+            <a:schemeClr val="accent1"/>
+          </a:fillRef>
+          <a:effectRef idx="0">
+            <a:schemeClr val="accent1"/>
+          </a:effectRef>
+          <a:fontRef idx="minor">
+            <a:schemeClr val="lt1"/>
+          </a:fontRef>
+        </p:style>
+        <p:txBody>
+          <a:bodyPr rtlCol="0" anchor="ctr"/>
+          <a:lstStyle/>
+          <a:p>
+            <a:pPr algn="ctr"/>
+            <a:endParaRPr lang="en-US"/>
+          </a:p>
+        </p:txBody>
+      </p:sp>
+      <p:sp>
+        <p:nvSpPr>
+          <p:cNvPr id="68" name="楕円 67">
+            <a:extLst>
+              <a:ext uri="{FF2B5EF4-FFF2-40B4-BE49-F238E27FC236}">
+                <a16:creationId xmlns:a16="http://schemas.microsoft.com/office/drawing/2014/main" id="{FD96EFF3-15B7-444E-978B-08DBD1915A92}"/>
+              </a:ext>
+            </a:extLst>
+          </p:cNvPr>
+          <p:cNvSpPr/>
+          <p:nvPr/>
+        </p:nvSpPr>
+        <p:spPr>
+          <a:xfrm>
+            <a:off x="7977033" y="3697993"/>
+            <a:ext cx="282883" cy="250602"/>
+          </a:xfrm>
+          <a:prstGeom prst="ellipse">
+            <a:avLst/>
+          </a:prstGeom>
+        </p:spPr>
+        <p:style>
+          <a:lnRef idx="2">
+            <a:schemeClr val="accent1">
+              <a:shade val="50000"/>
+            </a:schemeClr>
+          </a:lnRef>
+          <a:fillRef idx="1">
+            <a:schemeClr val="accent1"/>
+          </a:fillRef>
+          <a:effectRef idx="0">
+            <a:schemeClr val="accent1"/>
+          </a:effectRef>
+          <a:fontRef idx="minor">
+            <a:schemeClr val="lt1"/>
+          </a:fontRef>
+        </p:style>
+        <p:txBody>
+          <a:bodyPr rtlCol="0" anchor="ctr"/>
+          <a:lstStyle/>
+          <a:p>
+            <a:pPr algn="ctr"/>
+            <a:endParaRPr lang="en-US"/>
+          </a:p>
+        </p:txBody>
+      </p:sp>
+      <p:cxnSp>
+        <p:nvCxnSpPr>
+          <p:cNvPr id="71" name="直線コネクタ 70">
+            <a:extLst>
+              <a:ext uri="{FF2B5EF4-FFF2-40B4-BE49-F238E27FC236}">
+                <a16:creationId xmlns:a16="http://schemas.microsoft.com/office/drawing/2014/main" id="{44F5889C-D800-4691-9B55-6B3C2DEAF509}"/>
+              </a:ext>
+            </a:extLst>
+          </p:cNvPr>
+          <p:cNvCxnSpPr>
+            <a:cxnSpLocks/>
+          </p:cNvCxnSpPr>
+          <p:nvPr/>
+        </p:nvCxnSpPr>
+        <p:spPr>
+          <a:xfrm>
+            <a:off x="8261927" y="3126510"/>
+            <a:ext cx="0" cy="881333"/>
+          </a:xfrm>
+          <a:prstGeom prst="line">
+            <a:avLst/>
+          </a:prstGeom>
+        </p:spPr>
+        <p:style>
+          <a:lnRef idx="1">
+            <a:schemeClr val="accent1"/>
+          </a:lnRef>
+          <a:fillRef idx="0">
+            <a:schemeClr val="accent1"/>
+          </a:fillRef>
+          <a:effectRef idx="0">
+            <a:schemeClr val="accent1"/>
+          </a:effectRef>
+          <a:fontRef idx="minor">
+            <a:schemeClr val="tx1"/>
+          </a:fontRef>
+        </p:style>
+      </p:cxnSp>
+      <p:sp>
+        <p:nvSpPr>
+          <p:cNvPr id="51" name="矢印: 右 50">
+            <a:extLst>
+              <a:ext uri="{FF2B5EF4-FFF2-40B4-BE49-F238E27FC236}">
+                <a16:creationId xmlns:a16="http://schemas.microsoft.com/office/drawing/2014/main" id="{7876AB62-2F2F-4E9B-A4E0-2B3122EF8E87}"/>
+              </a:ext>
+            </a:extLst>
+          </p:cNvPr>
+          <p:cNvSpPr/>
+          <p:nvPr/>
+        </p:nvSpPr>
+        <p:spPr>
+          <a:xfrm rot="16200000">
+            <a:off x="7890757" y="2898451"/>
+            <a:ext cx="192824" cy="219871"/>
+          </a:xfrm>
+          <a:prstGeom prst="rightArrow">
+            <a:avLst/>
+          </a:prstGeom>
+        </p:spPr>
+        <p:style>
+          <a:lnRef idx="2">
+            <a:schemeClr val="accent1">
+              <a:shade val="50000"/>
+            </a:schemeClr>
+          </a:lnRef>
+          <a:fillRef idx="1">
+            <a:schemeClr val="accent1"/>
+          </a:fillRef>
+          <a:effectRef idx="0">
+            <a:schemeClr val="accent1"/>
+          </a:effectRef>
+          <a:fontRef idx="minor">
+            <a:schemeClr val="lt1"/>
+          </a:fontRef>
+        </p:style>
+        <p:txBody>
+          <a:bodyPr rtlCol="0" anchor="ctr"/>
+          <a:lstStyle/>
+          <a:p>
+            <a:pPr algn="ctr"/>
+            <a:endParaRPr lang="en-US"/>
+          </a:p>
+        </p:txBody>
+      </p:sp>
+      <p:sp>
+        <p:nvSpPr>
+          <p:cNvPr id="72" name="矢印: 右 71">
+            <a:extLst>
+              <a:ext uri="{FF2B5EF4-FFF2-40B4-BE49-F238E27FC236}">
+                <a16:creationId xmlns:a16="http://schemas.microsoft.com/office/drawing/2014/main" id="{CFD5ED7A-39F0-4566-9B71-E17C5EC993A6}"/>
+              </a:ext>
+            </a:extLst>
+          </p:cNvPr>
+          <p:cNvSpPr/>
+          <p:nvPr/>
+        </p:nvSpPr>
+        <p:spPr>
+          <a:xfrm rot="16200000">
+            <a:off x="8153989" y="2893835"/>
+            <a:ext cx="192824" cy="219871"/>
+          </a:xfrm>
+          <a:prstGeom prst="rightArrow">
+            <a:avLst/>
+          </a:prstGeom>
+        </p:spPr>
+        <p:style>
+          <a:lnRef idx="2">
+            <a:schemeClr val="accent1">
+              <a:shade val="50000"/>
+            </a:schemeClr>
+          </a:lnRef>
+          <a:fillRef idx="1">
+            <a:schemeClr val="accent1"/>
+          </a:fillRef>
+          <a:effectRef idx="0">
+            <a:schemeClr val="accent1"/>
+          </a:effectRef>
+          <a:fontRef idx="minor">
+            <a:schemeClr val="lt1"/>
+          </a:fontRef>
+        </p:style>
+        <p:txBody>
+          <a:bodyPr rtlCol="0" anchor="ctr"/>
+          <a:lstStyle/>
+          <a:p>
+            <a:pPr algn="ctr"/>
+            <a:endParaRPr lang="en-US"/>
+          </a:p>
+        </p:txBody>
+      </p:sp>
+      <p:sp>
+        <p:nvSpPr>
+          <p:cNvPr id="73" name="矢印: 右 72">
+            <a:extLst>
+              <a:ext uri="{FF2B5EF4-FFF2-40B4-BE49-F238E27FC236}">
+                <a16:creationId xmlns:a16="http://schemas.microsoft.com/office/drawing/2014/main" id="{E7EAE134-317E-4FD0-8514-75836E8D4F18}"/>
+              </a:ext>
+            </a:extLst>
+          </p:cNvPr>
+          <p:cNvSpPr/>
+          <p:nvPr/>
+        </p:nvSpPr>
+        <p:spPr>
+          <a:xfrm rot="16200000">
+            <a:off x="8020063" y="3979109"/>
+            <a:ext cx="192824" cy="219871"/>
+          </a:xfrm>
+          <a:prstGeom prst="rightArrow">
+            <a:avLst/>
+          </a:prstGeom>
+        </p:spPr>
+        <p:style>
+          <a:lnRef idx="2">
+            <a:schemeClr val="accent1">
+              <a:shade val="50000"/>
+            </a:schemeClr>
+          </a:lnRef>
+          <a:fillRef idx="1">
+            <a:schemeClr val="accent1"/>
+          </a:fillRef>
+          <a:effectRef idx="0">
+            <a:schemeClr val="accent1"/>
+          </a:effectRef>
+          <a:fontRef idx="minor">
+            <a:schemeClr val="lt1"/>
+          </a:fontRef>
+        </p:style>
+        <p:txBody>
+          <a:bodyPr rtlCol="0" anchor="ctr"/>
+          <a:lstStyle/>
+          <a:p>
+            <a:pPr algn="ctr"/>
+            <a:endParaRPr lang="en-US"/>
+          </a:p>
+        </p:txBody>
+      </p:sp>
+      <p:sp>
+        <p:nvSpPr>
+          <p:cNvPr id="74" name="テキスト ボックス 73">
+            <a:extLst>
+              <a:ext uri="{FF2B5EF4-FFF2-40B4-BE49-F238E27FC236}">
+                <a16:creationId xmlns:a16="http://schemas.microsoft.com/office/drawing/2014/main" id="{79209068-AE12-45AE-B587-4FD83D2BC5ED}"/>
               </a:ext>
             </a:extLst>
           </p:cNvPr>
@@ -5363,8 +5660,8 @@
         </p:nvSpPr>
         <p:spPr>
           <a:xfrm>
-            <a:off x="6510207" y="1898532"/>
-            <a:ext cx="735731" cy="307777"/>
+            <a:off x="8276369" y="3320153"/>
+            <a:ext cx="842236" cy="307777"/>
           </a:xfrm>
           <a:prstGeom prst="rect">
             <a:avLst/>
@@ -5383,17 +5680,17 @@
                   <a:schemeClr val="bg1"/>
                 </a:solidFill>
               </a:rPr>
-              <a:t>Intent</a:t>
-            </a:r>
-          </a:p>
-        </p:txBody>
-      </p:sp>
-      <p:sp>
-        <p:nvSpPr>
-          <p:cNvPr id="49" name="テキスト ボックス 48">
-            <a:extLst>
-              <a:ext uri="{FF2B5EF4-FFF2-40B4-BE49-F238E27FC236}">
-                <a16:creationId xmlns:a16="http://schemas.microsoft.com/office/drawing/2014/main" id="{2E68AEDF-E095-46C7-BA8F-BC18836BA30B}"/>
+              <a:t>Handler</a:t>
+            </a:r>
+          </a:p>
+        </p:txBody>
+      </p:sp>
+      <p:sp>
+        <p:nvSpPr>
+          <p:cNvPr id="75" name="テキスト ボックス 74">
+            <a:extLst>
+              <a:ext uri="{FF2B5EF4-FFF2-40B4-BE49-F238E27FC236}">
+                <a16:creationId xmlns:a16="http://schemas.microsoft.com/office/drawing/2014/main" id="{EA46161F-C8DD-48FB-8C76-2880265F372B}"/>
               </a:ext>
             </a:extLst>
           </p:cNvPr>
@@ -5402,8 +5699,8 @@
         </p:nvSpPr>
         <p:spPr>
           <a:xfrm>
-            <a:off x="8149666" y="1893917"/>
-            <a:ext cx="735731" cy="307777"/>
+            <a:off x="8131521" y="2670089"/>
+            <a:ext cx="1719068" cy="261610"/>
           </a:xfrm>
           <a:prstGeom prst="rect">
             <a:avLst/>
@@ -5417,16 +5714,210 @@
           <a:lstStyle/>
           <a:p>
             <a:r>
-              <a:rPr lang="en-US" sz="1400" dirty="0">
+              <a:rPr lang="en-US" sz="1050" dirty="0" err="1">
                 <a:solidFill>
                   <a:schemeClr val="bg1"/>
                 </a:solidFill>
               </a:rPr>
-              <a:t>Intent</a:t>
-            </a:r>
-          </a:p>
-        </p:txBody>
-      </p:sp>
+              <a:t>onProcessedData</a:t>
+            </a:r>
+            <a:endParaRPr lang="en-US" sz="1050" dirty="0">
+              <a:solidFill>
+                <a:schemeClr val="bg1"/>
+              </a:solidFill>
+            </a:endParaRPr>
+          </a:p>
+        </p:txBody>
+      </p:sp>
+      <p:sp>
+        <p:nvSpPr>
+          <p:cNvPr id="76" name="テキスト ボックス 75">
+            <a:extLst>
+              <a:ext uri="{FF2B5EF4-FFF2-40B4-BE49-F238E27FC236}">
+                <a16:creationId xmlns:a16="http://schemas.microsoft.com/office/drawing/2014/main" id="{F49D5AEB-B758-4C33-81C4-9344A9B6687A}"/>
+              </a:ext>
+            </a:extLst>
+          </p:cNvPr>
+          <p:cNvSpPr txBox="1"/>
+          <p:nvPr/>
+        </p:nvSpPr>
+        <p:spPr>
+          <a:xfrm>
+            <a:off x="7277155" y="2674705"/>
+            <a:ext cx="1719068" cy="261610"/>
+          </a:xfrm>
+          <a:prstGeom prst="rect">
+            <a:avLst/>
+          </a:prstGeom>
+          <a:noFill/>
+        </p:spPr>
+        <p:txBody>
+          <a:bodyPr wrap="square" rtlCol="0">
+            <a:spAutoFit/>
+          </a:bodyPr>
+          <a:lstStyle/>
+          <a:p>
+            <a:r>
+              <a:rPr lang="en-US" sz="1050" dirty="0" err="1">
+                <a:solidFill>
+                  <a:schemeClr val="bg1"/>
+                </a:solidFill>
+              </a:rPr>
+              <a:t>onSensorData</a:t>
+            </a:r>
+            <a:endParaRPr lang="en-US" sz="1050" dirty="0">
+              <a:solidFill>
+                <a:schemeClr val="bg1"/>
+              </a:solidFill>
+            </a:endParaRPr>
+          </a:p>
+        </p:txBody>
+      </p:sp>
+      <p:sp>
+        <p:nvSpPr>
+          <p:cNvPr id="77" name="テキスト ボックス 76">
+            <a:extLst>
+              <a:ext uri="{FF2B5EF4-FFF2-40B4-BE49-F238E27FC236}">
+                <a16:creationId xmlns:a16="http://schemas.microsoft.com/office/drawing/2014/main" id="{BF54A362-6174-42FB-98F9-7852E6792885}"/>
+              </a:ext>
+            </a:extLst>
+          </p:cNvPr>
+          <p:cNvSpPr txBox="1"/>
+          <p:nvPr/>
+        </p:nvSpPr>
+        <p:spPr>
+          <a:xfrm>
+            <a:off x="7044453" y="1602264"/>
+            <a:ext cx="2433551" cy="369332"/>
+          </a:xfrm>
+          <a:prstGeom prst="rect">
+            <a:avLst/>
+          </a:prstGeom>
+          <a:noFill/>
+        </p:spPr>
+        <p:txBody>
+          <a:bodyPr wrap="none" rtlCol="0">
+            <a:spAutoFit/>
+          </a:bodyPr>
+          <a:lstStyle/>
+          <a:p>
+            <a:r>
+              <a:rPr lang="en-US" dirty="0">
+                <a:solidFill>
+                  <a:schemeClr val="bg1"/>
+                </a:solidFill>
+              </a:rPr>
+              <a:t>Sensor Network Activity</a:t>
+            </a:r>
+          </a:p>
+        </p:txBody>
+      </p:sp>
+      <p:sp>
+        <p:nvSpPr>
+          <p:cNvPr id="98" name="四角形: 角を丸くする 97">
+            <a:extLst>
+              <a:ext uri="{FF2B5EF4-FFF2-40B4-BE49-F238E27FC236}">
+                <a16:creationId xmlns:a16="http://schemas.microsoft.com/office/drawing/2014/main" id="{D2AF2122-C821-4403-80A5-7B4825873A83}"/>
+              </a:ext>
+            </a:extLst>
+          </p:cNvPr>
+          <p:cNvSpPr/>
+          <p:nvPr/>
+        </p:nvSpPr>
+        <p:spPr>
+          <a:xfrm>
+            <a:off x="3868620" y="4417274"/>
+            <a:ext cx="1071419" cy="683491"/>
+          </a:xfrm>
+          <a:prstGeom prst="roundRect">
+            <a:avLst/>
+          </a:prstGeom>
+          <a:solidFill>
+            <a:schemeClr val="tx2">
+              <a:lumMod val="60000"/>
+              <a:lumOff val="40000"/>
+            </a:schemeClr>
+          </a:solidFill>
+        </p:spPr>
+        <p:style>
+          <a:lnRef idx="2">
+            <a:schemeClr val="accent1">
+              <a:shade val="50000"/>
+            </a:schemeClr>
+          </a:lnRef>
+          <a:fillRef idx="1">
+            <a:schemeClr val="accent1"/>
+          </a:fillRef>
+          <a:effectRef idx="0">
+            <a:schemeClr val="accent1"/>
+          </a:effectRef>
+          <a:fontRef idx="minor">
+            <a:schemeClr val="lt1"/>
+          </a:fontRef>
+        </p:style>
+        <p:txBody>
+          <a:bodyPr rtlCol="0" anchor="ctr"/>
+          <a:lstStyle/>
+          <a:p>
+            <a:pPr algn="ctr"/>
+            <a:r>
+              <a:rPr lang="en-US" sz="1050" dirty="0"/>
+              <a:t>FTDI chip</a:t>
+            </a:r>
+          </a:p>
+          <a:p>
+            <a:pPr algn="ctr"/>
+            <a:r>
+              <a:rPr lang="en-US" sz="1050" dirty="0"/>
+              <a:t>(UART/USB converter)</a:t>
+            </a:r>
+          </a:p>
+        </p:txBody>
+      </p:sp>
+      <p:cxnSp>
+        <p:nvCxnSpPr>
+          <p:cNvPr id="117" name="直線矢印コネクタ 116">
+            <a:extLst>
+              <a:ext uri="{FF2B5EF4-FFF2-40B4-BE49-F238E27FC236}">
+                <a16:creationId xmlns:a16="http://schemas.microsoft.com/office/drawing/2014/main" id="{9A9EC92F-502B-419E-9150-7CBB6122B5A6}"/>
+              </a:ext>
+            </a:extLst>
+          </p:cNvPr>
+          <p:cNvCxnSpPr>
+            <a:cxnSpLocks/>
+            <a:stCxn id="98" idx="3"/>
+            <a:endCxn id="53" idx="1"/>
+          </p:cNvCxnSpPr>
+          <p:nvPr/>
+        </p:nvCxnSpPr>
+        <p:spPr>
+          <a:xfrm>
+            <a:off x="4940039" y="4759020"/>
+            <a:ext cx="1091312" cy="2"/>
+          </a:xfrm>
+          <a:prstGeom prst="straightConnector1">
+            <a:avLst/>
+          </a:prstGeom>
+          <a:ln w="76200">
+            <a:headEnd type="triangle" w="med" len="med"/>
+            <a:tailEnd type="triangle" w="med" len="med"/>
+          </a:ln>
+        </p:spPr>
+        <p:style>
+          <a:lnRef idx="1">
+            <a:schemeClr val="accent1"/>
+          </a:lnRef>
+          <a:fillRef idx="0">
+            <a:schemeClr val="accent1"/>
+          </a:fillRef>
+          <a:effectRef idx="0">
+            <a:schemeClr val="accent1"/>
+          </a:effectRef>
+          <a:fontRef idx="minor">
+            <a:schemeClr val="tx1"/>
+          </a:fontRef>
+        </p:style>
+      </p:cxnSp>
     </p:spTree>
     <p:extLst>
       <p:ext uri="{BB962C8B-B14F-4D97-AF65-F5344CB8AC3E}">

--- a/doc/architecture.pptx
+++ b/doc/architecture.pptx
@@ -3818,7 +3818,7 @@
         </p:nvSpPr>
         <p:spPr>
           <a:xfrm>
-            <a:off x="114723" y="5865067"/>
+            <a:off x="114723" y="6049789"/>
             <a:ext cx="1071419" cy="683491"/>
           </a:xfrm>
           <a:prstGeom prst="roundRect">
@@ -3880,7 +3880,7 @@
         </p:nvSpPr>
         <p:spPr>
           <a:xfrm>
-            <a:off x="1371603" y="5865067"/>
+            <a:off x="1371603" y="6049789"/>
             <a:ext cx="1071419" cy="683491"/>
           </a:xfrm>
           <a:prstGeom prst="roundRect">
@@ -3942,7 +3942,7 @@
         </p:nvSpPr>
         <p:spPr>
           <a:xfrm>
-            <a:off x="2604661" y="5865067"/>
+            <a:off x="2604661" y="6049789"/>
             <a:ext cx="1071419" cy="683491"/>
           </a:xfrm>
           <a:prstGeom prst="roundRect">
@@ -4004,7 +4004,7 @@
         </p:nvSpPr>
         <p:spPr>
           <a:xfrm>
-            <a:off x="2793149" y="4417275"/>
+            <a:off x="2793149" y="4601997"/>
             <a:ext cx="1071419" cy="683491"/>
           </a:xfrm>
           <a:prstGeom prst="roundRect">
@@ -4066,8 +4066,8 @@
         </p:nvSpPr>
         <p:spPr>
           <a:xfrm>
-            <a:off x="5838817" y="4196064"/>
-            <a:ext cx="3633067" cy="2103133"/>
+            <a:off x="5838817" y="4380786"/>
+            <a:ext cx="4007130" cy="2103133"/>
           </a:xfrm>
           <a:prstGeom prst="roundRect">
             <a:avLst/>
@@ -4118,7 +4118,7 @@
         </p:nvCxnSpPr>
         <p:spPr>
           <a:xfrm rot="5400000" flipH="1" flipV="1">
-            <a:off x="1168768" y="4240686"/>
+            <a:off x="1168768" y="4425408"/>
             <a:ext cx="1106046" cy="2142716"/>
           </a:xfrm>
           <a:prstGeom prst="bentConnector2">
@@ -4161,7 +4161,7 @@
         </p:nvCxnSpPr>
         <p:spPr>
           <a:xfrm rot="5400000" flipH="1" flipV="1">
-            <a:off x="1797208" y="4869126"/>
+            <a:off x="1797208" y="5053848"/>
             <a:ext cx="1106046" cy="885836"/>
           </a:xfrm>
           <a:prstGeom prst="bentConnector2">
@@ -4204,7 +4204,7 @@
         </p:nvCxnSpPr>
         <p:spPr>
           <a:xfrm rot="5400000">
-            <a:off x="2852465" y="5388672"/>
+            <a:off x="2852465" y="5573394"/>
             <a:ext cx="764301" cy="188488"/>
           </a:xfrm>
           <a:prstGeom prst="bentConnector3">
@@ -4245,7 +4245,7 @@
         </p:nvSpPr>
         <p:spPr>
           <a:xfrm>
-            <a:off x="8261930" y="4421891"/>
+            <a:off x="8603673" y="4606613"/>
             <a:ext cx="1071419" cy="683491"/>
           </a:xfrm>
           <a:prstGeom prst="roundRect">
@@ -4301,12 +4301,12 @@
         </p:nvCxnSpPr>
         <p:spPr>
           <a:xfrm rot="5400000" flipH="1">
-            <a:off x="7680043" y="3987786"/>
-            <a:ext cx="4615" cy="2230579"/>
+            <a:off x="8044879" y="4195601"/>
+            <a:ext cx="4615" cy="2184392"/>
           </a:xfrm>
           <a:prstGeom prst="bentConnector3">
             <a:avLst>
-              <a:gd name="adj1" fmla="val -10357140"/>
+              <a:gd name="adj1" fmla="val -11758093"/>
             </a:avLst>
           </a:prstGeom>
           <a:ln w="76200">
@@ -4342,7 +4342,7 @@
         </p:nvSpPr>
         <p:spPr>
           <a:xfrm>
-            <a:off x="10759668" y="2640708"/>
+            <a:off x="10759668" y="2825430"/>
             <a:ext cx="1071419" cy="1315029"/>
           </a:xfrm>
           <a:prstGeom prst="flowChartMagneticDisk">
@@ -4612,7 +4612,7 @@
         </p:nvSpPr>
         <p:spPr>
           <a:xfrm>
-            <a:off x="6031351" y="4417276"/>
+            <a:off x="6419281" y="4601998"/>
             <a:ext cx="1071419" cy="683491"/>
           </a:xfrm>
           <a:prstGeom prst="roundRect">
@@ -4682,8 +4682,8 @@
         </p:nvCxnSpPr>
         <p:spPr>
           <a:xfrm>
-            <a:off x="7102770" y="4759022"/>
-            <a:ext cx="1159160" cy="4615"/>
+            <a:off x="7490700" y="4943744"/>
+            <a:ext cx="1112973" cy="4615"/>
           </a:xfrm>
           <a:prstGeom prst="straightConnector1">
             <a:avLst/>
@@ -4725,12 +4725,12 @@
         </p:nvCxnSpPr>
         <p:spPr>
           <a:xfrm flipV="1">
-            <a:off x="9333349" y="3298223"/>
-            <a:ext cx="1426319" cy="1465414"/>
+            <a:off x="9675092" y="3482945"/>
+            <a:ext cx="1084576" cy="1465414"/>
           </a:xfrm>
           <a:prstGeom prst="bentConnector3">
             <a:avLst>
-              <a:gd name="adj1" fmla="val 63599"/>
+              <a:gd name="adj1" fmla="val 50000"/>
             </a:avLst>
           </a:prstGeom>
           <a:ln w="76200">
@@ -4766,7 +4766,7 @@
         </p:nvSpPr>
         <p:spPr>
           <a:xfrm>
-            <a:off x="5306036" y="1989488"/>
+            <a:off x="5306036" y="1915599"/>
             <a:ext cx="1063043" cy="683491"/>
           </a:xfrm>
           <a:prstGeom prst="roundRect">
@@ -4825,7 +4825,7 @@
         </p:nvSpPr>
         <p:spPr>
           <a:xfrm>
-            <a:off x="6526537" y="5809511"/>
+            <a:off x="6526537" y="5994233"/>
             <a:ext cx="2408416" cy="369332"/>
           </a:xfrm>
           <a:prstGeom prst="rect">
@@ -4864,7 +4864,7 @@
         </p:nvSpPr>
         <p:spPr>
           <a:xfrm>
-            <a:off x="5295620" y="4993170"/>
+            <a:off x="5593359" y="5044731"/>
             <a:ext cx="1071419" cy="683491"/>
           </a:xfrm>
           <a:prstGeom prst="roundRect">
@@ -4933,7 +4933,7 @@
         </p:nvSpPr>
         <p:spPr>
           <a:xfrm>
-            <a:off x="6616423" y="3140823"/>
+            <a:off x="6625659" y="3113111"/>
             <a:ext cx="735731" cy="523220"/>
           </a:xfrm>
           <a:prstGeom prst="rect">
@@ -4972,7 +4972,7 @@
         </p:nvSpPr>
         <p:spPr>
           <a:xfrm>
-            <a:off x="6362427" y="2037072"/>
+            <a:off x="6408607" y="1963183"/>
             <a:ext cx="735731" cy="307777"/>
           </a:xfrm>
           <a:prstGeom prst="rect">
@@ -4999,10 +4999,10 @@
       </p:sp>
       <p:sp>
         <p:nvSpPr>
-          <p:cNvPr id="42" name="四角形: 角を丸くする 41">
-            <a:extLst>
-              <a:ext uri="{FF2B5EF4-FFF2-40B4-BE49-F238E27FC236}">
-                <a16:creationId xmlns:a16="http://schemas.microsoft.com/office/drawing/2014/main" id="{C7C97CD6-1A84-44EE-A06A-461D6C307246}"/>
+          <p:cNvPr id="61" name="四角形: 角を丸くする 60">
+            <a:extLst>
+              <a:ext uri="{FF2B5EF4-FFF2-40B4-BE49-F238E27FC236}">
+                <a16:creationId xmlns:a16="http://schemas.microsoft.com/office/drawing/2014/main" id="{69B8B5D2-C3EB-4FB3-B85E-59F414099BA2}"/>
               </a:ext>
             </a:extLst>
           </p:cNvPr>
@@ -5011,17 +5011,14 @@
         </p:nvSpPr>
         <p:spPr>
           <a:xfrm>
-            <a:off x="6932407" y="1626622"/>
-            <a:ext cx="2694874" cy="1272724"/>
+            <a:off x="8659081" y="1911664"/>
+            <a:ext cx="1071419" cy="683491"/>
           </a:xfrm>
           <a:prstGeom prst="roundRect">
             <a:avLst/>
           </a:prstGeom>
           <a:solidFill>
-            <a:schemeClr val="accent1">
-              <a:lumMod val="60000"/>
-              <a:lumOff val="40000"/>
-            </a:schemeClr>
+            <a:srgbClr val="7030A0"/>
           </a:solidFill>
         </p:spPr>
         <p:style>
@@ -5045,16 +5042,26 @@
           <a:lstStyle/>
           <a:p>
             <a:pPr algn="ctr"/>
-            <a:endParaRPr lang="en-US" sz="1600" dirty="0"/>
-          </a:p>
-        </p:txBody>
-      </p:sp>
-      <p:sp>
-        <p:nvSpPr>
-          <p:cNvPr id="61" name="四角形: 角を丸くする 60">
-            <a:extLst>
-              <a:ext uri="{FF2B5EF4-FFF2-40B4-BE49-F238E27FC236}">
-                <a16:creationId xmlns:a16="http://schemas.microsoft.com/office/drawing/2014/main" id="{69B8B5D2-C3EB-4FB3-B85E-59F414099BA2}"/>
+            <a:r>
+              <a:rPr lang="en-US" sz="1600" dirty="0"/>
+              <a:t>Cycling</a:t>
+            </a:r>
+          </a:p>
+          <a:p>
+            <a:pPr algn="ctr"/>
+            <a:r>
+              <a:rPr lang="en-US" sz="1600" dirty="0"/>
+              <a:t>Activity</a:t>
+            </a:r>
+          </a:p>
+        </p:txBody>
+      </p:sp>
+      <p:sp>
+        <p:nvSpPr>
+          <p:cNvPr id="60" name="四角形: 角を丸くする 59">
+            <a:extLst>
+              <a:ext uri="{FF2B5EF4-FFF2-40B4-BE49-F238E27FC236}">
+                <a16:creationId xmlns:a16="http://schemas.microsoft.com/office/drawing/2014/main" id="{1BB8BFB3-5E97-4FA2-83CA-E8B07FF818A1}"/>
               </a:ext>
             </a:extLst>
           </p:cNvPr>
@@ -5063,8 +5070,8 @@
         </p:nvSpPr>
         <p:spPr>
           <a:xfrm>
-            <a:off x="8372757" y="1985553"/>
-            <a:ext cx="1071419" cy="683491"/>
+            <a:off x="7000906" y="1910978"/>
+            <a:ext cx="1063043" cy="683491"/>
           </a:xfrm>
           <a:prstGeom prst="roundRect">
             <a:avLst/>
@@ -5096,73 +5103,14 @@
             <a:pPr algn="ctr"/>
             <a:r>
               <a:rPr lang="en-US" sz="1600" dirty="0"/>
-              <a:t>Cycling</a:t>
+              <a:t>CLI</a:t>
             </a:r>
           </a:p>
           <a:p>
             <a:pPr algn="ctr"/>
             <a:r>
               <a:rPr lang="en-US" sz="1600" dirty="0"/>
-              <a:t>Fragment</a:t>
-            </a:r>
-          </a:p>
-        </p:txBody>
-      </p:sp>
-      <p:sp>
-        <p:nvSpPr>
-          <p:cNvPr id="60" name="四角形: 角を丸くする 59">
-            <a:extLst>
-              <a:ext uri="{FF2B5EF4-FFF2-40B4-BE49-F238E27FC236}">
-                <a16:creationId xmlns:a16="http://schemas.microsoft.com/office/drawing/2014/main" id="{1BB8BFB3-5E97-4FA2-83CA-E8B07FF818A1}"/>
-              </a:ext>
-            </a:extLst>
-          </p:cNvPr>
-          <p:cNvSpPr/>
-          <p:nvPr/>
-        </p:nvSpPr>
-        <p:spPr>
-          <a:xfrm>
-            <a:off x="7084030" y="1984867"/>
-            <a:ext cx="1063043" cy="683491"/>
-          </a:xfrm>
-          <a:prstGeom prst="roundRect">
-            <a:avLst/>
-          </a:prstGeom>
-          <a:solidFill>
-            <a:srgbClr val="7030A0"/>
-          </a:solidFill>
-        </p:spPr>
-        <p:style>
-          <a:lnRef idx="2">
-            <a:schemeClr val="accent1">
-              <a:shade val="50000"/>
-            </a:schemeClr>
-          </a:lnRef>
-          <a:fillRef idx="1">
-            <a:schemeClr val="accent1"/>
-          </a:fillRef>
-          <a:effectRef idx="0">
-            <a:schemeClr val="accent1"/>
-          </a:effectRef>
-          <a:fontRef idx="minor">
-            <a:schemeClr val="lt1"/>
-          </a:fontRef>
-        </p:style>
-        <p:txBody>
-          <a:bodyPr rtlCol="0" anchor="ctr"/>
-          <a:lstStyle/>
-          <a:p>
-            <a:pPr algn="ctr"/>
-            <a:r>
-              <a:rPr lang="en-US" sz="1600" dirty="0"/>
-              <a:t>CLI</a:t>
-            </a:r>
-          </a:p>
-          <a:p>
-            <a:pPr algn="ctr"/>
-            <a:r>
-              <a:rPr lang="en-US" sz="1600" dirty="0"/>
-              <a:t>Fragment</a:t>
+              <a:t>Activity</a:t>
             </a:r>
           </a:p>
         </p:txBody>
@@ -5185,8 +5133,8 @@
         </p:nvCxnSpPr>
         <p:spPr>
           <a:xfrm flipH="1">
-            <a:off x="6369079" y="2326613"/>
-            <a:ext cx="714951" cy="4621"/>
+            <a:off x="6369079" y="2252724"/>
+            <a:ext cx="631827" cy="4621"/>
           </a:xfrm>
           <a:prstGeom prst="straightConnector1">
             <a:avLst/>
@@ -5228,8 +5176,8 @@
         </p:nvCxnSpPr>
         <p:spPr>
           <a:xfrm>
-            <a:off x="8147073" y="2326613"/>
-            <a:ext cx="225684" cy="686"/>
+            <a:off x="8063949" y="2252724"/>
+            <a:ext cx="595132" cy="686"/>
           </a:xfrm>
           <a:prstGeom prst="straightConnector1">
             <a:avLst/>
@@ -5269,8 +5217,8 @@
         </p:nvCxnSpPr>
         <p:spPr>
           <a:xfrm>
-            <a:off x="7296727" y="2668358"/>
-            <a:ext cx="0" cy="1527706"/>
+            <a:off x="7296727" y="2594468"/>
+            <a:ext cx="0" cy="1786318"/>
           </a:xfrm>
           <a:prstGeom prst="straightConnector1">
             <a:avLst/>
@@ -5294,364 +5242,12 @@
           </a:fontRef>
         </p:style>
       </p:cxnSp>
-      <p:cxnSp>
-        <p:nvCxnSpPr>
-          <p:cNvPr id="41" name="直線コネクタ 40">
-            <a:extLst>
-              <a:ext uri="{FF2B5EF4-FFF2-40B4-BE49-F238E27FC236}">
-                <a16:creationId xmlns:a16="http://schemas.microsoft.com/office/drawing/2014/main" id="{A25DFB1E-21C9-457D-8619-CF23A176BDA2}"/>
-              </a:ext>
-            </a:extLst>
-          </p:cNvPr>
-          <p:cNvCxnSpPr>
-            <a:cxnSpLocks/>
-          </p:cNvCxnSpPr>
-          <p:nvPr/>
-        </p:nvCxnSpPr>
-        <p:spPr>
-          <a:xfrm>
-            <a:off x="7980219" y="3131125"/>
-            <a:ext cx="0" cy="881333"/>
-          </a:xfrm>
-          <a:prstGeom prst="line">
-            <a:avLst/>
-          </a:prstGeom>
-        </p:spPr>
-        <p:style>
-          <a:lnRef idx="1">
-            <a:schemeClr val="accent1"/>
-          </a:lnRef>
-          <a:fillRef idx="0">
-            <a:schemeClr val="accent1"/>
-          </a:fillRef>
-          <a:effectRef idx="0">
-            <a:schemeClr val="accent1"/>
-          </a:effectRef>
-          <a:fontRef idx="minor">
-            <a:schemeClr val="tx1"/>
-          </a:fontRef>
-        </p:style>
-      </p:cxnSp>
-      <p:sp>
-        <p:nvSpPr>
-          <p:cNvPr id="43" name="楕円 42">
-            <a:extLst>
-              <a:ext uri="{FF2B5EF4-FFF2-40B4-BE49-F238E27FC236}">
-                <a16:creationId xmlns:a16="http://schemas.microsoft.com/office/drawing/2014/main" id="{A0A37D28-DF6C-4C67-8252-418C13BB3A53}"/>
-              </a:ext>
-            </a:extLst>
-          </p:cNvPr>
-          <p:cNvSpPr/>
-          <p:nvPr/>
-        </p:nvSpPr>
-        <p:spPr>
-          <a:xfrm>
-            <a:off x="7977032" y="3171529"/>
-            <a:ext cx="282883" cy="250602"/>
-          </a:xfrm>
-          <a:prstGeom prst="ellipse">
-            <a:avLst/>
-          </a:prstGeom>
-        </p:spPr>
-        <p:style>
-          <a:lnRef idx="2">
-            <a:schemeClr val="accent1">
-              <a:shade val="50000"/>
-            </a:schemeClr>
-          </a:lnRef>
-          <a:fillRef idx="1">
-            <a:schemeClr val="accent1"/>
-          </a:fillRef>
-          <a:effectRef idx="0">
-            <a:schemeClr val="accent1"/>
-          </a:effectRef>
-          <a:fontRef idx="minor">
-            <a:schemeClr val="lt1"/>
-          </a:fontRef>
-        </p:style>
-        <p:txBody>
-          <a:bodyPr rtlCol="0" anchor="ctr"/>
-          <a:lstStyle/>
-          <a:p>
-            <a:pPr algn="ctr"/>
-            <a:endParaRPr lang="en-US"/>
-          </a:p>
-        </p:txBody>
-      </p:sp>
-      <p:sp>
-        <p:nvSpPr>
-          <p:cNvPr id="67" name="楕円 66">
-            <a:extLst>
-              <a:ext uri="{FF2B5EF4-FFF2-40B4-BE49-F238E27FC236}">
-                <a16:creationId xmlns:a16="http://schemas.microsoft.com/office/drawing/2014/main" id="{82E127A8-D3F5-4AA2-AC54-F3E4040CE103}"/>
-              </a:ext>
-            </a:extLst>
-          </p:cNvPr>
-          <p:cNvSpPr/>
-          <p:nvPr/>
-        </p:nvSpPr>
-        <p:spPr>
-          <a:xfrm>
-            <a:off x="7981651" y="3434761"/>
-            <a:ext cx="282883" cy="250602"/>
-          </a:xfrm>
-          <a:prstGeom prst="ellipse">
-            <a:avLst/>
-          </a:prstGeom>
-        </p:spPr>
-        <p:style>
-          <a:lnRef idx="2">
-            <a:schemeClr val="accent1">
-              <a:shade val="50000"/>
-            </a:schemeClr>
-          </a:lnRef>
-          <a:fillRef idx="1">
-            <a:schemeClr val="accent1"/>
-          </a:fillRef>
-          <a:effectRef idx="0">
-            <a:schemeClr val="accent1"/>
-          </a:effectRef>
-          <a:fontRef idx="minor">
-            <a:schemeClr val="lt1"/>
-          </a:fontRef>
-        </p:style>
-        <p:txBody>
-          <a:bodyPr rtlCol="0" anchor="ctr"/>
-          <a:lstStyle/>
-          <a:p>
-            <a:pPr algn="ctr"/>
-            <a:endParaRPr lang="en-US"/>
-          </a:p>
-        </p:txBody>
-      </p:sp>
-      <p:sp>
-        <p:nvSpPr>
-          <p:cNvPr id="68" name="楕円 67">
-            <a:extLst>
-              <a:ext uri="{FF2B5EF4-FFF2-40B4-BE49-F238E27FC236}">
-                <a16:creationId xmlns:a16="http://schemas.microsoft.com/office/drawing/2014/main" id="{FD96EFF3-15B7-444E-978B-08DBD1915A92}"/>
-              </a:ext>
-            </a:extLst>
-          </p:cNvPr>
-          <p:cNvSpPr/>
-          <p:nvPr/>
-        </p:nvSpPr>
-        <p:spPr>
-          <a:xfrm>
-            <a:off x="7977033" y="3697993"/>
-            <a:ext cx="282883" cy="250602"/>
-          </a:xfrm>
-          <a:prstGeom prst="ellipse">
-            <a:avLst/>
-          </a:prstGeom>
-        </p:spPr>
-        <p:style>
-          <a:lnRef idx="2">
-            <a:schemeClr val="accent1">
-              <a:shade val="50000"/>
-            </a:schemeClr>
-          </a:lnRef>
-          <a:fillRef idx="1">
-            <a:schemeClr val="accent1"/>
-          </a:fillRef>
-          <a:effectRef idx="0">
-            <a:schemeClr val="accent1"/>
-          </a:effectRef>
-          <a:fontRef idx="minor">
-            <a:schemeClr val="lt1"/>
-          </a:fontRef>
-        </p:style>
-        <p:txBody>
-          <a:bodyPr rtlCol="0" anchor="ctr"/>
-          <a:lstStyle/>
-          <a:p>
-            <a:pPr algn="ctr"/>
-            <a:endParaRPr lang="en-US"/>
-          </a:p>
-        </p:txBody>
-      </p:sp>
-      <p:cxnSp>
-        <p:nvCxnSpPr>
-          <p:cNvPr id="71" name="直線コネクタ 70">
-            <a:extLst>
-              <a:ext uri="{FF2B5EF4-FFF2-40B4-BE49-F238E27FC236}">
-                <a16:creationId xmlns:a16="http://schemas.microsoft.com/office/drawing/2014/main" id="{44F5889C-D800-4691-9B55-6B3C2DEAF509}"/>
-              </a:ext>
-            </a:extLst>
-          </p:cNvPr>
-          <p:cNvCxnSpPr>
-            <a:cxnSpLocks/>
-          </p:cNvCxnSpPr>
-          <p:nvPr/>
-        </p:nvCxnSpPr>
-        <p:spPr>
-          <a:xfrm>
-            <a:off x="8261927" y="3126510"/>
-            <a:ext cx="0" cy="881333"/>
-          </a:xfrm>
-          <a:prstGeom prst="line">
-            <a:avLst/>
-          </a:prstGeom>
-        </p:spPr>
-        <p:style>
-          <a:lnRef idx="1">
-            <a:schemeClr val="accent1"/>
-          </a:lnRef>
-          <a:fillRef idx="0">
-            <a:schemeClr val="accent1"/>
-          </a:fillRef>
-          <a:effectRef idx="0">
-            <a:schemeClr val="accent1"/>
-          </a:effectRef>
-          <a:fontRef idx="minor">
-            <a:schemeClr val="tx1"/>
-          </a:fontRef>
-        </p:style>
-      </p:cxnSp>
-      <p:sp>
-        <p:nvSpPr>
-          <p:cNvPr id="51" name="矢印: 右 50">
-            <a:extLst>
-              <a:ext uri="{FF2B5EF4-FFF2-40B4-BE49-F238E27FC236}">
-                <a16:creationId xmlns:a16="http://schemas.microsoft.com/office/drawing/2014/main" id="{7876AB62-2F2F-4E9B-A4E0-2B3122EF8E87}"/>
-              </a:ext>
-            </a:extLst>
-          </p:cNvPr>
-          <p:cNvSpPr/>
-          <p:nvPr/>
-        </p:nvSpPr>
-        <p:spPr>
-          <a:xfrm rot="16200000">
-            <a:off x="7890757" y="2898451"/>
-            <a:ext cx="192824" cy="219871"/>
-          </a:xfrm>
-          <a:prstGeom prst="rightArrow">
-            <a:avLst/>
-          </a:prstGeom>
-        </p:spPr>
-        <p:style>
-          <a:lnRef idx="2">
-            <a:schemeClr val="accent1">
-              <a:shade val="50000"/>
-            </a:schemeClr>
-          </a:lnRef>
-          <a:fillRef idx="1">
-            <a:schemeClr val="accent1"/>
-          </a:fillRef>
-          <a:effectRef idx="0">
-            <a:schemeClr val="accent1"/>
-          </a:effectRef>
-          <a:fontRef idx="minor">
-            <a:schemeClr val="lt1"/>
-          </a:fontRef>
-        </p:style>
-        <p:txBody>
-          <a:bodyPr rtlCol="0" anchor="ctr"/>
-          <a:lstStyle/>
-          <a:p>
-            <a:pPr algn="ctr"/>
-            <a:endParaRPr lang="en-US"/>
-          </a:p>
-        </p:txBody>
-      </p:sp>
-      <p:sp>
-        <p:nvSpPr>
-          <p:cNvPr id="72" name="矢印: 右 71">
-            <a:extLst>
-              <a:ext uri="{FF2B5EF4-FFF2-40B4-BE49-F238E27FC236}">
-                <a16:creationId xmlns:a16="http://schemas.microsoft.com/office/drawing/2014/main" id="{CFD5ED7A-39F0-4566-9B71-E17C5EC993A6}"/>
-              </a:ext>
-            </a:extLst>
-          </p:cNvPr>
-          <p:cNvSpPr/>
-          <p:nvPr/>
-        </p:nvSpPr>
-        <p:spPr>
-          <a:xfrm rot="16200000">
-            <a:off x="8153989" y="2893835"/>
-            <a:ext cx="192824" cy="219871"/>
-          </a:xfrm>
-          <a:prstGeom prst="rightArrow">
-            <a:avLst/>
-          </a:prstGeom>
-        </p:spPr>
-        <p:style>
-          <a:lnRef idx="2">
-            <a:schemeClr val="accent1">
-              <a:shade val="50000"/>
-            </a:schemeClr>
-          </a:lnRef>
-          <a:fillRef idx="1">
-            <a:schemeClr val="accent1"/>
-          </a:fillRef>
-          <a:effectRef idx="0">
-            <a:schemeClr val="accent1"/>
-          </a:effectRef>
-          <a:fontRef idx="minor">
-            <a:schemeClr val="lt1"/>
-          </a:fontRef>
-        </p:style>
-        <p:txBody>
-          <a:bodyPr rtlCol="0" anchor="ctr"/>
-          <a:lstStyle/>
-          <a:p>
-            <a:pPr algn="ctr"/>
-            <a:endParaRPr lang="en-US"/>
-          </a:p>
-        </p:txBody>
-      </p:sp>
-      <p:sp>
-        <p:nvSpPr>
-          <p:cNvPr id="73" name="矢印: 右 72">
-            <a:extLst>
-              <a:ext uri="{FF2B5EF4-FFF2-40B4-BE49-F238E27FC236}">
-                <a16:creationId xmlns:a16="http://schemas.microsoft.com/office/drawing/2014/main" id="{E7EAE134-317E-4FD0-8514-75836E8D4F18}"/>
-              </a:ext>
-            </a:extLst>
-          </p:cNvPr>
-          <p:cNvSpPr/>
-          <p:nvPr/>
-        </p:nvSpPr>
-        <p:spPr>
-          <a:xfrm rot="16200000">
-            <a:off x="8020063" y="3979109"/>
-            <a:ext cx="192824" cy="219871"/>
-          </a:xfrm>
-          <a:prstGeom prst="rightArrow">
-            <a:avLst/>
-          </a:prstGeom>
-        </p:spPr>
-        <p:style>
-          <a:lnRef idx="2">
-            <a:schemeClr val="accent1">
-              <a:shade val="50000"/>
-            </a:schemeClr>
-          </a:lnRef>
-          <a:fillRef idx="1">
-            <a:schemeClr val="accent1"/>
-          </a:fillRef>
-          <a:effectRef idx="0">
-            <a:schemeClr val="accent1"/>
-          </a:effectRef>
-          <a:fontRef idx="minor">
-            <a:schemeClr val="lt1"/>
-          </a:fontRef>
-        </p:style>
-        <p:txBody>
-          <a:bodyPr rtlCol="0" anchor="ctr"/>
-          <a:lstStyle/>
-          <a:p>
-            <a:pPr algn="ctr"/>
-            <a:endParaRPr lang="en-US"/>
-          </a:p>
-        </p:txBody>
-      </p:sp>
-      <p:sp>
-        <p:nvSpPr>
-          <p:cNvPr id="74" name="テキスト ボックス 73">
-            <a:extLst>
-              <a:ext uri="{FF2B5EF4-FFF2-40B4-BE49-F238E27FC236}">
-                <a16:creationId xmlns:a16="http://schemas.microsoft.com/office/drawing/2014/main" id="{79209068-AE12-45AE-B587-4FD83D2BC5ED}"/>
+      <p:sp>
+        <p:nvSpPr>
+          <p:cNvPr id="77" name="テキスト ボックス 76">
+            <a:extLst>
+              <a:ext uri="{FF2B5EF4-FFF2-40B4-BE49-F238E27FC236}">
+                <a16:creationId xmlns:a16="http://schemas.microsoft.com/office/drawing/2014/main" id="{BF54A362-6174-42FB-98F9-7852E6792885}"/>
               </a:ext>
             </a:extLst>
           </p:cNvPr>
@@ -5660,134 +5256,7 @@
         </p:nvSpPr>
         <p:spPr>
           <a:xfrm>
-            <a:off x="8276369" y="3320153"/>
-            <a:ext cx="842236" cy="307777"/>
-          </a:xfrm>
-          <a:prstGeom prst="rect">
-            <a:avLst/>
-          </a:prstGeom>
-          <a:noFill/>
-        </p:spPr>
-        <p:txBody>
-          <a:bodyPr wrap="square" rtlCol="0">
-            <a:spAutoFit/>
-          </a:bodyPr>
-          <a:lstStyle/>
-          <a:p>
-            <a:r>
-              <a:rPr lang="en-US" sz="1400" dirty="0">
-                <a:solidFill>
-                  <a:schemeClr val="bg1"/>
-                </a:solidFill>
-              </a:rPr>
-              <a:t>Handler</a:t>
-            </a:r>
-          </a:p>
-        </p:txBody>
-      </p:sp>
-      <p:sp>
-        <p:nvSpPr>
-          <p:cNvPr id="75" name="テキスト ボックス 74">
-            <a:extLst>
-              <a:ext uri="{FF2B5EF4-FFF2-40B4-BE49-F238E27FC236}">
-                <a16:creationId xmlns:a16="http://schemas.microsoft.com/office/drawing/2014/main" id="{EA46161F-C8DD-48FB-8C76-2880265F372B}"/>
-              </a:ext>
-            </a:extLst>
-          </p:cNvPr>
-          <p:cNvSpPr txBox="1"/>
-          <p:nvPr/>
-        </p:nvSpPr>
-        <p:spPr>
-          <a:xfrm>
-            <a:off x="8131521" y="2670089"/>
-            <a:ext cx="1719068" cy="261610"/>
-          </a:xfrm>
-          <a:prstGeom prst="rect">
-            <a:avLst/>
-          </a:prstGeom>
-          <a:noFill/>
-        </p:spPr>
-        <p:txBody>
-          <a:bodyPr wrap="square" rtlCol="0">
-            <a:spAutoFit/>
-          </a:bodyPr>
-          <a:lstStyle/>
-          <a:p>
-            <a:r>
-              <a:rPr lang="en-US" sz="1050" dirty="0" err="1">
-                <a:solidFill>
-                  <a:schemeClr val="bg1"/>
-                </a:solidFill>
-              </a:rPr>
-              <a:t>onProcessedData</a:t>
-            </a:r>
-            <a:endParaRPr lang="en-US" sz="1050" dirty="0">
-              <a:solidFill>
-                <a:schemeClr val="bg1"/>
-              </a:solidFill>
-            </a:endParaRPr>
-          </a:p>
-        </p:txBody>
-      </p:sp>
-      <p:sp>
-        <p:nvSpPr>
-          <p:cNvPr id="76" name="テキスト ボックス 75">
-            <a:extLst>
-              <a:ext uri="{FF2B5EF4-FFF2-40B4-BE49-F238E27FC236}">
-                <a16:creationId xmlns:a16="http://schemas.microsoft.com/office/drawing/2014/main" id="{F49D5AEB-B758-4C33-81C4-9344A9B6687A}"/>
-              </a:ext>
-            </a:extLst>
-          </p:cNvPr>
-          <p:cNvSpPr txBox="1"/>
-          <p:nvPr/>
-        </p:nvSpPr>
-        <p:spPr>
-          <a:xfrm>
-            <a:off x="7277155" y="2674705"/>
-            <a:ext cx="1719068" cy="261610"/>
-          </a:xfrm>
-          <a:prstGeom prst="rect">
-            <a:avLst/>
-          </a:prstGeom>
-          <a:noFill/>
-        </p:spPr>
-        <p:txBody>
-          <a:bodyPr wrap="square" rtlCol="0">
-            <a:spAutoFit/>
-          </a:bodyPr>
-          <a:lstStyle/>
-          <a:p>
-            <a:r>
-              <a:rPr lang="en-US" sz="1050" dirty="0" err="1">
-                <a:solidFill>
-                  <a:schemeClr val="bg1"/>
-                </a:solidFill>
-              </a:rPr>
-              <a:t>onSensorData</a:t>
-            </a:r>
-            <a:endParaRPr lang="en-US" sz="1050" dirty="0">
-              <a:solidFill>
-                <a:schemeClr val="bg1"/>
-              </a:solidFill>
-            </a:endParaRPr>
-          </a:p>
-        </p:txBody>
-      </p:sp>
-      <p:sp>
-        <p:nvSpPr>
-          <p:cNvPr id="77" name="テキスト ボックス 76">
-            <a:extLst>
-              <a:ext uri="{FF2B5EF4-FFF2-40B4-BE49-F238E27FC236}">
-                <a16:creationId xmlns:a16="http://schemas.microsoft.com/office/drawing/2014/main" id="{BF54A362-6174-42FB-98F9-7852E6792885}"/>
-              </a:ext>
-            </a:extLst>
-          </p:cNvPr>
-          <p:cNvSpPr txBox="1"/>
-          <p:nvPr/>
-        </p:nvSpPr>
-        <p:spPr>
-          <a:xfrm>
-            <a:off x="7044453" y="1602264"/>
+            <a:off x="6388673" y="1500667"/>
             <a:ext cx="2433551" cy="369332"/>
           </a:xfrm>
           <a:prstGeom prst="rect">
@@ -5826,7 +5295,7 @@
         </p:nvSpPr>
         <p:spPr>
           <a:xfrm>
-            <a:off x="3868620" y="4417274"/>
+            <a:off x="3868620" y="4601996"/>
             <a:ext cx="1071419" cy="683491"/>
           </a:xfrm>
           <a:prstGeom prst="roundRect">
@@ -5892,8 +5361,8 @@
         </p:nvCxnSpPr>
         <p:spPr>
           <a:xfrm>
-            <a:off x="4940039" y="4759020"/>
-            <a:ext cx="1091312" cy="2"/>
+            <a:off x="4940039" y="4943742"/>
+            <a:ext cx="1479242" cy="2"/>
           </a:xfrm>
           <a:prstGeom prst="straightConnector1">
             <a:avLst/>
@@ -5918,6 +5387,339 @@
           </a:fontRef>
         </p:style>
       </p:cxnSp>
+      <p:sp>
+        <p:nvSpPr>
+          <p:cNvPr id="15" name="楕円 14">
+            <a:extLst>
+              <a:ext uri="{FF2B5EF4-FFF2-40B4-BE49-F238E27FC236}">
+                <a16:creationId xmlns:a16="http://schemas.microsoft.com/office/drawing/2014/main" id="{92E67B60-4C52-4444-8F47-45E07839DAC4}"/>
+              </a:ext>
+            </a:extLst>
+          </p:cNvPr>
+          <p:cNvSpPr/>
+          <p:nvPr/>
+        </p:nvSpPr>
+        <p:spPr>
+          <a:xfrm>
+            <a:off x="7424916" y="3240005"/>
+            <a:ext cx="1160277" cy="737009"/>
+          </a:xfrm>
+          <a:prstGeom prst="ellipse">
+            <a:avLst/>
+          </a:prstGeom>
+        </p:spPr>
+        <p:style>
+          <a:lnRef idx="2">
+            <a:schemeClr val="accent1">
+              <a:shade val="50000"/>
+            </a:schemeClr>
+          </a:lnRef>
+          <a:fillRef idx="1">
+            <a:schemeClr val="accent1"/>
+          </a:fillRef>
+          <a:effectRef idx="0">
+            <a:schemeClr val="accent1"/>
+          </a:effectRef>
+          <a:fontRef idx="minor">
+            <a:schemeClr val="lt1"/>
+          </a:fontRef>
+        </p:style>
+        <p:txBody>
+          <a:bodyPr lIns="0" tIns="0" rIns="0" bIns="0" rtlCol="0" anchor="ctr"/>
+          <a:lstStyle/>
+          <a:p>
+            <a:pPr algn="ctr"/>
+            <a:r>
+              <a:rPr lang="en-US" sz="1100" dirty="0" err="1"/>
+              <a:t>EventBus</a:t>
+            </a:r>
+            <a:endParaRPr lang="en-US" sz="1100" dirty="0"/>
+          </a:p>
+          <a:p>
+            <a:pPr algn="ctr"/>
+            <a:r>
+              <a:rPr lang="en-US" sz="1100" dirty="0" err="1"/>
+              <a:t>SensorData</a:t>
+            </a:r>
+            <a:endParaRPr lang="en-US" sz="1100" dirty="0"/>
+          </a:p>
+        </p:txBody>
+      </p:sp>
+      <p:cxnSp>
+        <p:nvCxnSpPr>
+          <p:cNvPr id="57" name="コネクタ: カギ線 56">
+            <a:extLst>
+              <a:ext uri="{FF2B5EF4-FFF2-40B4-BE49-F238E27FC236}">
+                <a16:creationId xmlns:a16="http://schemas.microsoft.com/office/drawing/2014/main" id="{579F8433-5F5D-490A-9852-91618F82F901}"/>
+              </a:ext>
+            </a:extLst>
+          </p:cNvPr>
+          <p:cNvCxnSpPr>
+            <a:cxnSpLocks/>
+            <a:stCxn id="53" idx="3"/>
+            <a:endCxn id="15" idx="4"/>
+          </p:cNvCxnSpPr>
+          <p:nvPr/>
+        </p:nvCxnSpPr>
+        <p:spPr>
+          <a:xfrm flipV="1">
+            <a:off x="7490700" y="3977014"/>
+            <a:ext cx="514355" cy="966730"/>
+          </a:xfrm>
+          <a:prstGeom prst="bentConnector2">
+            <a:avLst/>
+          </a:prstGeom>
+          <a:ln w="76200">
+            <a:tailEnd type="triangle"/>
+          </a:ln>
+        </p:spPr>
+        <p:style>
+          <a:lnRef idx="1">
+            <a:schemeClr val="accent1"/>
+          </a:lnRef>
+          <a:fillRef idx="0">
+            <a:schemeClr val="accent1"/>
+          </a:fillRef>
+          <a:effectRef idx="0">
+            <a:schemeClr val="accent1"/>
+          </a:effectRef>
+          <a:fontRef idx="minor">
+            <a:schemeClr val="tx1"/>
+          </a:fontRef>
+        </p:style>
+      </p:cxnSp>
+      <p:sp>
+        <p:nvSpPr>
+          <p:cNvPr id="64" name="楕円 63">
+            <a:extLst>
+              <a:ext uri="{FF2B5EF4-FFF2-40B4-BE49-F238E27FC236}">
+                <a16:creationId xmlns:a16="http://schemas.microsoft.com/office/drawing/2014/main" id="{230501E3-41E6-4153-8FF3-194A84230D8D}"/>
+              </a:ext>
+            </a:extLst>
+          </p:cNvPr>
+          <p:cNvSpPr/>
+          <p:nvPr/>
+        </p:nvSpPr>
+        <p:spPr>
+          <a:xfrm>
+            <a:off x="8778041" y="3243699"/>
+            <a:ext cx="1160277" cy="737009"/>
+          </a:xfrm>
+          <a:prstGeom prst="ellipse">
+            <a:avLst/>
+          </a:prstGeom>
+        </p:spPr>
+        <p:style>
+          <a:lnRef idx="2">
+            <a:schemeClr val="accent1">
+              <a:shade val="50000"/>
+            </a:schemeClr>
+          </a:lnRef>
+          <a:fillRef idx="1">
+            <a:schemeClr val="accent1"/>
+          </a:fillRef>
+          <a:effectRef idx="0">
+            <a:schemeClr val="accent1"/>
+          </a:effectRef>
+          <a:fontRef idx="minor">
+            <a:schemeClr val="lt1"/>
+          </a:fontRef>
+        </p:style>
+        <p:txBody>
+          <a:bodyPr lIns="0" tIns="0" rIns="0" bIns="0" rtlCol="0" anchor="ctr"/>
+          <a:lstStyle/>
+          <a:p>
+            <a:pPr algn="ctr"/>
+            <a:r>
+              <a:rPr lang="en-US" sz="1050" dirty="0" err="1"/>
+              <a:t>EventBus</a:t>
+            </a:r>
+            <a:endParaRPr lang="en-US" sz="1050" dirty="0"/>
+          </a:p>
+          <a:p>
+            <a:pPr algn="ctr"/>
+            <a:r>
+              <a:rPr lang="en-US" sz="1050" dirty="0" err="1"/>
+              <a:t>ProcessedData</a:t>
+            </a:r>
+            <a:endParaRPr lang="en-US" sz="1050" dirty="0"/>
+          </a:p>
+        </p:txBody>
+      </p:sp>
+      <p:cxnSp>
+        <p:nvCxnSpPr>
+          <p:cNvPr id="69" name="コネクタ: カギ線 68">
+            <a:extLst>
+              <a:ext uri="{FF2B5EF4-FFF2-40B4-BE49-F238E27FC236}">
+                <a16:creationId xmlns:a16="http://schemas.microsoft.com/office/drawing/2014/main" id="{AC1F3186-ED30-4A9E-8154-724E38DCB5E1}"/>
+              </a:ext>
+            </a:extLst>
+          </p:cNvPr>
+          <p:cNvCxnSpPr>
+            <a:cxnSpLocks/>
+            <a:stCxn id="104" idx="0"/>
+            <a:endCxn id="64" idx="4"/>
+          </p:cNvCxnSpPr>
+          <p:nvPr/>
+        </p:nvCxnSpPr>
+        <p:spPr>
+          <a:xfrm rot="5400000" flipH="1" flipV="1">
+            <a:off x="8935829" y="4184263"/>
+            <a:ext cx="625905" cy="218797"/>
+          </a:xfrm>
+          <a:prstGeom prst="bentConnector3">
+            <a:avLst>
+              <a:gd name="adj1" fmla="val 50000"/>
+            </a:avLst>
+          </a:prstGeom>
+          <a:ln w="76200">
+            <a:tailEnd type="triangle"/>
+          </a:ln>
+        </p:spPr>
+        <p:style>
+          <a:lnRef idx="1">
+            <a:schemeClr val="accent1"/>
+          </a:lnRef>
+          <a:fillRef idx="0">
+            <a:schemeClr val="accent1"/>
+          </a:fillRef>
+          <a:effectRef idx="0">
+            <a:schemeClr val="accent1"/>
+          </a:effectRef>
+          <a:fontRef idx="minor">
+            <a:schemeClr val="tx1"/>
+          </a:fontRef>
+        </p:style>
+      </p:cxnSp>
+      <p:cxnSp>
+        <p:nvCxnSpPr>
+          <p:cNvPr id="78" name="コネクタ: カギ線 77">
+            <a:extLst>
+              <a:ext uri="{FF2B5EF4-FFF2-40B4-BE49-F238E27FC236}">
+                <a16:creationId xmlns:a16="http://schemas.microsoft.com/office/drawing/2014/main" id="{AA888AAB-2BCE-46C2-B8E4-A93B7E3958D3}"/>
+              </a:ext>
+            </a:extLst>
+          </p:cNvPr>
+          <p:cNvCxnSpPr>
+            <a:cxnSpLocks/>
+            <a:stCxn id="15" idx="0"/>
+            <a:endCxn id="60" idx="2"/>
+          </p:cNvCxnSpPr>
+          <p:nvPr/>
+        </p:nvCxnSpPr>
+        <p:spPr>
+          <a:xfrm rot="16200000" flipV="1">
+            <a:off x="7445974" y="2680923"/>
+            <a:ext cx="645536" cy="472627"/>
+          </a:xfrm>
+          <a:prstGeom prst="bentConnector3">
+            <a:avLst>
+              <a:gd name="adj1" fmla="val 50000"/>
+            </a:avLst>
+          </a:prstGeom>
+          <a:ln w="76200">
+            <a:tailEnd type="triangle"/>
+          </a:ln>
+        </p:spPr>
+        <p:style>
+          <a:lnRef idx="1">
+            <a:schemeClr val="accent1"/>
+          </a:lnRef>
+          <a:fillRef idx="0">
+            <a:schemeClr val="accent1"/>
+          </a:fillRef>
+          <a:effectRef idx="0">
+            <a:schemeClr val="accent1"/>
+          </a:effectRef>
+          <a:fontRef idx="minor">
+            <a:schemeClr val="tx1"/>
+          </a:fontRef>
+        </p:style>
+      </p:cxnSp>
+      <p:cxnSp>
+        <p:nvCxnSpPr>
+          <p:cNvPr id="79" name="コネクタ: カギ線 78">
+            <a:extLst>
+              <a:ext uri="{FF2B5EF4-FFF2-40B4-BE49-F238E27FC236}">
+                <a16:creationId xmlns:a16="http://schemas.microsoft.com/office/drawing/2014/main" id="{DBCEE091-83C0-4DE0-89F7-C3B129FF3DD5}"/>
+              </a:ext>
+            </a:extLst>
+          </p:cNvPr>
+          <p:cNvCxnSpPr>
+            <a:cxnSpLocks/>
+            <a:stCxn id="64" idx="0"/>
+            <a:endCxn id="61" idx="2"/>
+          </p:cNvCxnSpPr>
+          <p:nvPr/>
+        </p:nvCxnSpPr>
+        <p:spPr>
+          <a:xfrm rot="16200000" flipV="1">
+            <a:off x="8952214" y="2837732"/>
+            <a:ext cx="648544" cy="163389"/>
+          </a:xfrm>
+          <a:prstGeom prst="bentConnector3">
+            <a:avLst>
+              <a:gd name="adj1" fmla="val 50000"/>
+            </a:avLst>
+          </a:prstGeom>
+          <a:ln w="76200">
+            <a:tailEnd type="triangle"/>
+          </a:ln>
+        </p:spPr>
+        <p:style>
+          <a:lnRef idx="1">
+            <a:schemeClr val="accent1"/>
+          </a:lnRef>
+          <a:fillRef idx="0">
+            <a:schemeClr val="accent1"/>
+          </a:fillRef>
+          <a:effectRef idx="0">
+            <a:schemeClr val="accent1"/>
+          </a:effectRef>
+          <a:fontRef idx="minor">
+            <a:schemeClr val="tx1"/>
+          </a:fontRef>
+        </p:style>
+      </p:cxnSp>
+      <p:sp>
+        <p:nvSpPr>
+          <p:cNvPr id="81" name="テキスト ボックス 80">
+            <a:extLst>
+              <a:ext uri="{FF2B5EF4-FFF2-40B4-BE49-F238E27FC236}">
+                <a16:creationId xmlns:a16="http://schemas.microsoft.com/office/drawing/2014/main" id="{F9E4F433-6099-44C6-BF08-788CFEAB5692}"/>
+              </a:ext>
+            </a:extLst>
+          </p:cNvPr>
+          <p:cNvSpPr txBox="1"/>
+          <p:nvPr/>
+        </p:nvSpPr>
+        <p:spPr>
+          <a:xfrm>
+            <a:off x="8057306" y="1940095"/>
+            <a:ext cx="735731" cy="307777"/>
+          </a:xfrm>
+          <a:prstGeom prst="rect">
+            <a:avLst/>
+          </a:prstGeom>
+          <a:noFill/>
+        </p:spPr>
+        <p:txBody>
+          <a:bodyPr wrap="square" rtlCol="0">
+            <a:spAutoFit/>
+          </a:bodyPr>
+          <a:lstStyle/>
+          <a:p>
+            <a:r>
+              <a:rPr lang="en-US" sz="1400" dirty="0">
+                <a:solidFill>
+                  <a:schemeClr val="bg1"/>
+                </a:solidFill>
+              </a:rPr>
+              <a:t>Intent</a:t>
+            </a:r>
+          </a:p>
+        </p:txBody>
+      </p:sp>
     </p:spTree>
     <p:extLst>
       <p:ext uri="{BB962C8B-B14F-4D97-AF65-F5344CB8AC3E}">

--- a/doc/architecture.pptx
+++ b/doc/architecture.pptx
@@ -265,7 +265,7 @@
           <a:p>
             <a:fld id="{BD01BFE4-158D-434D-A090-6C8C9FD01481}" type="datetimeFigureOut">
               <a:rPr lang="en-US" smtClean="0"/>
-              <a:t>8/12/2017</a:t>
+              <a:t>8/13/2017</a:t>
             </a:fld>
             <a:endParaRPr lang="en-US"/>
           </a:p>
@@ -497,7 +497,7 @@
           <a:p>
             <a:fld id="{BD01BFE4-158D-434D-A090-6C8C9FD01481}" type="datetimeFigureOut">
               <a:rPr lang="en-US" smtClean="0"/>
-              <a:t>8/12/2017</a:t>
+              <a:t>8/13/2017</a:t>
             </a:fld>
             <a:endParaRPr lang="en-US"/>
           </a:p>
@@ -739,7 +739,7 @@
           <a:p>
             <a:fld id="{BD01BFE4-158D-434D-A090-6C8C9FD01481}" type="datetimeFigureOut">
               <a:rPr lang="en-US" smtClean="0"/>
-              <a:t>8/12/2017</a:t>
+              <a:t>8/13/2017</a:t>
             </a:fld>
             <a:endParaRPr lang="en-US"/>
           </a:p>
@@ -971,7 +971,7 @@
           <a:p>
             <a:fld id="{BD01BFE4-158D-434D-A090-6C8C9FD01481}" type="datetimeFigureOut">
               <a:rPr lang="en-US" smtClean="0"/>
-              <a:t>8/12/2017</a:t>
+              <a:t>8/13/2017</a:t>
             </a:fld>
             <a:endParaRPr lang="en-US"/>
           </a:p>
@@ -1247,7 +1247,7 @@
           <a:p>
             <a:fld id="{BD01BFE4-158D-434D-A090-6C8C9FD01481}" type="datetimeFigureOut">
               <a:rPr lang="en-US" smtClean="0"/>
-              <a:t>8/12/2017</a:t>
+              <a:t>8/13/2017</a:t>
             </a:fld>
             <a:endParaRPr lang="en-US"/>
           </a:p>
@@ -1579,7 +1579,7 @@
           <a:p>
             <a:fld id="{BD01BFE4-158D-434D-A090-6C8C9FD01481}" type="datetimeFigureOut">
               <a:rPr lang="en-US" smtClean="0"/>
-              <a:t>8/12/2017</a:t>
+              <a:t>8/13/2017</a:t>
             </a:fld>
             <a:endParaRPr lang="en-US"/>
           </a:p>
@@ -2058,7 +2058,7 @@
           <a:p>
             <a:fld id="{BD01BFE4-158D-434D-A090-6C8C9FD01481}" type="datetimeFigureOut">
               <a:rPr lang="en-US" smtClean="0"/>
-              <a:t>8/12/2017</a:t>
+              <a:t>8/13/2017</a:t>
             </a:fld>
             <a:endParaRPr lang="en-US"/>
           </a:p>
@@ -2200,7 +2200,7 @@
           <a:p>
             <a:fld id="{BD01BFE4-158D-434D-A090-6C8C9FD01481}" type="datetimeFigureOut">
               <a:rPr lang="en-US" smtClean="0"/>
-              <a:t>8/12/2017</a:t>
+              <a:t>8/13/2017</a:t>
             </a:fld>
             <a:endParaRPr lang="en-US"/>
           </a:p>
@@ -2313,7 +2313,7 @@
           <a:p>
             <a:fld id="{BD01BFE4-158D-434D-A090-6C8C9FD01481}" type="datetimeFigureOut">
               <a:rPr lang="en-US" smtClean="0"/>
-              <a:t>8/12/2017</a:t>
+              <a:t>8/13/2017</a:t>
             </a:fld>
             <a:endParaRPr lang="en-US"/>
           </a:p>
@@ -2658,7 +2658,7 @@
           <a:p>
             <a:fld id="{BD01BFE4-158D-434D-A090-6C8C9FD01481}" type="datetimeFigureOut">
               <a:rPr lang="en-US" smtClean="0"/>
-              <a:t>8/12/2017</a:t>
+              <a:t>8/13/2017</a:t>
             </a:fld>
             <a:endParaRPr lang="en-US"/>
           </a:p>
@@ -2947,7 +2947,7 @@
           <a:p>
             <a:fld id="{BD01BFE4-158D-434D-A090-6C8C9FD01481}" type="datetimeFigureOut">
               <a:rPr lang="en-US" smtClean="0"/>
-              <a:t>8/12/2017</a:t>
+              <a:t>8/13/2017</a:t>
             </a:fld>
             <a:endParaRPr lang="en-US"/>
           </a:p>
@@ -3222,7 +3222,7 @@
           <a:p>
             <a:fld id="{BD01BFE4-158D-434D-A090-6C8C9FD01481}" type="datetimeFigureOut">
               <a:rPr lang="en-US" smtClean="0"/>
-              <a:t>8/12/2017</a:t>
+              <a:t>8/13/2017</a:t>
             </a:fld>
             <a:endParaRPr lang="en-US"/>
           </a:p>
@@ -3653,8 +3653,8 @@
         </p:nvSpPr>
         <p:spPr>
           <a:xfrm>
-            <a:off x="10015969" y="3"/>
-            <a:ext cx="2166795" cy="6857999"/>
+            <a:off x="10497112" y="3"/>
+            <a:ext cx="1685652" cy="6857999"/>
           </a:xfrm>
           <a:prstGeom prst="rect">
             <a:avLst/>
@@ -3709,7 +3709,7 @@
         <p:spPr>
           <a:xfrm>
             <a:off x="5133695" y="3806"/>
-            <a:ext cx="4881425" cy="6857999"/>
+            <a:ext cx="5368055" cy="6857999"/>
           </a:xfrm>
           <a:prstGeom prst="rect">
             <a:avLst/>
@@ -3942,7 +3942,7 @@
         </p:nvSpPr>
         <p:spPr>
           <a:xfrm>
-            <a:off x="2604661" y="6049789"/>
+            <a:off x="2632370" y="6049789"/>
             <a:ext cx="1071419" cy="683491"/>
           </a:xfrm>
           <a:prstGeom prst="roundRect">
@@ -4066,8 +4066,8 @@
         </p:nvSpPr>
         <p:spPr>
           <a:xfrm>
-            <a:off x="5838817" y="4380786"/>
-            <a:ext cx="4007130" cy="2103133"/>
+            <a:off x="5314175" y="4380786"/>
+            <a:ext cx="5039782" cy="2103133"/>
           </a:xfrm>
           <a:prstGeom prst="roundRect">
             <a:avLst/>
@@ -4204,8 +4204,8 @@
         </p:nvCxnSpPr>
         <p:spPr>
           <a:xfrm rot="5400000">
-            <a:off x="2852465" y="5573394"/>
-            <a:ext cx="764301" cy="188488"/>
+            <a:off x="2866320" y="5587249"/>
+            <a:ext cx="764301" cy="160779"/>
           </a:xfrm>
           <a:prstGeom prst="bentConnector3">
             <a:avLst>
@@ -4245,7 +4245,7 @@
         </p:nvSpPr>
         <p:spPr>
           <a:xfrm>
-            <a:off x="8603673" y="4606613"/>
+            <a:off x="8391238" y="4606613"/>
             <a:ext cx="1071419" cy="683491"/>
           </a:xfrm>
           <a:prstGeom prst="roundRect">
@@ -4301,12 +4301,12 @@
         </p:nvCxnSpPr>
         <p:spPr>
           <a:xfrm rot="5400000" flipH="1">
-            <a:off x="8044879" y="4195601"/>
-            <a:ext cx="4615" cy="2184392"/>
+            <a:off x="7730846" y="4094003"/>
+            <a:ext cx="4615" cy="2387588"/>
           </a:xfrm>
           <a:prstGeom prst="bentConnector3">
             <a:avLst>
-              <a:gd name="adj1" fmla="val -11758093"/>
+              <a:gd name="adj1" fmla="val -10557270"/>
             </a:avLst>
           </a:prstGeom>
           <a:ln w="76200">
@@ -4342,7 +4342,7 @@
         </p:nvSpPr>
         <p:spPr>
           <a:xfrm>
-            <a:off x="10759668" y="2825430"/>
+            <a:off x="10852028" y="2834667"/>
             <a:ext cx="1071419" cy="1315029"/>
           </a:xfrm>
           <a:prstGeom prst="flowChartMagneticDisk">
@@ -4483,8 +4483,8 @@
         </p:nvSpPr>
         <p:spPr>
           <a:xfrm>
-            <a:off x="10501750" y="41775"/>
-            <a:ext cx="1849578" cy="646331"/>
+            <a:off x="10667998" y="41775"/>
+            <a:ext cx="1440875" cy="646331"/>
           </a:xfrm>
           <a:prstGeom prst="rect">
             <a:avLst/>
@@ -4612,7 +4612,7 @@
         </p:nvSpPr>
         <p:spPr>
           <a:xfrm>
-            <a:off x="6419281" y="4601998"/>
+            <a:off x="6003650" y="4601998"/>
             <a:ext cx="1071419" cy="683491"/>
           </a:xfrm>
           <a:prstGeom prst="roundRect">
@@ -4682,8 +4682,8 @@
         </p:nvCxnSpPr>
         <p:spPr>
           <a:xfrm>
-            <a:off x="7490700" y="4943744"/>
-            <a:ext cx="1112973" cy="4615"/>
+            <a:off x="7075069" y="4943744"/>
+            <a:ext cx="1316169" cy="4615"/>
           </a:xfrm>
           <a:prstGeom prst="straightConnector1">
             <a:avLst/>
@@ -4725,8 +4725,8 @@
         </p:nvCxnSpPr>
         <p:spPr>
           <a:xfrm flipV="1">
-            <a:off x="9675092" y="3482945"/>
-            <a:ext cx="1084576" cy="1465414"/>
+            <a:off x="9462657" y="3492182"/>
+            <a:ext cx="1389371" cy="1456177"/>
           </a:xfrm>
           <a:prstGeom prst="bentConnector3">
             <a:avLst>
@@ -4766,7 +4766,7 @@
         </p:nvSpPr>
         <p:spPr>
           <a:xfrm>
-            <a:off x="5306036" y="1915599"/>
+            <a:off x="5306036" y="1906363"/>
             <a:ext cx="1063043" cy="683491"/>
           </a:xfrm>
           <a:prstGeom prst="roundRect">
@@ -4864,7 +4864,7 @@
         </p:nvSpPr>
         <p:spPr>
           <a:xfrm>
-            <a:off x="5593359" y="5044731"/>
+            <a:off x="5186967" y="5072442"/>
             <a:ext cx="1071419" cy="683491"/>
           </a:xfrm>
           <a:prstGeom prst="roundRect">
@@ -5132,9 +5132,9 @@
           <p:nvPr/>
         </p:nvCxnSpPr>
         <p:spPr>
-          <a:xfrm flipH="1">
-            <a:off x="6369079" y="2252724"/>
-            <a:ext cx="631827" cy="4621"/>
+          <a:xfrm flipH="1" flipV="1">
+            <a:off x="6369079" y="2248109"/>
+            <a:ext cx="631827" cy="4615"/>
           </a:xfrm>
           <a:prstGeom prst="straightConnector1">
             <a:avLst/>
@@ -5362,7 +5362,7 @@
         <p:spPr>
           <a:xfrm>
             <a:off x="4940039" y="4943742"/>
-            <a:ext cx="1479242" cy="2"/>
+            <a:ext cx="1063611" cy="2"/>
           </a:xfrm>
           <a:prstGeom prst="straightConnector1">
             <a:avLst/>
@@ -5401,12 +5401,17 @@
         </p:nvSpPr>
         <p:spPr>
           <a:xfrm>
-            <a:off x="7424916" y="3240005"/>
+            <a:off x="7424916" y="3212294"/>
             <a:ext cx="1160277" cy="737009"/>
           </a:xfrm>
           <a:prstGeom prst="ellipse">
             <a:avLst/>
           </a:prstGeom>
+          <a:solidFill>
+            <a:schemeClr val="tx2">
+              <a:lumMod val="75000"/>
+            </a:schemeClr>
+          </a:solidFill>
         </p:spPr>
         <p:style>
           <a:lnRef idx="2">
@@ -5463,8 +5468,8 @@
         </p:nvCxnSpPr>
         <p:spPr>
           <a:xfrm flipV="1">
-            <a:off x="7490700" y="3977014"/>
-            <a:ext cx="514355" cy="966730"/>
+            <a:off x="7075069" y="3949303"/>
+            <a:ext cx="929986" cy="994441"/>
           </a:xfrm>
           <a:prstGeom prst="bentConnector2">
             <a:avLst/>
@@ -5502,12 +5507,17 @@
         </p:nvSpPr>
         <p:spPr>
           <a:xfrm>
-            <a:off x="8778041" y="3243699"/>
+            <a:off x="8778041" y="3206755"/>
             <a:ext cx="1160277" cy="737009"/>
           </a:xfrm>
           <a:prstGeom prst="ellipse">
             <a:avLst/>
           </a:prstGeom>
+          <a:solidFill>
+            <a:schemeClr val="tx2">
+              <a:lumMod val="75000"/>
+            </a:schemeClr>
+          </a:solidFill>
         </p:spPr>
         <p:style>
           <a:lnRef idx="2">
@@ -5564,8 +5574,8 @@
         </p:nvCxnSpPr>
         <p:spPr>
           <a:xfrm rot="5400000" flipH="1" flipV="1">
-            <a:off x="8935829" y="4184263"/>
-            <a:ext cx="625905" cy="218797"/>
+            <a:off x="8811140" y="4059573"/>
+            <a:ext cx="662849" cy="431232"/>
           </a:xfrm>
           <a:prstGeom prst="bentConnector3">
             <a:avLst>
@@ -5609,8 +5619,8 @@
         </p:nvCxnSpPr>
         <p:spPr>
           <a:xfrm rot="16200000" flipV="1">
-            <a:off x="7445974" y="2680923"/>
-            <a:ext cx="645536" cy="472627"/>
+            <a:off x="7459830" y="2667068"/>
+            <a:ext cx="617825" cy="472627"/>
           </a:xfrm>
           <a:prstGeom prst="bentConnector3">
             <a:avLst>
@@ -5654,8 +5664,8 @@
         </p:nvCxnSpPr>
         <p:spPr>
           <a:xfrm rot="16200000" flipV="1">
-            <a:off x="8952214" y="2837732"/>
-            <a:ext cx="648544" cy="163389"/>
+            <a:off x="8970686" y="2819260"/>
+            <a:ext cx="611600" cy="163389"/>
           </a:xfrm>
           <a:prstGeom prst="bentConnector3">
             <a:avLst>
@@ -5716,6 +5726,58 @@
                 </a:solidFill>
               </a:rPr>
               <a:t>Intent</a:t>
+            </a:r>
+          </a:p>
+        </p:txBody>
+      </p:sp>
+      <p:sp>
+        <p:nvSpPr>
+          <p:cNvPr id="44" name="四角形: 角を丸くする 43">
+            <a:extLst>
+              <a:ext uri="{FF2B5EF4-FFF2-40B4-BE49-F238E27FC236}">
+                <a16:creationId xmlns:a16="http://schemas.microsoft.com/office/drawing/2014/main" id="{057002C3-63F8-45BC-89E8-8239764234F1}"/>
+              </a:ext>
+            </a:extLst>
+          </p:cNvPr>
+          <p:cNvSpPr/>
+          <p:nvPr/>
+        </p:nvSpPr>
+        <p:spPr>
+          <a:xfrm>
+            <a:off x="9097813" y="5193118"/>
+            <a:ext cx="1071419" cy="683491"/>
+          </a:xfrm>
+          <a:prstGeom prst="roundRect">
+            <a:avLst/>
+          </a:prstGeom>
+          <a:solidFill>
+            <a:srgbClr val="00B0F0"/>
+          </a:solidFill>
+        </p:spPr>
+        <p:style>
+          <a:lnRef idx="2">
+            <a:schemeClr val="accent1">
+              <a:shade val="50000"/>
+            </a:schemeClr>
+          </a:lnRef>
+          <a:fillRef idx="1">
+            <a:schemeClr val="accent1"/>
+          </a:fillRef>
+          <a:effectRef idx="0">
+            <a:schemeClr val="accent1"/>
+          </a:effectRef>
+          <a:fontRef idx="minor">
+            <a:schemeClr val="lt1"/>
+          </a:fontRef>
+        </p:style>
+        <p:txBody>
+          <a:bodyPr rtlCol="0" anchor="ctr"/>
+          <a:lstStyle/>
+          <a:p>
+            <a:pPr algn="ctr"/>
+            <a:r>
+              <a:rPr lang="en-US" sz="1400" dirty="0"/>
+              <a:t>Cycling</a:t>
             </a:r>
           </a:p>
         </p:txBody>

--- a/doc/architecture.pptx
+++ b/doc/architecture.pptx
@@ -265,7 +265,7 @@
           <a:p>
             <a:fld id="{BD01BFE4-158D-434D-A090-6C8C9FD01481}" type="datetimeFigureOut">
               <a:rPr lang="en-US" smtClean="0"/>
-              <a:t>8/13/2017</a:t>
+              <a:t>8/15/2017</a:t>
             </a:fld>
             <a:endParaRPr lang="en-US"/>
           </a:p>
@@ -497,7 +497,7 @@
           <a:p>
             <a:fld id="{BD01BFE4-158D-434D-A090-6C8C9FD01481}" type="datetimeFigureOut">
               <a:rPr lang="en-US" smtClean="0"/>
-              <a:t>8/13/2017</a:t>
+              <a:t>8/15/2017</a:t>
             </a:fld>
             <a:endParaRPr lang="en-US"/>
           </a:p>
@@ -739,7 +739,7 @@
           <a:p>
             <a:fld id="{BD01BFE4-158D-434D-A090-6C8C9FD01481}" type="datetimeFigureOut">
               <a:rPr lang="en-US" smtClean="0"/>
-              <a:t>8/13/2017</a:t>
+              <a:t>8/15/2017</a:t>
             </a:fld>
             <a:endParaRPr lang="en-US"/>
           </a:p>
@@ -971,7 +971,7 @@
           <a:p>
             <a:fld id="{BD01BFE4-158D-434D-A090-6C8C9FD01481}" type="datetimeFigureOut">
               <a:rPr lang="en-US" smtClean="0"/>
-              <a:t>8/13/2017</a:t>
+              <a:t>8/15/2017</a:t>
             </a:fld>
             <a:endParaRPr lang="en-US"/>
           </a:p>
@@ -1247,7 +1247,7 @@
           <a:p>
             <a:fld id="{BD01BFE4-158D-434D-A090-6C8C9FD01481}" type="datetimeFigureOut">
               <a:rPr lang="en-US" smtClean="0"/>
-              <a:t>8/13/2017</a:t>
+              <a:t>8/15/2017</a:t>
             </a:fld>
             <a:endParaRPr lang="en-US"/>
           </a:p>
@@ -1579,7 +1579,7 @@
           <a:p>
             <a:fld id="{BD01BFE4-158D-434D-A090-6C8C9FD01481}" type="datetimeFigureOut">
               <a:rPr lang="en-US" smtClean="0"/>
-              <a:t>8/13/2017</a:t>
+              <a:t>8/15/2017</a:t>
             </a:fld>
             <a:endParaRPr lang="en-US"/>
           </a:p>
@@ -2058,7 +2058,7 @@
           <a:p>
             <a:fld id="{BD01BFE4-158D-434D-A090-6C8C9FD01481}" type="datetimeFigureOut">
               <a:rPr lang="en-US" smtClean="0"/>
-              <a:t>8/13/2017</a:t>
+              <a:t>8/15/2017</a:t>
             </a:fld>
             <a:endParaRPr lang="en-US"/>
           </a:p>
@@ -2200,7 +2200,7 @@
           <a:p>
             <a:fld id="{BD01BFE4-158D-434D-A090-6C8C9FD01481}" type="datetimeFigureOut">
               <a:rPr lang="en-US" smtClean="0"/>
-              <a:t>8/13/2017</a:t>
+              <a:t>8/15/2017</a:t>
             </a:fld>
             <a:endParaRPr lang="en-US"/>
           </a:p>
@@ -2313,7 +2313,7 @@
           <a:p>
             <a:fld id="{BD01BFE4-158D-434D-A090-6C8C9FD01481}" type="datetimeFigureOut">
               <a:rPr lang="en-US" smtClean="0"/>
-              <a:t>8/13/2017</a:t>
+              <a:t>8/15/2017</a:t>
             </a:fld>
             <a:endParaRPr lang="en-US"/>
           </a:p>
@@ -2658,7 +2658,7 @@
           <a:p>
             <a:fld id="{BD01BFE4-158D-434D-A090-6C8C9FD01481}" type="datetimeFigureOut">
               <a:rPr lang="en-US" smtClean="0"/>
-              <a:t>8/13/2017</a:t>
+              <a:t>8/15/2017</a:t>
             </a:fld>
             <a:endParaRPr lang="en-US"/>
           </a:p>
@@ -2947,7 +2947,7 @@
           <a:p>
             <a:fld id="{BD01BFE4-158D-434D-A090-6C8C9FD01481}" type="datetimeFigureOut">
               <a:rPr lang="en-US" smtClean="0"/>
-              <a:t>8/13/2017</a:t>
+              <a:t>8/15/2017</a:t>
             </a:fld>
             <a:endParaRPr lang="en-US"/>
           </a:p>
@@ -3222,7 +3222,7 @@
           <a:p>
             <a:fld id="{BD01BFE4-158D-434D-A090-6C8C9FD01481}" type="datetimeFigureOut">
               <a:rPr lang="en-US" smtClean="0"/>
-              <a:t>8/13/2017</a:t>
+              <a:t>8/15/2017</a:t>
             </a:fld>
             <a:endParaRPr lang="en-US"/>
           </a:p>
@@ -4231,58 +4231,6 @@
           </a:fontRef>
         </p:style>
       </p:cxnSp>
-      <p:sp>
-        <p:nvSpPr>
-          <p:cNvPr id="104" name="四角形: 角を丸くする 103">
-            <a:extLst>
-              <a:ext uri="{FF2B5EF4-FFF2-40B4-BE49-F238E27FC236}">
-                <a16:creationId xmlns:a16="http://schemas.microsoft.com/office/drawing/2014/main" id="{F1C92791-1A60-49DB-946A-3437A109F333}"/>
-              </a:ext>
-            </a:extLst>
-          </p:cNvPr>
-          <p:cNvSpPr/>
-          <p:nvPr/>
-        </p:nvSpPr>
-        <p:spPr>
-          <a:xfrm>
-            <a:off x="8391238" y="4606613"/>
-            <a:ext cx="1071419" cy="683491"/>
-          </a:xfrm>
-          <a:prstGeom prst="roundRect">
-            <a:avLst/>
-          </a:prstGeom>
-          <a:solidFill>
-            <a:srgbClr val="00B0F0"/>
-          </a:solidFill>
-        </p:spPr>
-        <p:style>
-          <a:lnRef idx="2">
-            <a:schemeClr val="accent1">
-              <a:shade val="50000"/>
-            </a:schemeClr>
-          </a:lnRef>
-          <a:fillRef idx="1">
-            <a:schemeClr val="accent1"/>
-          </a:fillRef>
-          <a:effectRef idx="0">
-            <a:schemeClr val="accent1"/>
-          </a:effectRef>
-          <a:fontRef idx="minor">
-            <a:schemeClr val="lt1"/>
-          </a:fontRef>
-        </p:style>
-        <p:txBody>
-          <a:bodyPr rtlCol="0" anchor="ctr"/>
-          <a:lstStyle/>
-          <a:p>
-            <a:pPr algn="ctr"/>
-            <a:r>
-              <a:rPr lang="en-US" sz="1400" dirty="0"/>
-              <a:t>Edge computing</a:t>
-            </a:r>
-          </a:p>
-        </p:txBody>
-      </p:sp>
       <p:cxnSp>
         <p:nvCxnSpPr>
           <p:cNvPr id="112" name="コネクタ: カギ線 111">
@@ -4404,7 +4352,7 @@
         </p:nvSpPr>
         <p:spPr>
           <a:xfrm>
-            <a:off x="5361688" y="43981"/>
+            <a:off x="5574126" y="43981"/>
             <a:ext cx="4484259" cy="646331"/>
           </a:xfrm>
           <a:prstGeom prst="rect">
@@ -4567,7 +4515,7 @@
         </p:nvSpPr>
         <p:spPr>
           <a:xfrm>
-            <a:off x="5264714" y="856992"/>
+            <a:off x="5514094" y="856992"/>
             <a:ext cx="4626572" cy="584775"/>
           </a:xfrm>
           <a:prstGeom prst="rect">
@@ -5011,7 +4959,7 @@
         </p:nvSpPr>
         <p:spPr>
           <a:xfrm>
-            <a:off x="8659081" y="1911664"/>
+            <a:off x="9194786" y="1911664"/>
             <a:ext cx="1071419" cy="683491"/>
           </a:xfrm>
           <a:prstGeom prst="roundRect">
@@ -5177,7 +5125,7 @@
         <p:spPr>
           <a:xfrm>
             <a:off x="8063949" y="2252724"/>
-            <a:ext cx="595132" cy="686"/>
+            <a:ext cx="1130837" cy="686"/>
           </a:xfrm>
           <a:prstGeom prst="straightConnector1">
             <a:avLst/>
@@ -5244,45 +5192,6 @@
       </p:cxnSp>
       <p:sp>
         <p:nvSpPr>
-          <p:cNvPr id="77" name="テキスト ボックス 76">
-            <a:extLst>
-              <a:ext uri="{FF2B5EF4-FFF2-40B4-BE49-F238E27FC236}">
-                <a16:creationId xmlns:a16="http://schemas.microsoft.com/office/drawing/2014/main" id="{BF54A362-6174-42FB-98F9-7852E6792885}"/>
-              </a:ext>
-            </a:extLst>
-          </p:cNvPr>
-          <p:cNvSpPr txBox="1"/>
-          <p:nvPr/>
-        </p:nvSpPr>
-        <p:spPr>
-          <a:xfrm>
-            <a:off x="6388673" y="1500667"/>
-            <a:ext cx="2433551" cy="369332"/>
-          </a:xfrm>
-          <a:prstGeom prst="rect">
-            <a:avLst/>
-          </a:prstGeom>
-          <a:noFill/>
-        </p:spPr>
-        <p:txBody>
-          <a:bodyPr wrap="none" rtlCol="0">
-            <a:spAutoFit/>
-          </a:bodyPr>
-          <a:lstStyle/>
-          <a:p>
-            <a:r>
-              <a:rPr lang="en-US" dirty="0">
-                <a:solidFill>
-                  <a:schemeClr val="bg1"/>
-                </a:solidFill>
-              </a:rPr>
-              <a:t>Sensor Network Activity</a:t>
-            </a:r>
-          </a:p>
-        </p:txBody>
-      </p:sp>
-      <p:sp>
-        <p:nvSpPr>
           <p:cNvPr id="98" name="四角形: 角を丸くする 97">
             <a:extLst>
               <a:ext uri="{FF2B5EF4-FFF2-40B4-BE49-F238E27FC236}">
@@ -5295,7 +5204,7 @@
         </p:nvSpPr>
         <p:spPr>
           <a:xfrm>
-            <a:off x="3868620" y="4601996"/>
+            <a:off x="3868620" y="4611232"/>
             <a:ext cx="1071419" cy="683491"/>
           </a:xfrm>
           <a:prstGeom prst="roundRect">
@@ -5360,9 +5269,9 @@
           <p:nvPr/>
         </p:nvCxnSpPr>
         <p:spPr>
-          <a:xfrm>
-            <a:off x="4940039" y="4943742"/>
-            <a:ext cx="1063611" cy="2"/>
+          <a:xfrm flipV="1">
+            <a:off x="4940039" y="4943744"/>
+            <a:ext cx="1063611" cy="9234"/>
           </a:xfrm>
           <a:prstGeom prst="straightConnector1">
             <a:avLst/>
@@ -5473,114 +5382,6 @@
           </a:xfrm>
           <a:prstGeom prst="bentConnector2">
             <a:avLst/>
-          </a:prstGeom>
-          <a:ln w="76200">
-            <a:tailEnd type="triangle"/>
-          </a:ln>
-        </p:spPr>
-        <p:style>
-          <a:lnRef idx="1">
-            <a:schemeClr val="accent1"/>
-          </a:lnRef>
-          <a:fillRef idx="0">
-            <a:schemeClr val="accent1"/>
-          </a:fillRef>
-          <a:effectRef idx="0">
-            <a:schemeClr val="accent1"/>
-          </a:effectRef>
-          <a:fontRef idx="minor">
-            <a:schemeClr val="tx1"/>
-          </a:fontRef>
-        </p:style>
-      </p:cxnSp>
-      <p:sp>
-        <p:nvSpPr>
-          <p:cNvPr id="64" name="楕円 63">
-            <a:extLst>
-              <a:ext uri="{FF2B5EF4-FFF2-40B4-BE49-F238E27FC236}">
-                <a16:creationId xmlns:a16="http://schemas.microsoft.com/office/drawing/2014/main" id="{230501E3-41E6-4153-8FF3-194A84230D8D}"/>
-              </a:ext>
-            </a:extLst>
-          </p:cNvPr>
-          <p:cNvSpPr/>
-          <p:nvPr/>
-        </p:nvSpPr>
-        <p:spPr>
-          <a:xfrm>
-            <a:off x="8778041" y="3206755"/>
-            <a:ext cx="1160277" cy="737009"/>
-          </a:xfrm>
-          <a:prstGeom prst="ellipse">
-            <a:avLst/>
-          </a:prstGeom>
-          <a:solidFill>
-            <a:schemeClr val="tx2">
-              <a:lumMod val="75000"/>
-            </a:schemeClr>
-          </a:solidFill>
-        </p:spPr>
-        <p:style>
-          <a:lnRef idx="2">
-            <a:schemeClr val="accent1">
-              <a:shade val="50000"/>
-            </a:schemeClr>
-          </a:lnRef>
-          <a:fillRef idx="1">
-            <a:schemeClr val="accent1"/>
-          </a:fillRef>
-          <a:effectRef idx="0">
-            <a:schemeClr val="accent1"/>
-          </a:effectRef>
-          <a:fontRef idx="minor">
-            <a:schemeClr val="lt1"/>
-          </a:fontRef>
-        </p:style>
-        <p:txBody>
-          <a:bodyPr lIns="0" tIns="0" rIns="0" bIns="0" rtlCol="0" anchor="ctr"/>
-          <a:lstStyle/>
-          <a:p>
-            <a:pPr algn="ctr"/>
-            <a:r>
-              <a:rPr lang="en-US" sz="1050" dirty="0" err="1"/>
-              <a:t>EventBus</a:t>
-            </a:r>
-            <a:endParaRPr lang="en-US" sz="1050" dirty="0"/>
-          </a:p>
-          <a:p>
-            <a:pPr algn="ctr"/>
-            <a:r>
-              <a:rPr lang="en-US" sz="1050" dirty="0" err="1"/>
-              <a:t>ProcessedData</a:t>
-            </a:r>
-            <a:endParaRPr lang="en-US" sz="1050" dirty="0"/>
-          </a:p>
-        </p:txBody>
-      </p:sp>
-      <p:cxnSp>
-        <p:nvCxnSpPr>
-          <p:cNvPr id="69" name="コネクタ: カギ線 68">
-            <a:extLst>
-              <a:ext uri="{FF2B5EF4-FFF2-40B4-BE49-F238E27FC236}">
-                <a16:creationId xmlns:a16="http://schemas.microsoft.com/office/drawing/2014/main" id="{AC1F3186-ED30-4A9E-8154-724E38DCB5E1}"/>
-              </a:ext>
-            </a:extLst>
-          </p:cNvPr>
-          <p:cNvCxnSpPr>
-            <a:cxnSpLocks/>
-            <a:stCxn id="104" idx="0"/>
-            <a:endCxn id="64" idx="4"/>
-          </p:cNvCxnSpPr>
-          <p:nvPr/>
-        </p:nvCxnSpPr>
-        <p:spPr>
-          <a:xfrm rot="5400000" flipH="1" flipV="1">
-            <a:off x="8811140" y="4059573"/>
-            <a:ext cx="662849" cy="431232"/>
-          </a:xfrm>
-          <a:prstGeom prst="bentConnector3">
-            <a:avLst>
-              <a:gd name="adj1" fmla="val 50000"/>
-            </a:avLst>
           </a:prstGeom>
           <a:ln w="76200">
             <a:tailEnd type="triangle"/>
@@ -5663,9 +5464,9 @@
           <p:nvPr/>
         </p:nvCxnSpPr>
         <p:spPr>
-          <a:xfrm rot="16200000" flipV="1">
-            <a:off x="8970686" y="2819260"/>
-            <a:ext cx="611600" cy="163389"/>
+          <a:xfrm rot="5400000" flipH="1" flipV="1">
+            <a:off x="9293956" y="2770216"/>
+            <a:ext cx="611600" cy="261479"/>
           </a:xfrm>
           <a:prstGeom prst="bentConnector3">
             <a:avLst>
@@ -5744,7 +5545,7 @@
         </p:nvSpPr>
         <p:spPr>
           <a:xfrm>
-            <a:off x="9097813" y="5193118"/>
+            <a:off x="9162465" y="5193118"/>
             <a:ext cx="1071419" cy="683491"/>
           </a:xfrm>
           <a:prstGeom prst="roundRect">
@@ -5778,6 +5579,384 @@
             <a:r>
               <a:rPr lang="en-US" sz="1400" dirty="0"/>
               <a:t>Cycling</a:t>
+            </a:r>
+          </a:p>
+        </p:txBody>
+      </p:sp>
+      <p:sp>
+        <p:nvSpPr>
+          <p:cNvPr id="2" name="四角形: 角を丸くする 1">
+            <a:extLst>
+              <a:ext uri="{FF2B5EF4-FFF2-40B4-BE49-F238E27FC236}">
+                <a16:creationId xmlns:a16="http://schemas.microsoft.com/office/drawing/2014/main" id="{B166ABCF-257D-4EBF-AE85-34FD2E0BB91A}"/>
+              </a:ext>
+            </a:extLst>
+          </p:cNvPr>
+          <p:cNvSpPr/>
+          <p:nvPr/>
+        </p:nvSpPr>
+        <p:spPr>
+          <a:xfrm>
+            <a:off x="9051635" y="1801091"/>
+            <a:ext cx="1330029" cy="4193142"/>
+          </a:xfrm>
+          <a:prstGeom prst="roundRect">
+            <a:avLst>
+              <a:gd name="adj" fmla="val 9723"/>
+            </a:avLst>
+          </a:prstGeom>
+          <a:noFill/>
+          <a:ln w="28575">
+            <a:solidFill>
+              <a:schemeClr val="bg1"/>
+            </a:solidFill>
+            <a:prstDash val="dash"/>
+          </a:ln>
+        </p:spPr>
+        <p:style>
+          <a:lnRef idx="2">
+            <a:schemeClr val="accent1">
+              <a:shade val="50000"/>
+            </a:schemeClr>
+          </a:lnRef>
+          <a:fillRef idx="1">
+            <a:schemeClr val="accent1"/>
+          </a:fillRef>
+          <a:effectRef idx="0">
+            <a:schemeClr val="accent1"/>
+          </a:effectRef>
+          <a:fontRef idx="minor">
+            <a:schemeClr val="lt1"/>
+          </a:fontRef>
+        </p:style>
+        <p:txBody>
+          <a:bodyPr rtlCol="0" anchor="ctr"/>
+          <a:lstStyle/>
+          <a:p>
+            <a:pPr algn="ctr"/>
+            <a:endParaRPr lang="en-US"/>
+          </a:p>
+        </p:txBody>
+      </p:sp>
+      <p:sp>
+        <p:nvSpPr>
+          <p:cNvPr id="14" name="テキスト ボックス 13">
+            <a:extLst>
+              <a:ext uri="{FF2B5EF4-FFF2-40B4-BE49-F238E27FC236}">
+                <a16:creationId xmlns:a16="http://schemas.microsoft.com/office/drawing/2014/main" id="{70BA2E67-B334-450C-A08D-5C836524494B}"/>
+              </a:ext>
+            </a:extLst>
+          </p:cNvPr>
+          <p:cNvSpPr txBox="1"/>
+          <p:nvPr/>
+        </p:nvSpPr>
+        <p:spPr>
+          <a:xfrm>
+            <a:off x="9320534" y="1440939"/>
+            <a:ext cx="1822668" cy="369332"/>
+          </a:xfrm>
+          <a:prstGeom prst="rect">
+            <a:avLst/>
+          </a:prstGeom>
+          <a:noFill/>
+        </p:spPr>
+        <p:txBody>
+          <a:bodyPr wrap="square" rtlCol="0">
+            <a:spAutoFit/>
+          </a:bodyPr>
+          <a:lstStyle/>
+          <a:p>
+            <a:r>
+              <a:rPr lang="en-US" dirty="0" err="1">
+                <a:solidFill>
+                  <a:schemeClr val="bg1"/>
+                </a:solidFill>
+              </a:rPr>
+              <a:t>plugIn</a:t>
+            </a:r>
+            <a:endParaRPr lang="en-US" dirty="0">
+              <a:solidFill>
+                <a:schemeClr val="bg1"/>
+              </a:solidFill>
+            </a:endParaRPr>
+          </a:p>
+        </p:txBody>
+      </p:sp>
+      <p:sp>
+        <p:nvSpPr>
+          <p:cNvPr id="64" name="楕円 63">
+            <a:extLst>
+              <a:ext uri="{FF2B5EF4-FFF2-40B4-BE49-F238E27FC236}">
+                <a16:creationId xmlns:a16="http://schemas.microsoft.com/office/drawing/2014/main" id="{230501E3-41E6-4153-8FF3-194A84230D8D}"/>
+              </a:ext>
+            </a:extLst>
+          </p:cNvPr>
+          <p:cNvSpPr/>
+          <p:nvPr/>
+        </p:nvSpPr>
+        <p:spPr>
+          <a:xfrm>
+            <a:off x="8888878" y="3206755"/>
+            <a:ext cx="1160277" cy="737009"/>
+          </a:xfrm>
+          <a:prstGeom prst="ellipse">
+            <a:avLst/>
+          </a:prstGeom>
+          <a:solidFill>
+            <a:schemeClr val="tx2">
+              <a:lumMod val="75000"/>
+            </a:schemeClr>
+          </a:solidFill>
+        </p:spPr>
+        <p:style>
+          <a:lnRef idx="2">
+            <a:schemeClr val="accent1">
+              <a:shade val="50000"/>
+            </a:schemeClr>
+          </a:lnRef>
+          <a:fillRef idx="1">
+            <a:schemeClr val="accent1"/>
+          </a:fillRef>
+          <a:effectRef idx="0">
+            <a:schemeClr val="accent1"/>
+          </a:effectRef>
+          <a:fontRef idx="minor">
+            <a:schemeClr val="lt1"/>
+          </a:fontRef>
+        </p:style>
+        <p:txBody>
+          <a:bodyPr lIns="0" tIns="0" rIns="0" bIns="0" rtlCol="0" anchor="ctr"/>
+          <a:lstStyle/>
+          <a:p>
+            <a:pPr algn="ctr"/>
+            <a:r>
+              <a:rPr lang="en-US" sz="1050" dirty="0" err="1"/>
+              <a:t>EventBus</a:t>
+            </a:r>
+            <a:endParaRPr lang="en-US" sz="1050" dirty="0"/>
+          </a:p>
+          <a:p>
+            <a:pPr algn="ctr"/>
+            <a:r>
+              <a:rPr lang="en-US" sz="1050" dirty="0" err="1"/>
+              <a:t>ProcessedData</a:t>
+            </a:r>
+            <a:endParaRPr lang="en-US" sz="1050" dirty="0"/>
+          </a:p>
+        </p:txBody>
+      </p:sp>
+      <p:sp>
+        <p:nvSpPr>
+          <p:cNvPr id="104" name="四角形: 角を丸くする 103">
+            <a:extLst>
+              <a:ext uri="{FF2B5EF4-FFF2-40B4-BE49-F238E27FC236}">
+                <a16:creationId xmlns:a16="http://schemas.microsoft.com/office/drawing/2014/main" id="{F1C92791-1A60-49DB-946A-3437A109F333}"/>
+              </a:ext>
+            </a:extLst>
+          </p:cNvPr>
+          <p:cNvSpPr/>
+          <p:nvPr/>
+        </p:nvSpPr>
+        <p:spPr>
+          <a:xfrm>
+            <a:off x="8391238" y="4606613"/>
+            <a:ext cx="1071419" cy="683491"/>
+          </a:xfrm>
+          <a:prstGeom prst="roundRect">
+            <a:avLst/>
+          </a:prstGeom>
+          <a:solidFill>
+            <a:srgbClr val="00B0F0"/>
+          </a:solidFill>
+        </p:spPr>
+        <p:style>
+          <a:lnRef idx="2">
+            <a:schemeClr val="accent1">
+              <a:shade val="50000"/>
+            </a:schemeClr>
+          </a:lnRef>
+          <a:fillRef idx="1">
+            <a:schemeClr val="accent1"/>
+          </a:fillRef>
+          <a:effectRef idx="0">
+            <a:schemeClr val="accent1"/>
+          </a:effectRef>
+          <a:fontRef idx="minor">
+            <a:schemeClr val="lt1"/>
+          </a:fontRef>
+        </p:style>
+        <p:txBody>
+          <a:bodyPr rtlCol="0" anchor="ctr"/>
+          <a:lstStyle/>
+          <a:p>
+            <a:pPr algn="ctr"/>
+            <a:r>
+              <a:rPr lang="en-US" sz="1400" dirty="0"/>
+              <a:t>Edge computing</a:t>
+            </a:r>
+          </a:p>
+        </p:txBody>
+      </p:sp>
+      <p:cxnSp>
+        <p:nvCxnSpPr>
+          <p:cNvPr id="69" name="コネクタ: カギ線 68">
+            <a:extLst>
+              <a:ext uri="{FF2B5EF4-FFF2-40B4-BE49-F238E27FC236}">
+                <a16:creationId xmlns:a16="http://schemas.microsoft.com/office/drawing/2014/main" id="{AC1F3186-ED30-4A9E-8154-724E38DCB5E1}"/>
+              </a:ext>
+            </a:extLst>
+          </p:cNvPr>
+          <p:cNvCxnSpPr>
+            <a:cxnSpLocks/>
+            <a:stCxn id="104" idx="0"/>
+            <a:endCxn id="64" idx="4"/>
+          </p:cNvCxnSpPr>
+          <p:nvPr/>
+        </p:nvCxnSpPr>
+        <p:spPr>
+          <a:xfrm rot="5400000" flipH="1" flipV="1">
+            <a:off x="8866558" y="4004155"/>
+            <a:ext cx="662849" cy="542069"/>
+          </a:xfrm>
+          <a:prstGeom prst="bentConnector3">
+            <a:avLst>
+              <a:gd name="adj1" fmla="val 50000"/>
+            </a:avLst>
+          </a:prstGeom>
+          <a:ln w="76200">
+            <a:tailEnd type="triangle"/>
+          </a:ln>
+        </p:spPr>
+        <p:style>
+          <a:lnRef idx="1">
+            <a:schemeClr val="accent1"/>
+          </a:lnRef>
+          <a:fillRef idx="0">
+            <a:schemeClr val="accent1"/>
+          </a:fillRef>
+          <a:effectRef idx="0">
+            <a:schemeClr val="accent1"/>
+          </a:effectRef>
+          <a:fontRef idx="minor">
+            <a:schemeClr val="tx1"/>
+          </a:fontRef>
+        </p:style>
+      </p:cxnSp>
+      <p:sp>
+        <p:nvSpPr>
+          <p:cNvPr id="59" name="四角形: 角を丸くする 58">
+            <a:extLst>
+              <a:ext uri="{FF2B5EF4-FFF2-40B4-BE49-F238E27FC236}">
+                <a16:creationId xmlns:a16="http://schemas.microsoft.com/office/drawing/2014/main" id="{D5E5E615-C6CA-4303-9D48-6DD5B51E6E0E}"/>
+              </a:ext>
+            </a:extLst>
+          </p:cNvPr>
+          <p:cNvSpPr/>
+          <p:nvPr/>
+        </p:nvSpPr>
+        <p:spPr>
+          <a:xfrm>
+            <a:off x="3854766" y="5299339"/>
+            <a:ext cx="1071419" cy="683491"/>
+          </a:xfrm>
+          <a:prstGeom prst="roundRect">
+            <a:avLst/>
+          </a:prstGeom>
+          <a:noFill/>
+          <a:ln>
+            <a:solidFill>
+              <a:schemeClr val="bg1"/>
+            </a:solidFill>
+            <a:prstDash val="dash"/>
+          </a:ln>
+        </p:spPr>
+        <p:style>
+          <a:lnRef idx="2">
+            <a:schemeClr val="accent1">
+              <a:shade val="50000"/>
+            </a:schemeClr>
+          </a:lnRef>
+          <a:fillRef idx="1">
+            <a:schemeClr val="accent1"/>
+          </a:fillRef>
+          <a:effectRef idx="0">
+            <a:schemeClr val="accent1"/>
+          </a:effectRef>
+          <a:fontRef idx="minor">
+            <a:schemeClr val="lt1"/>
+          </a:fontRef>
+        </p:style>
+        <p:txBody>
+          <a:bodyPr rtlCol="0" anchor="ctr"/>
+          <a:lstStyle/>
+          <a:p>
+            <a:pPr algn="ctr"/>
+            <a:r>
+              <a:rPr lang="en-US" sz="1050" dirty="0"/>
+              <a:t>UART/BLE converter</a:t>
+            </a:r>
+          </a:p>
+          <a:p>
+            <a:pPr algn="ctr"/>
+            <a:r>
+              <a:rPr lang="en-US" sz="1050" dirty="0"/>
+              <a:t>to be added in the future</a:t>
+            </a:r>
+          </a:p>
+        </p:txBody>
+      </p:sp>
+      <p:sp>
+        <p:nvSpPr>
+          <p:cNvPr id="62" name="四角形: 角を丸くする 61">
+            <a:extLst>
+              <a:ext uri="{FF2B5EF4-FFF2-40B4-BE49-F238E27FC236}">
+                <a16:creationId xmlns:a16="http://schemas.microsoft.com/office/drawing/2014/main" id="{9BF195D3-FD5F-4A38-BEEE-15FBAAC15216}"/>
+              </a:ext>
+            </a:extLst>
+          </p:cNvPr>
+          <p:cNvSpPr/>
+          <p:nvPr/>
+        </p:nvSpPr>
+        <p:spPr>
+          <a:xfrm>
+            <a:off x="5414518" y="5726208"/>
+            <a:ext cx="1071419" cy="683491"/>
+          </a:xfrm>
+          <a:prstGeom prst="roundRect">
+            <a:avLst/>
+          </a:prstGeom>
+          <a:noFill/>
+          <a:ln>
+            <a:solidFill>
+              <a:schemeClr val="bg1"/>
+            </a:solidFill>
+            <a:prstDash val="dash"/>
+          </a:ln>
+        </p:spPr>
+        <p:style>
+          <a:lnRef idx="2">
+            <a:schemeClr val="accent1">
+              <a:shade val="50000"/>
+            </a:schemeClr>
+          </a:lnRef>
+          <a:fillRef idx="1">
+            <a:schemeClr val="accent1"/>
+          </a:fillRef>
+          <a:effectRef idx="0">
+            <a:schemeClr val="accent1"/>
+          </a:effectRef>
+          <a:fontRef idx="minor">
+            <a:schemeClr val="lt1"/>
+          </a:fontRef>
+        </p:style>
+        <p:txBody>
+          <a:bodyPr rtlCol="0" anchor="ctr"/>
+          <a:lstStyle/>
+          <a:p>
+            <a:pPr algn="ctr"/>
+            <a:r>
+              <a:rPr lang="en-US" sz="1050" dirty="0"/>
+              <a:t>BLE device driver to be added in the future</a:t>
             </a:r>
           </a:p>
         </p:txBody>

--- a/doc/architecture.pptx
+++ b/doc/architecture.pptx
@@ -265,7 +265,7 @@
           <a:p>
             <a:fld id="{BD01BFE4-158D-434D-A090-6C8C9FD01481}" type="datetimeFigureOut">
               <a:rPr lang="en-US" smtClean="0"/>
-              <a:t>8/15/2017</a:t>
+              <a:t>8/16/2017</a:t>
             </a:fld>
             <a:endParaRPr lang="en-US"/>
           </a:p>
@@ -497,7 +497,7 @@
           <a:p>
             <a:fld id="{BD01BFE4-158D-434D-A090-6C8C9FD01481}" type="datetimeFigureOut">
               <a:rPr lang="en-US" smtClean="0"/>
-              <a:t>8/15/2017</a:t>
+              <a:t>8/16/2017</a:t>
             </a:fld>
             <a:endParaRPr lang="en-US"/>
           </a:p>
@@ -739,7 +739,7 @@
           <a:p>
             <a:fld id="{BD01BFE4-158D-434D-A090-6C8C9FD01481}" type="datetimeFigureOut">
               <a:rPr lang="en-US" smtClean="0"/>
-              <a:t>8/15/2017</a:t>
+              <a:t>8/16/2017</a:t>
             </a:fld>
             <a:endParaRPr lang="en-US"/>
           </a:p>
@@ -971,7 +971,7 @@
           <a:p>
             <a:fld id="{BD01BFE4-158D-434D-A090-6C8C9FD01481}" type="datetimeFigureOut">
               <a:rPr lang="en-US" smtClean="0"/>
-              <a:t>8/15/2017</a:t>
+              <a:t>8/16/2017</a:t>
             </a:fld>
             <a:endParaRPr lang="en-US"/>
           </a:p>
@@ -1247,7 +1247,7 @@
           <a:p>
             <a:fld id="{BD01BFE4-158D-434D-A090-6C8C9FD01481}" type="datetimeFigureOut">
               <a:rPr lang="en-US" smtClean="0"/>
-              <a:t>8/15/2017</a:t>
+              <a:t>8/16/2017</a:t>
             </a:fld>
             <a:endParaRPr lang="en-US"/>
           </a:p>
@@ -1579,7 +1579,7 @@
           <a:p>
             <a:fld id="{BD01BFE4-158D-434D-A090-6C8C9FD01481}" type="datetimeFigureOut">
               <a:rPr lang="en-US" smtClean="0"/>
-              <a:t>8/15/2017</a:t>
+              <a:t>8/16/2017</a:t>
             </a:fld>
             <a:endParaRPr lang="en-US"/>
           </a:p>
@@ -2058,7 +2058,7 @@
           <a:p>
             <a:fld id="{BD01BFE4-158D-434D-A090-6C8C9FD01481}" type="datetimeFigureOut">
               <a:rPr lang="en-US" smtClean="0"/>
-              <a:t>8/15/2017</a:t>
+              <a:t>8/16/2017</a:t>
             </a:fld>
             <a:endParaRPr lang="en-US"/>
           </a:p>
@@ -2200,7 +2200,7 @@
           <a:p>
             <a:fld id="{BD01BFE4-158D-434D-A090-6C8C9FD01481}" type="datetimeFigureOut">
               <a:rPr lang="en-US" smtClean="0"/>
-              <a:t>8/15/2017</a:t>
+              <a:t>8/16/2017</a:t>
             </a:fld>
             <a:endParaRPr lang="en-US"/>
           </a:p>
@@ -2313,7 +2313,7 @@
           <a:p>
             <a:fld id="{BD01BFE4-158D-434D-A090-6C8C9FD01481}" type="datetimeFigureOut">
               <a:rPr lang="en-US" smtClean="0"/>
-              <a:t>8/15/2017</a:t>
+              <a:t>8/16/2017</a:t>
             </a:fld>
             <a:endParaRPr lang="en-US"/>
           </a:p>
@@ -2658,7 +2658,7 @@
           <a:p>
             <a:fld id="{BD01BFE4-158D-434D-A090-6C8C9FD01481}" type="datetimeFigureOut">
               <a:rPr lang="en-US" smtClean="0"/>
-              <a:t>8/15/2017</a:t>
+              <a:t>8/16/2017</a:t>
             </a:fld>
             <a:endParaRPr lang="en-US"/>
           </a:p>
@@ -2947,7 +2947,7 @@
           <a:p>
             <a:fld id="{BD01BFE4-158D-434D-A090-6C8C9FD01481}" type="datetimeFigureOut">
               <a:rPr lang="en-US" smtClean="0"/>
-              <a:t>8/15/2017</a:t>
+              <a:t>8/16/2017</a:t>
             </a:fld>
             <a:endParaRPr lang="en-US"/>
           </a:p>
@@ -3222,7 +3222,7 @@
           <a:p>
             <a:fld id="{BD01BFE4-158D-434D-A090-6C8C9FD01481}" type="datetimeFigureOut">
               <a:rPr lang="en-US" smtClean="0"/>
-              <a:t>8/15/2017</a:t>
+              <a:t>8/16/2017</a:t>
             </a:fld>
             <a:endParaRPr lang="en-US"/>
           </a:p>
@@ -4290,7 +4290,7 @@
         </p:nvSpPr>
         <p:spPr>
           <a:xfrm>
-            <a:off x="10852028" y="2834667"/>
+            <a:off x="10852028" y="3222590"/>
             <a:ext cx="1071419" cy="1315029"/>
           </a:xfrm>
           <a:prstGeom prst="flowChartMagneticDisk">
@@ -4325,15 +4325,8 @@
           <a:p>
             <a:pPr algn="ctr"/>
             <a:r>
-              <a:rPr lang="en-US" sz="1600" dirty="0"/>
-              <a:t>Cloud</a:t>
-            </a:r>
-          </a:p>
-          <a:p>
-            <a:pPr algn="ctr"/>
-            <a:r>
-              <a:rPr lang="en-US" sz="1600" dirty="0"/>
-              <a:t>Database</a:t>
+              <a:rPr lang="en-US" sz="1400" dirty="0"/>
+              <a:t>Cassandra</a:t>
             </a:r>
           </a:p>
         </p:txBody>
@@ -4673,8 +4666,8 @@
         </p:nvCxnSpPr>
         <p:spPr>
           <a:xfrm flipV="1">
-            <a:off x="9462657" y="3492182"/>
-            <a:ext cx="1389371" cy="1456177"/>
+            <a:off x="9462657" y="3880105"/>
+            <a:ext cx="1389371" cy="1068254"/>
           </a:xfrm>
           <a:prstGeom prst="bentConnector3">
             <a:avLst>
@@ -5958,6 +5951,62 @@
               <a:rPr lang="en-US" sz="1050" dirty="0"/>
               <a:t>BLE device driver to be added in the future</a:t>
             </a:r>
+          </a:p>
+        </p:txBody>
+      </p:sp>
+      <p:sp>
+        <p:nvSpPr>
+          <p:cNvPr id="51" name="フローチャート: 磁気ディスク 50">
+            <a:extLst>
+              <a:ext uri="{FF2B5EF4-FFF2-40B4-BE49-F238E27FC236}">
+                <a16:creationId xmlns:a16="http://schemas.microsoft.com/office/drawing/2014/main" id="{E57F9536-234A-4654-8FCC-BB65D0511A94}"/>
+              </a:ext>
+            </a:extLst>
+          </p:cNvPr>
+          <p:cNvSpPr/>
+          <p:nvPr/>
+        </p:nvSpPr>
+        <p:spPr>
+          <a:xfrm>
+            <a:off x="10848106" y="1764096"/>
+            <a:ext cx="1071419" cy="1315029"/>
+          </a:xfrm>
+          <a:prstGeom prst="flowChartMagneticDisk">
+            <a:avLst/>
+          </a:prstGeom>
+          <a:solidFill>
+            <a:schemeClr val="accent2">
+              <a:lumMod val="60000"/>
+              <a:lumOff val="40000"/>
+            </a:schemeClr>
+          </a:solidFill>
+        </p:spPr>
+        <p:style>
+          <a:lnRef idx="2">
+            <a:schemeClr val="accent1">
+              <a:shade val="50000"/>
+            </a:schemeClr>
+          </a:lnRef>
+          <a:fillRef idx="1">
+            <a:schemeClr val="accent1"/>
+          </a:fillRef>
+          <a:effectRef idx="0">
+            <a:schemeClr val="accent1"/>
+          </a:effectRef>
+          <a:fontRef idx="minor">
+            <a:schemeClr val="lt1"/>
+          </a:fontRef>
+        </p:style>
+        <p:txBody>
+          <a:bodyPr rtlCol="0" anchor="ctr"/>
+          <a:lstStyle/>
+          <a:p>
+            <a:pPr algn="ctr"/>
+            <a:r>
+              <a:rPr lang="en-US" sz="1400" dirty="0" err="1"/>
+              <a:t>ZooKeeper</a:t>
+            </a:r>
+            <a:endParaRPr lang="en-US" sz="1400" dirty="0"/>
           </a:p>
         </p:txBody>
       </p:sp>
